--- a/inflearn01/doc/교재.pptx
+++ b/inflearn01/doc/교재.pptx
@@ -5,10 +5,10 @@
     <p:sldMasterId id="2147483648" r:id="rId1"/>
   </p:sldMasterIdLst>
   <p:notesMasterIdLst>
-    <p:notesMasterId r:id="rId12"/>
+    <p:notesMasterId r:id="rId15"/>
   </p:notesMasterIdLst>
   <p:handoutMasterIdLst>
-    <p:handoutMasterId r:id="rId13"/>
+    <p:handoutMasterId r:id="rId16"/>
   </p:handoutMasterIdLst>
   <p:sldIdLst>
     <p:sldId id="261" r:id="rId2"/>
@@ -21,6 +21,9 @@
     <p:sldId id="282" r:id="rId9"/>
     <p:sldId id="281" r:id="rId10"/>
     <p:sldId id="283" r:id="rId11"/>
+    <p:sldId id="284" r:id="rId12"/>
+    <p:sldId id="287" r:id="rId13"/>
+    <p:sldId id="288" r:id="rId14"/>
   </p:sldIdLst>
   <p:sldSz cx="12192000" cy="6858000"/>
   <p:notesSz cx="6858000" cy="9144000"/>
@@ -231,7 +234,7 @@
                 <a:latin typeface="맑은 고딕" panose="020B0503020000020004" pitchFamily="50" charset="-127"/>
                 <a:ea typeface="맑은 고딕" panose="020B0503020000020004" pitchFamily="50" charset="-127"/>
               </a:rPr>
-              <a:t>2021년 3월 17일</a:t>
+              <a:t>2021년 3월 25일</a:t>
             </a:fld>
             <a:endParaRPr lang="ko-KR" altLang="en-US">
               <a:latin typeface="맑은 고딕" panose="020B0503020000020004" pitchFamily="50" charset="-127"/>
@@ -417,7 +420,7 @@
             <a:fld id="{BE16EC8A-0758-4FA9-BF4D-3119057076D1}" type="datetime4">
               <a:rPr lang="ko-KR" altLang="en-US" smtClean="0"/>
               <a:pPr/>
-              <a:t>2021년 3월 17일</a:t>
+              <a:t>2021년 3월 25일</a:t>
             </a:fld>
             <a:endParaRPr lang="ko-KR" altLang="en-US"/>
           </a:p>
@@ -3468,7 +3471,7 @@
           <a:p>
             <a:fld id="{2A5B65E4-62A8-4988-B07B-5D6D443B14ED}" type="datetime4">
               <a:rPr lang="ko-KR" altLang="en-US" smtClean="0"/>
-              <a:t>2021년 3월 17일</a:t>
+              <a:t>2021년 3월 25일</a:t>
             </a:fld>
             <a:endParaRPr lang="ko-KR" altLang="en-US"/>
           </a:p>
@@ -3724,7 +3727,7 @@
           <a:p>
             <a:fld id="{58EB6286-0DE7-4336-9826-977AD102FCF2}" type="datetime4">
               <a:rPr lang="ko-KR" altLang="en-US" noProof="0" smtClean="0"/>
-              <a:t>2021년 3월 17일</a:t>
+              <a:t>2021년 3월 25일</a:t>
             </a:fld>
             <a:endParaRPr lang="ko-KR" altLang="en-US" noProof="0"/>
           </a:p>
@@ -3920,7 +3923,7 @@
             <a:pPr rtl="0"/>
             <a:fld id="{6A5419DA-7218-42E5-A443-F000500111E1}" type="datetime4">
               <a:rPr lang="ko-KR" altLang="en-US" noProof="0" smtClean="0"/>
-              <a:t>2021년 3월 17일</a:t>
+              <a:t>2021년 3월 25일</a:t>
             </a:fld>
             <a:endParaRPr lang="ko-KR" altLang="en-US" noProof="0"/>
           </a:p>
@@ -6321,7 +6324,7 @@
           <a:p>
             <a:fld id="{E498C52F-1DF1-4226-BAB6-C1E2EE4C9D62}" type="datetime4">
               <a:rPr lang="ko-KR" altLang="en-US" noProof="0" smtClean="0"/>
-              <a:t>2021년 3월 17일</a:t>
+              <a:t>2021년 3월 25일</a:t>
             </a:fld>
             <a:endParaRPr lang="ko-KR" altLang="en-US" noProof="0"/>
           </a:p>
@@ -6840,7 +6843,7 @@
           <a:p>
             <a:fld id="{7B1E1FFC-F755-4558-8D3C-A157D1A01A8A}" type="datetime4">
               <a:rPr lang="ko-KR" altLang="en-US" noProof="0" smtClean="0"/>
-              <a:t>2021년 3월 17일</a:t>
+              <a:t>2021년 3월 25일</a:t>
             </a:fld>
             <a:endParaRPr lang="ko-KR" altLang="en-US" noProof="0"/>
           </a:p>
@@ -6984,7 +6987,7 @@
             <a:pPr rtl="0"/>
             <a:fld id="{DA2A33C0-A4A8-4C90-B6DA-35B8CF58C816}" type="datetime4">
               <a:rPr lang="ko-KR" altLang="en-US" noProof="0" smtClean="0"/>
-              <a:t>2021년 3월 17일</a:t>
+              <a:t>2021년 3월 25일</a:t>
             </a:fld>
             <a:endParaRPr lang="ko-KR" altLang="en-US" noProof="0"/>
           </a:p>
@@ -8932,7 +8935,7 @@
           <a:p>
             <a:fld id="{53CB1B8F-A14A-4BE4-A9B9-3B263F04145C}" type="datetime4">
               <a:rPr lang="ko-KR" altLang="en-US" noProof="0" smtClean="0"/>
-              <a:t>2021년 3월 17일</a:t>
+              <a:t>2021년 3월 25일</a:t>
             </a:fld>
             <a:endParaRPr lang="ko-KR" altLang="en-US" noProof="0"/>
           </a:p>
@@ -11229,7 +11232,7 @@
           <a:p>
             <a:fld id="{5B9196A3-957C-4113-A568-B6ED9AEA3D01}" type="datetime4">
               <a:rPr lang="ko-KR" altLang="en-US" noProof="0" smtClean="0"/>
-              <a:t>2021년 3월 17일</a:t>
+              <a:t>2021년 3월 25일</a:t>
             </a:fld>
             <a:endParaRPr lang="ko-KR" altLang="en-US" noProof="0"/>
           </a:p>
@@ -15546,7 +15549,7 @@
           <a:p>
             <a:fld id="{28BEB146-D335-4DA5-9826-58595BCDBE2E}" type="datetime4">
               <a:rPr lang="ko-KR" altLang="en-US" noProof="0" smtClean="0"/>
-              <a:t>2021년 3월 17일</a:t>
+              <a:t>2021년 3월 25일</a:t>
             </a:fld>
             <a:endParaRPr lang="ko-KR" altLang="en-US" noProof="0"/>
           </a:p>
@@ -16277,6 +16280,895 @@
     <p:extLst>
       <p:ext uri="{BB962C8B-B14F-4D97-AF65-F5344CB8AC3E}">
         <p14:creationId xmlns:p14="http://schemas.microsoft.com/office/powerpoint/2010/main" val="708731840"/>
+      </p:ext>
+    </p:extLst>
+  </p:cSld>
+  <p:clrMapOvr>
+    <a:masterClrMapping/>
+  </p:clrMapOvr>
+  <mc:AlternateContent xmlns:mc="http://schemas.openxmlformats.org/markup-compatibility/2006" xmlns:p14="http://schemas.microsoft.com/office/powerpoint/2010/main">
+    <mc:Choice Requires="p14">
+      <p:transition spd="med" p14:dur="700">
+        <p:fade/>
+      </p:transition>
+    </mc:Choice>
+    <mc:Fallback xmlns="">
+      <p:transition spd="med">
+        <p:fade/>
+      </p:transition>
+    </mc:Fallback>
+  </mc:AlternateContent>
+</p:sld>
+</file>
+
+<file path=ppt/slides/slide11.xml><?xml version="1.0" encoding="utf-8"?>
+<p:sld xmlns:a="http://schemas.openxmlformats.org/drawingml/2006/main" xmlns:r="http://schemas.openxmlformats.org/officeDocument/2006/relationships" xmlns:p="http://schemas.openxmlformats.org/presentationml/2006/main">
+  <p:cSld>
+    <p:spTree>
+      <p:nvGrpSpPr>
+        <p:cNvPr id="1" name=""/>
+        <p:cNvGrpSpPr/>
+        <p:nvPr/>
+      </p:nvGrpSpPr>
+      <p:grpSpPr>
+        <a:xfrm>
+          <a:off x="0" y="0"/>
+          <a:ext cx="0" cy="0"/>
+          <a:chOff x="0" y="0"/>
+          <a:chExt cx="0" cy="0"/>
+        </a:xfrm>
+      </p:grpSpPr>
+      <p:sp>
+        <p:nvSpPr>
+          <p:cNvPr id="2" name="제목 1">
+            <a:extLst>
+              <a:ext uri="{FF2B5EF4-FFF2-40B4-BE49-F238E27FC236}">
+                <a16:creationId xmlns:a16="http://schemas.microsoft.com/office/drawing/2014/main" id="{C1C68253-90CF-4946-BF3B-25FD54398673}"/>
+              </a:ext>
+            </a:extLst>
+          </p:cNvPr>
+          <p:cNvSpPr>
+            <a:spLocks noGrp="1"/>
+          </p:cNvSpPr>
+          <p:nvPr>
+            <p:ph type="title"/>
+          </p:nvPr>
+        </p:nvSpPr>
+        <p:spPr>
+          <a:xfrm>
+            <a:off x="1295400" y="503853"/>
+            <a:ext cx="9601200" cy="1142385"/>
+          </a:xfrm>
+        </p:spPr>
+        <p:txBody>
+          <a:bodyPr anchor="b">
+            <a:normAutofit/>
+          </a:bodyPr>
+          <a:lstStyle/>
+          <a:p>
+            <a:pPr rtl="0"/>
+            <a:r>
+              <a:rPr lang="en-US" altLang="ko-KR"/>
+              <a:t>Don't reinvent the wheel.</a:t>
+            </a:r>
+            <a:br>
+              <a:rPr lang="en-US" altLang="ko-KR"/>
+            </a:br>
+            <a:r>
+              <a:rPr lang="ko-KR" altLang="en-US"/>
+              <a:t>바퀴를 다시 발명하지 말아라</a:t>
+            </a:r>
+            <a:r>
+              <a:rPr lang="en-US" altLang="ko-KR"/>
+              <a:t>.</a:t>
+            </a:r>
+          </a:p>
+        </p:txBody>
+      </p:sp>
+      <p:pic>
+        <p:nvPicPr>
+          <p:cNvPr id="5" name="내용 개체 틀 4">
+            <a:extLst>
+              <a:ext uri="{FF2B5EF4-FFF2-40B4-BE49-F238E27FC236}">
+                <a16:creationId xmlns:a16="http://schemas.microsoft.com/office/drawing/2014/main" id="{70894F7D-AF23-46E8-92D7-2214E744B05D}"/>
+              </a:ext>
+            </a:extLst>
+          </p:cNvPr>
+          <p:cNvPicPr>
+            <a:picLocks noGrp="1" noChangeAspect="1"/>
+          </p:cNvPicPr>
+          <p:nvPr>
+            <p:ph idx="1"/>
+          </p:nvPr>
+        </p:nvPicPr>
+        <p:blipFill>
+          <a:blip r:embed="rId2"/>
+          <a:stretch>
+            <a:fillRect/>
+          </a:stretch>
+        </p:blipFill>
+        <p:spPr>
+          <a:xfrm>
+            <a:off x="1376321" y="1895194"/>
+            <a:ext cx="5556344" cy="2764282"/>
+          </a:xfrm>
+          <a:noFill/>
+        </p:spPr>
+      </p:pic>
+      <p:pic>
+        <p:nvPicPr>
+          <p:cNvPr id="7" name="그림 6">
+            <a:extLst>
+              <a:ext uri="{FF2B5EF4-FFF2-40B4-BE49-F238E27FC236}">
+                <a16:creationId xmlns:a16="http://schemas.microsoft.com/office/drawing/2014/main" id="{CC468656-318B-4A7D-A06C-A716F8BA6F85}"/>
+              </a:ext>
+            </a:extLst>
+          </p:cNvPr>
+          <p:cNvPicPr>
+            <a:picLocks noChangeAspect="1"/>
+          </p:cNvPicPr>
+          <p:nvPr/>
+        </p:nvPicPr>
+        <p:blipFill>
+          <a:blip r:embed="rId3"/>
+          <a:stretch>
+            <a:fillRect/>
+          </a:stretch>
+        </p:blipFill>
+        <p:spPr>
+          <a:xfrm>
+            <a:off x="1743779" y="4787050"/>
+            <a:ext cx="6154009" cy="1000265"/>
+          </a:xfrm>
+          <a:prstGeom prst="rect">
+            <a:avLst/>
+          </a:prstGeom>
+        </p:spPr>
+      </p:pic>
+    </p:spTree>
+    <p:extLst>
+      <p:ext uri="{BB962C8B-B14F-4D97-AF65-F5344CB8AC3E}">
+        <p14:creationId xmlns:p14="http://schemas.microsoft.com/office/powerpoint/2010/main" val="2207162199"/>
+      </p:ext>
+    </p:extLst>
+  </p:cSld>
+  <p:clrMapOvr>
+    <a:masterClrMapping/>
+  </p:clrMapOvr>
+  <mc:AlternateContent xmlns:mc="http://schemas.openxmlformats.org/markup-compatibility/2006" xmlns:p14="http://schemas.microsoft.com/office/powerpoint/2010/main">
+    <mc:Choice Requires="p14">
+      <p:transition spd="med" p14:dur="700">
+        <p:fade/>
+      </p:transition>
+    </mc:Choice>
+    <mc:Fallback xmlns="">
+      <p:transition spd="med">
+        <p:fade/>
+      </p:transition>
+    </mc:Fallback>
+  </mc:AlternateContent>
+</p:sld>
+</file>
+
+<file path=ppt/slides/slide12.xml><?xml version="1.0" encoding="utf-8"?>
+<p:sld xmlns:a="http://schemas.openxmlformats.org/drawingml/2006/main" xmlns:r="http://schemas.openxmlformats.org/officeDocument/2006/relationships" xmlns:p="http://schemas.openxmlformats.org/presentationml/2006/main">
+  <p:cSld>
+    <p:spTree>
+      <p:nvGrpSpPr>
+        <p:cNvPr id="1" name=""/>
+        <p:cNvGrpSpPr/>
+        <p:nvPr/>
+      </p:nvGrpSpPr>
+      <p:grpSpPr>
+        <a:xfrm>
+          <a:off x="0" y="0"/>
+          <a:ext cx="0" cy="0"/>
+          <a:chOff x="0" y="0"/>
+          <a:chExt cx="0" cy="0"/>
+        </a:xfrm>
+      </p:grpSpPr>
+      <p:sp>
+        <p:nvSpPr>
+          <p:cNvPr id="2" name="제목 1">
+            <a:extLst>
+              <a:ext uri="{FF2B5EF4-FFF2-40B4-BE49-F238E27FC236}">
+                <a16:creationId xmlns:a16="http://schemas.microsoft.com/office/drawing/2014/main" id="{ECCA7AC3-3403-40E5-A0D4-986B677A5A9C}"/>
+              </a:ext>
+            </a:extLst>
+          </p:cNvPr>
+          <p:cNvSpPr>
+            <a:spLocks noGrp="1"/>
+          </p:cNvSpPr>
+          <p:nvPr>
+            <p:ph type="title"/>
+          </p:nvPr>
+        </p:nvSpPr>
+        <p:spPr/>
+        <p:txBody>
+          <a:bodyPr/>
+          <a:lstStyle/>
+          <a:p>
+            <a:r>
+              <a:rPr lang="en-US" altLang="ko-KR"/>
+              <a:t>Don't reinvent the wheel.</a:t>
+            </a:r>
+            <a:br>
+              <a:rPr lang="en-US" altLang="ko-KR"/>
+            </a:br>
+            <a:r>
+              <a:rPr lang="ko-KR" altLang="en-US"/>
+              <a:t>바퀴를 다시 발명하지 말아라</a:t>
+            </a:r>
+            <a:r>
+              <a:rPr lang="en-US" altLang="ko-KR"/>
+              <a:t>.</a:t>
+            </a:r>
+            <a:endParaRPr lang="ko-KR" altLang="en-US"/>
+          </a:p>
+        </p:txBody>
+      </p:sp>
+      <p:sp>
+        <p:nvSpPr>
+          <p:cNvPr id="9" name="직사각형 8">
+            <a:extLst>
+              <a:ext uri="{FF2B5EF4-FFF2-40B4-BE49-F238E27FC236}">
+                <a16:creationId xmlns:a16="http://schemas.microsoft.com/office/drawing/2014/main" id="{0AE8024A-8CEE-40A6-8010-61C702C3EB4D}"/>
+              </a:ext>
+            </a:extLst>
+          </p:cNvPr>
+          <p:cNvSpPr/>
+          <p:nvPr/>
+        </p:nvSpPr>
+        <p:spPr>
+          <a:xfrm>
+            <a:off x="1295400" y="2165278"/>
+            <a:ext cx="2311685" cy="495729"/>
+          </a:xfrm>
+          <a:prstGeom prst="rect">
+            <a:avLst/>
+          </a:prstGeom>
+        </p:spPr>
+        <p:style>
+          <a:lnRef idx="1">
+            <a:schemeClr val="accent3"/>
+          </a:lnRef>
+          <a:fillRef idx="2">
+            <a:schemeClr val="accent3"/>
+          </a:fillRef>
+          <a:effectRef idx="1">
+            <a:schemeClr val="accent3"/>
+          </a:effectRef>
+          <a:fontRef idx="minor">
+            <a:schemeClr val="dk1"/>
+          </a:fontRef>
+        </p:style>
+        <p:txBody>
+          <a:bodyPr rtlCol="0" anchor="ctr"/>
+          <a:lstStyle/>
+          <a:p>
+            <a:pPr algn="ctr"/>
+            <a:r>
+              <a:rPr lang="ko-KR" altLang="en-US"/>
+              <a:t>이론</a:t>
+            </a:r>
+          </a:p>
+        </p:txBody>
+      </p:sp>
+      <p:sp>
+        <p:nvSpPr>
+          <p:cNvPr id="11" name="직사각형 10">
+            <a:extLst>
+              <a:ext uri="{FF2B5EF4-FFF2-40B4-BE49-F238E27FC236}">
+                <a16:creationId xmlns:a16="http://schemas.microsoft.com/office/drawing/2014/main" id="{711329C5-CA0B-46F7-96B4-E5546CA40174}"/>
+              </a:ext>
+            </a:extLst>
+          </p:cNvPr>
+          <p:cNvSpPr/>
+          <p:nvPr/>
+        </p:nvSpPr>
+        <p:spPr>
+          <a:xfrm>
+            <a:off x="1295399" y="3006046"/>
+            <a:ext cx="2311685" cy="495729"/>
+          </a:xfrm>
+          <a:prstGeom prst="rect">
+            <a:avLst/>
+          </a:prstGeom>
+        </p:spPr>
+        <p:style>
+          <a:lnRef idx="1">
+            <a:schemeClr val="accent3"/>
+          </a:lnRef>
+          <a:fillRef idx="2">
+            <a:schemeClr val="accent3"/>
+          </a:fillRef>
+          <a:effectRef idx="1">
+            <a:schemeClr val="accent3"/>
+          </a:effectRef>
+          <a:fontRef idx="minor">
+            <a:schemeClr val="dk1"/>
+          </a:fontRef>
+        </p:style>
+        <p:txBody>
+          <a:bodyPr rtlCol="0" anchor="ctr"/>
+          <a:lstStyle/>
+          <a:p>
+            <a:pPr algn="ctr"/>
+            <a:r>
+              <a:rPr lang="ko-KR" altLang="en-US"/>
+              <a:t>구현</a:t>
+            </a:r>
+          </a:p>
+        </p:txBody>
+      </p:sp>
+      <p:sp>
+        <p:nvSpPr>
+          <p:cNvPr id="12" name="직사각형 11">
+            <a:extLst>
+              <a:ext uri="{FF2B5EF4-FFF2-40B4-BE49-F238E27FC236}">
+                <a16:creationId xmlns:a16="http://schemas.microsoft.com/office/drawing/2014/main" id="{A01565C1-248B-4B45-AE72-1B3598580C0F}"/>
+              </a:ext>
+            </a:extLst>
+          </p:cNvPr>
+          <p:cNvSpPr/>
+          <p:nvPr/>
+        </p:nvSpPr>
+        <p:spPr>
+          <a:xfrm>
+            <a:off x="1295399" y="3855376"/>
+            <a:ext cx="2311685" cy="495729"/>
+          </a:xfrm>
+          <a:prstGeom prst="rect">
+            <a:avLst/>
+          </a:prstGeom>
+        </p:spPr>
+        <p:style>
+          <a:lnRef idx="1">
+            <a:schemeClr val="accent3"/>
+          </a:lnRef>
+          <a:fillRef idx="2">
+            <a:schemeClr val="accent3"/>
+          </a:fillRef>
+          <a:effectRef idx="1">
+            <a:schemeClr val="accent3"/>
+          </a:effectRef>
+          <a:fontRef idx="minor">
+            <a:schemeClr val="dk1"/>
+          </a:fontRef>
+        </p:style>
+        <p:txBody>
+          <a:bodyPr rtlCol="0" anchor="ctr"/>
+          <a:lstStyle/>
+          <a:p>
+            <a:pPr algn="ctr"/>
+            <a:r>
+              <a:rPr lang="ko-KR" altLang="en-US"/>
+              <a:t>제공</a:t>
+            </a:r>
+          </a:p>
+        </p:txBody>
+      </p:sp>
+      <p:sp>
+        <p:nvSpPr>
+          <p:cNvPr id="13" name="직사각형 12">
+            <a:extLst>
+              <a:ext uri="{FF2B5EF4-FFF2-40B4-BE49-F238E27FC236}">
+                <a16:creationId xmlns:a16="http://schemas.microsoft.com/office/drawing/2014/main" id="{845F9F1B-1F54-4C6E-AC31-B5CFE94FE647}"/>
+              </a:ext>
+            </a:extLst>
+          </p:cNvPr>
+          <p:cNvSpPr/>
+          <p:nvPr/>
+        </p:nvSpPr>
+        <p:spPr>
+          <a:xfrm>
+            <a:off x="1295399" y="5476981"/>
+            <a:ext cx="2311685" cy="495729"/>
+          </a:xfrm>
+          <a:prstGeom prst="rect">
+            <a:avLst/>
+          </a:prstGeom>
+        </p:spPr>
+        <p:style>
+          <a:lnRef idx="1">
+            <a:schemeClr val="accent3"/>
+          </a:lnRef>
+          <a:fillRef idx="2">
+            <a:schemeClr val="accent3"/>
+          </a:fillRef>
+          <a:effectRef idx="1">
+            <a:schemeClr val="accent3"/>
+          </a:effectRef>
+          <a:fontRef idx="minor">
+            <a:schemeClr val="dk1"/>
+          </a:fontRef>
+        </p:style>
+        <p:txBody>
+          <a:bodyPr rtlCol="0" anchor="ctr"/>
+          <a:lstStyle/>
+          <a:p>
+            <a:pPr algn="ctr"/>
+            <a:r>
+              <a:rPr lang="ko-KR" altLang="en-US"/>
+              <a:t>작동하는 </a:t>
+            </a:r>
+            <a:r>
+              <a:rPr lang="en-US" altLang="ko-KR"/>
+              <a:t>SW</a:t>
+            </a:r>
+            <a:endParaRPr lang="ko-KR" altLang="en-US"/>
+          </a:p>
+        </p:txBody>
+      </p:sp>
+      <p:sp>
+        <p:nvSpPr>
+          <p:cNvPr id="14" name="TextBox 13">
+            <a:extLst>
+              <a:ext uri="{FF2B5EF4-FFF2-40B4-BE49-F238E27FC236}">
+                <a16:creationId xmlns:a16="http://schemas.microsoft.com/office/drawing/2014/main" id="{9B690F2A-16EA-492A-8884-8390E2440B05}"/>
+              </a:ext>
+            </a:extLst>
+          </p:cNvPr>
+          <p:cNvSpPr txBox="1"/>
+          <p:nvPr/>
+        </p:nvSpPr>
+        <p:spPr>
+          <a:xfrm>
+            <a:off x="3873357" y="2228476"/>
+            <a:ext cx="5096267" cy="369332"/>
+          </a:xfrm>
+          <a:prstGeom prst="rect">
+            <a:avLst/>
+          </a:prstGeom>
+          <a:noFill/>
+        </p:spPr>
+        <p:txBody>
+          <a:bodyPr wrap="none" rtlCol="0">
+            <a:spAutoFit/>
+          </a:bodyPr>
+          <a:lstStyle/>
+          <a:p>
+            <a:r>
+              <a:rPr lang="en-US" altLang="ko-KR"/>
+              <a:t>SW</a:t>
+            </a:r>
+            <a:r>
+              <a:rPr lang="ko-KR" altLang="en-US"/>
+              <a:t>추상화</a:t>
+            </a:r>
+            <a:r>
+              <a:rPr lang="en-US" altLang="ko-KR"/>
+              <a:t>, </a:t>
+            </a:r>
+            <a:r>
+              <a:rPr lang="ko-KR" altLang="en-US"/>
+              <a:t>트랜젝션</a:t>
+            </a:r>
+            <a:r>
+              <a:rPr lang="en-US" altLang="ko-KR"/>
+              <a:t>, </a:t>
+            </a:r>
+            <a:r>
+              <a:rPr lang="ko-KR" altLang="en-US"/>
+              <a:t>정보보호</a:t>
+            </a:r>
+            <a:r>
+              <a:rPr lang="en-US" altLang="ko-KR"/>
+              <a:t>, </a:t>
+            </a:r>
+            <a:r>
+              <a:rPr lang="ko-KR" altLang="en-US"/>
+              <a:t>비기능품질속성</a:t>
+            </a:r>
+          </a:p>
+        </p:txBody>
+      </p:sp>
+      <p:sp>
+        <p:nvSpPr>
+          <p:cNvPr id="15" name="TextBox 14">
+            <a:extLst>
+              <a:ext uri="{FF2B5EF4-FFF2-40B4-BE49-F238E27FC236}">
+                <a16:creationId xmlns:a16="http://schemas.microsoft.com/office/drawing/2014/main" id="{165EA4AD-20D9-4C20-A95C-AD07F447B7F0}"/>
+              </a:ext>
+            </a:extLst>
+          </p:cNvPr>
+          <p:cNvSpPr txBox="1"/>
+          <p:nvPr/>
+        </p:nvSpPr>
+        <p:spPr>
+          <a:xfrm>
+            <a:off x="3873357" y="3132443"/>
+            <a:ext cx="1633781" cy="369332"/>
+          </a:xfrm>
+          <a:prstGeom prst="rect">
+            <a:avLst/>
+          </a:prstGeom>
+          <a:noFill/>
+        </p:spPr>
+        <p:txBody>
+          <a:bodyPr wrap="none" rtlCol="0">
+            <a:spAutoFit/>
+          </a:bodyPr>
+          <a:lstStyle/>
+          <a:p>
+            <a:r>
+              <a:rPr lang="ko-KR" altLang="en-US"/>
+              <a:t>동작하는 코드</a:t>
+            </a:r>
+          </a:p>
+        </p:txBody>
+      </p:sp>
+      <p:sp>
+        <p:nvSpPr>
+          <p:cNvPr id="16" name="TextBox 15">
+            <a:extLst>
+              <a:ext uri="{FF2B5EF4-FFF2-40B4-BE49-F238E27FC236}">
+                <a16:creationId xmlns:a16="http://schemas.microsoft.com/office/drawing/2014/main" id="{847A7B48-A2FA-4FFF-B269-BE840B3AA429}"/>
+              </a:ext>
+            </a:extLst>
+          </p:cNvPr>
+          <p:cNvSpPr txBox="1"/>
+          <p:nvPr/>
+        </p:nvSpPr>
+        <p:spPr>
+          <a:xfrm>
+            <a:off x="3873356" y="3918574"/>
+            <a:ext cx="3441968" cy="369332"/>
+          </a:xfrm>
+          <a:prstGeom prst="rect">
+            <a:avLst/>
+          </a:prstGeom>
+          <a:noFill/>
+        </p:spPr>
+        <p:txBody>
+          <a:bodyPr wrap="none" rtlCol="0">
+            <a:spAutoFit/>
+          </a:bodyPr>
+          <a:lstStyle/>
+          <a:p>
+            <a:r>
+              <a:rPr lang="ko-KR" altLang="en-US"/>
+              <a:t>라이브러리</a:t>
+            </a:r>
+            <a:r>
+              <a:rPr lang="en-US" altLang="ko-KR"/>
+              <a:t>, </a:t>
+            </a:r>
+            <a:r>
+              <a:rPr lang="ko-KR" altLang="en-US"/>
+              <a:t>프레임워크</a:t>
+            </a:r>
+            <a:r>
+              <a:rPr lang="en-US" altLang="ko-KR"/>
+              <a:t>, </a:t>
+            </a:r>
+            <a:r>
+              <a:rPr lang="ko-KR" altLang="en-US"/>
+              <a:t>플렛폼</a:t>
+            </a:r>
+          </a:p>
+        </p:txBody>
+      </p:sp>
+      <p:sp>
+        <p:nvSpPr>
+          <p:cNvPr id="17" name="TextBox 16">
+            <a:extLst>
+              <a:ext uri="{FF2B5EF4-FFF2-40B4-BE49-F238E27FC236}">
+                <a16:creationId xmlns:a16="http://schemas.microsoft.com/office/drawing/2014/main" id="{4D1047A5-B664-43FC-A048-363BD39C8C6F}"/>
+              </a:ext>
+            </a:extLst>
+          </p:cNvPr>
+          <p:cNvSpPr txBox="1"/>
+          <p:nvPr/>
+        </p:nvSpPr>
+        <p:spPr>
+          <a:xfrm>
+            <a:off x="3873356" y="5540179"/>
+            <a:ext cx="877163" cy="369332"/>
+          </a:xfrm>
+          <a:prstGeom prst="rect">
+            <a:avLst/>
+          </a:prstGeom>
+          <a:noFill/>
+        </p:spPr>
+        <p:txBody>
+          <a:bodyPr wrap="none" rtlCol="0">
+            <a:spAutoFit/>
+          </a:bodyPr>
+          <a:lstStyle/>
+          <a:p>
+            <a:r>
+              <a:rPr lang="ko-KR" altLang="en-US"/>
+              <a:t>서비스</a:t>
+            </a:r>
+          </a:p>
+        </p:txBody>
+      </p:sp>
+    </p:spTree>
+    <p:extLst>
+      <p:ext uri="{BB962C8B-B14F-4D97-AF65-F5344CB8AC3E}">
+        <p14:creationId xmlns:p14="http://schemas.microsoft.com/office/powerpoint/2010/main" val="513636650"/>
+      </p:ext>
+    </p:extLst>
+  </p:cSld>
+  <p:clrMapOvr>
+    <a:masterClrMapping/>
+  </p:clrMapOvr>
+  <mc:AlternateContent xmlns:mc="http://schemas.openxmlformats.org/markup-compatibility/2006" xmlns:p14="http://schemas.microsoft.com/office/powerpoint/2010/main">
+    <mc:Choice Requires="p14">
+      <p:transition spd="med" p14:dur="700">
+        <p:fade/>
+      </p:transition>
+    </mc:Choice>
+    <mc:Fallback xmlns="">
+      <p:transition spd="med">
+        <p:fade/>
+      </p:transition>
+    </mc:Fallback>
+  </mc:AlternateContent>
+</p:sld>
+</file>
+
+<file path=ppt/slides/slide13.xml><?xml version="1.0" encoding="utf-8"?>
+<p:sld xmlns:a="http://schemas.openxmlformats.org/drawingml/2006/main" xmlns:r="http://schemas.openxmlformats.org/officeDocument/2006/relationships" xmlns:p="http://schemas.openxmlformats.org/presentationml/2006/main">
+  <p:cSld>
+    <p:spTree>
+      <p:nvGrpSpPr>
+        <p:cNvPr id="1" name=""/>
+        <p:cNvGrpSpPr/>
+        <p:nvPr/>
+      </p:nvGrpSpPr>
+      <p:grpSpPr>
+        <a:xfrm>
+          <a:off x="0" y="0"/>
+          <a:ext cx="0" cy="0"/>
+          <a:chOff x="0" y="0"/>
+          <a:chExt cx="0" cy="0"/>
+        </a:xfrm>
+      </p:grpSpPr>
+      <p:sp>
+        <p:nvSpPr>
+          <p:cNvPr id="2" name="제목 1">
+            <a:extLst>
+              <a:ext uri="{FF2B5EF4-FFF2-40B4-BE49-F238E27FC236}">
+                <a16:creationId xmlns:a16="http://schemas.microsoft.com/office/drawing/2014/main" id="{ECCA7AC3-3403-40E5-A0D4-986B677A5A9C}"/>
+              </a:ext>
+            </a:extLst>
+          </p:cNvPr>
+          <p:cNvSpPr>
+            <a:spLocks noGrp="1"/>
+          </p:cNvSpPr>
+          <p:nvPr>
+            <p:ph type="title"/>
+          </p:nvPr>
+        </p:nvSpPr>
+        <p:spPr/>
+        <p:txBody>
+          <a:bodyPr/>
+          <a:lstStyle/>
+          <a:p>
+            <a:r>
+              <a:rPr lang="ko-KR" altLang="en-US"/>
+              <a:t>바퀴를 다시 발명합니다</a:t>
+            </a:r>
+            <a:r>
+              <a:rPr lang="en-US" altLang="ko-KR"/>
+              <a:t>.</a:t>
+            </a:r>
+            <a:endParaRPr lang="ko-KR" altLang="en-US"/>
+          </a:p>
+        </p:txBody>
+      </p:sp>
+      <p:sp>
+        <p:nvSpPr>
+          <p:cNvPr id="9" name="직사각형 8">
+            <a:extLst>
+              <a:ext uri="{FF2B5EF4-FFF2-40B4-BE49-F238E27FC236}">
+                <a16:creationId xmlns:a16="http://schemas.microsoft.com/office/drawing/2014/main" id="{0AE8024A-8CEE-40A6-8010-61C702C3EB4D}"/>
+              </a:ext>
+            </a:extLst>
+          </p:cNvPr>
+          <p:cNvSpPr/>
+          <p:nvPr/>
+        </p:nvSpPr>
+        <p:spPr>
+          <a:xfrm>
+            <a:off x="1295399" y="2178448"/>
+            <a:ext cx="2311685" cy="495729"/>
+          </a:xfrm>
+          <a:prstGeom prst="rect">
+            <a:avLst/>
+          </a:prstGeom>
+        </p:spPr>
+        <p:style>
+          <a:lnRef idx="1">
+            <a:schemeClr val="accent3"/>
+          </a:lnRef>
+          <a:fillRef idx="2">
+            <a:schemeClr val="accent3"/>
+          </a:fillRef>
+          <a:effectRef idx="1">
+            <a:schemeClr val="accent3"/>
+          </a:effectRef>
+          <a:fontRef idx="minor">
+            <a:schemeClr val="dk1"/>
+          </a:fontRef>
+        </p:style>
+        <p:txBody>
+          <a:bodyPr rtlCol="0" anchor="ctr"/>
+          <a:lstStyle/>
+          <a:p>
+            <a:pPr algn="ctr"/>
+            <a:r>
+              <a:rPr lang="ko-KR" altLang="en-US"/>
+              <a:t>이론</a:t>
+            </a:r>
+          </a:p>
+        </p:txBody>
+      </p:sp>
+      <p:sp>
+        <p:nvSpPr>
+          <p:cNvPr id="11" name="직사각형 10">
+            <a:extLst>
+              <a:ext uri="{FF2B5EF4-FFF2-40B4-BE49-F238E27FC236}">
+                <a16:creationId xmlns:a16="http://schemas.microsoft.com/office/drawing/2014/main" id="{711329C5-CA0B-46F7-96B4-E5546CA40174}"/>
+              </a:ext>
+            </a:extLst>
+          </p:cNvPr>
+          <p:cNvSpPr/>
+          <p:nvPr/>
+        </p:nvSpPr>
+        <p:spPr>
+          <a:xfrm>
+            <a:off x="3048216" y="3345344"/>
+            <a:ext cx="2311685" cy="495729"/>
+          </a:xfrm>
+          <a:prstGeom prst="rect">
+            <a:avLst/>
+          </a:prstGeom>
+        </p:spPr>
+        <p:style>
+          <a:lnRef idx="1">
+            <a:schemeClr val="accent3"/>
+          </a:lnRef>
+          <a:fillRef idx="2">
+            <a:schemeClr val="accent3"/>
+          </a:fillRef>
+          <a:effectRef idx="1">
+            <a:schemeClr val="accent3"/>
+          </a:effectRef>
+          <a:fontRef idx="minor">
+            <a:schemeClr val="dk1"/>
+          </a:fontRef>
+        </p:style>
+        <p:txBody>
+          <a:bodyPr rtlCol="0" anchor="ctr"/>
+          <a:lstStyle/>
+          <a:p>
+            <a:pPr algn="ctr"/>
+            <a:r>
+              <a:rPr lang="ko-KR" altLang="en-US"/>
+              <a:t>구현</a:t>
+            </a:r>
+            <a:r>
+              <a:rPr lang="en-US" altLang="ko-KR"/>
+              <a:t>(</a:t>
+            </a:r>
+            <a:r>
+              <a:rPr lang="ko-KR" altLang="en-US"/>
+              <a:t>해결</a:t>
+            </a:r>
+            <a:r>
+              <a:rPr lang="en-US" altLang="ko-KR"/>
+              <a:t>)</a:t>
+            </a:r>
+            <a:endParaRPr lang="ko-KR" altLang="en-US"/>
+          </a:p>
+        </p:txBody>
+      </p:sp>
+      <p:sp>
+        <p:nvSpPr>
+          <p:cNvPr id="12" name="직사각형 11">
+            <a:extLst>
+              <a:ext uri="{FF2B5EF4-FFF2-40B4-BE49-F238E27FC236}">
+                <a16:creationId xmlns:a16="http://schemas.microsoft.com/office/drawing/2014/main" id="{A01565C1-248B-4B45-AE72-1B3598580C0F}"/>
+              </a:ext>
+            </a:extLst>
+          </p:cNvPr>
+          <p:cNvSpPr/>
+          <p:nvPr/>
+        </p:nvSpPr>
+        <p:spPr>
+          <a:xfrm>
+            <a:off x="4866742" y="2164976"/>
+            <a:ext cx="2311685" cy="495729"/>
+          </a:xfrm>
+          <a:prstGeom prst="rect">
+            <a:avLst/>
+          </a:prstGeom>
+        </p:spPr>
+        <p:style>
+          <a:lnRef idx="1">
+            <a:schemeClr val="accent3"/>
+          </a:lnRef>
+          <a:fillRef idx="2">
+            <a:schemeClr val="accent3"/>
+          </a:fillRef>
+          <a:effectRef idx="1">
+            <a:schemeClr val="accent3"/>
+          </a:effectRef>
+          <a:fontRef idx="minor">
+            <a:schemeClr val="dk1"/>
+          </a:fontRef>
+        </p:style>
+        <p:txBody>
+          <a:bodyPr rtlCol="0" anchor="ctr"/>
+          <a:lstStyle/>
+          <a:p>
+            <a:pPr algn="ctr"/>
+            <a:r>
+              <a:rPr lang="ko-KR" altLang="en-US"/>
+              <a:t>제공</a:t>
+            </a:r>
+          </a:p>
+        </p:txBody>
+      </p:sp>
+      <p:sp>
+        <p:nvSpPr>
+          <p:cNvPr id="13" name="직사각형 12">
+            <a:extLst>
+              <a:ext uri="{FF2B5EF4-FFF2-40B4-BE49-F238E27FC236}">
+                <a16:creationId xmlns:a16="http://schemas.microsoft.com/office/drawing/2014/main" id="{845F9F1B-1F54-4C6E-AC31-B5CFE94FE647}"/>
+              </a:ext>
+            </a:extLst>
+          </p:cNvPr>
+          <p:cNvSpPr/>
+          <p:nvPr/>
+        </p:nvSpPr>
+        <p:spPr>
+          <a:xfrm>
+            <a:off x="3048215" y="5292314"/>
+            <a:ext cx="2311685" cy="495729"/>
+          </a:xfrm>
+          <a:prstGeom prst="rect">
+            <a:avLst/>
+          </a:prstGeom>
+        </p:spPr>
+        <p:style>
+          <a:lnRef idx="1">
+            <a:schemeClr val="accent3"/>
+          </a:lnRef>
+          <a:fillRef idx="2">
+            <a:schemeClr val="accent3"/>
+          </a:fillRef>
+          <a:effectRef idx="1">
+            <a:schemeClr val="accent3"/>
+          </a:effectRef>
+          <a:fontRef idx="minor">
+            <a:schemeClr val="dk1"/>
+          </a:fontRef>
+        </p:style>
+        <p:txBody>
+          <a:bodyPr rtlCol="0" anchor="ctr"/>
+          <a:lstStyle/>
+          <a:p>
+            <a:pPr algn="ctr"/>
+            <a:r>
+              <a:rPr lang="ko-KR" altLang="en-US"/>
+              <a:t>작동하는 </a:t>
+            </a:r>
+            <a:r>
+              <a:rPr lang="en-US" altLang="ko-KR"/>
+              <a:t>SW</a:t>
+            </a:r>
+            <a:endParaRPr lang="ko-KR" altLang="en-US"/>
+          </a:p>
+        </p:txBody>
+      </p:sp>
+    </p:spTree>
+    <p:extLst>
+      <p:ext uri="{BB962C8B-B14F-4D97-AF65-F5344CB8AC3E}">
+        <p14:creationId xmlns:p14="http://schemas.microsoft.com/office/powerpoint/2010/main" val="1236880903"/>
       </p:ext>
     </p:extLst>
   </p:cSld>

--- a/inflearn01/doc/교재.pptx
+++ b/inflearn01/doc/교재.pptx
@@ -234,7 +234,7 @@
                 <a:latin typeface="맑은 고딕" panose="020B0503020000020004" pitchFamily="50" charset="-127"/>
                 <a:ea typeface="맑은 고딕" panose="020B0503020000020004" pitchFamily="50" charset="-127"/>
               </a:rPr>
-              <a:t>2021년 3월 25일</a:t>
+              <a:t>2021년 3월 26일</a:t>
             </a:fld>
             <a:endParaRPr lang="ko-KR" altLang="en-US">
               <a:latin typeface="맑은 고딕" panose="020B0503020000020004" pitchFamily="50" charset="-127"/>
@@ -420,7 +420,7 @@
             <a:fld id="{BE16EC8A-0758-4FA9-BF4D-3119057076D1}" type="datetime4">
               <a:rPr lang="ko-KR" altLang="en-US" smtClean="0"/>
               <a:pPr/>
-              <a:t>2021년 3월 25일</a:t>
+              <a:t>2021년 3월 26일</a:t>
             </a:fld>
             <a:endParaRPr lang="ko-KR" altLang="en-US"/>
           </a:p>
@@ -3471,7 +3471,7 @@
           <a:p>
             <a:fld id="{2A5B65E4-62A8-4988-B07B-5D6D443B14ED}" type="datetime4">
               <a:rPr lang="ko-KR" altLang="en-US" smtClean="0"/>
-              <a:t>2021년 3월 25일</a:t>
+              <a:t>2021년 3월 26일</a:t>
             </a:fld>
             <a:endParaRPr lang="ko-KR" altLang="en-US"/>
           </a:p>
@@ -3727,7 +3727,7 @@
           <a:p>
             <a:fld id="{58EB6286-0DE7-4336-9826-977AD102FCF2}" type="datetime4">
               <a:rPr lang="ko-KR" altLang="en-US" noProof="0" smtClean="0"/>
-              <a:t>2021년 3월 25일</a:t>
+              <a:t>2021년 3월 26일</a:t>
             </a:fld>
             <a:endParaRPr lang="ko-KR" altLang="en-US" noProof="0"/>
           </a:p>
@@ -3923,7 +3923,7 @@
             <a:pPr rtl="0"/>
             <a:fld id="{6A5419DA-7218-42E5-A443-F000500111E1}" type="datetime4">
               <a:rPr lang="ko-KR" altLang="en-US" noProof="0" smtClean="0"/>
-              <a:t>2021년 3월 25일</a:t>
+              <a:t>2021년 3월 26일</a:t>
             </a:fld>
             <a:endParaRPr lang="ko-KR" altLang="en-US" noProof="0"/>
           </a:p>
@@ -6324,7 +6324,7 @@
           <a:p>
             <a:fld id="{E498C52F-1DF1-4226-BAB6-C1E2EE4C9D62}" type="datetime4">
               <a:rPr lang="ko-KR" altLang="en-US" noProof="0" smtClean="0"/>
-              <a:t>2021년 3월 25일</a:t>
+              <a:t>2021년 3월 26일</a:t>
             </a:fld>
             <a:endParaRPr lang="ko-KR" altLang="en-US" noProof="0"/>
           </a:p>
@@ -6843,7 +6843,7 @@
           <a:p>
             <a:fld id="{7B1E1FFC-F755-4558-8D3C-A157D1A01A8A}" type="datetime4">
               <a:rPr lang="ko-KR" altLang="en-US" noProof="0" smtClean="0"/>
-              <a:t>2021년 3월 25일</a:t>
+              <a:t>2021년 3월 26일</a:t>
             </a:fld>
             <a:endParaRPr lang="ko-KR" altLang="en-US" noProof="0"/>
           </a:p>
@@ -6987,7 +6987,7 @@
             <a:pPr rtl="0"/>
             <a:fld id="{DA2A33C0-A4A8-4C90-B6DA-35B8CF58C816}" type="datetime4">
               <a:rPr lang="ko-KR" altLang="en-US" noProof="0" smtClean="0"/>
-              <a:t>2021년 3월 25일</a:t>
+              <a:t>2021년 3월 26일</a:t>
             </a:fld>
             <a:endParaRPr lang="ko-KR" altLang="en-US" noProof="0"/>
           </a:p>
@@ -8935,7 +8935,7 @@
           <a:p>
             <a:fld id="{53CB1B8F-A14A-4BE4-A9B9-3B263F04145C}" type="datetime4">
               <a:rPr lang="ko-KR" altLang="en-US" noProof="0" smtClean="0"/>
-              <a:t>2021년 3월 25일</a:t>
+              <a:t>2021년 3월 26일</a:t>
             </a:fld>
             <a:endParaRPr lang="ko-KR" altLang="en-US" noProof="0"/>
           </a:p>
@@ -11232,7 +11232,7 @@
           <a:p>
             <a:fld id="{5B9196A3-957C-4113-A568-B6ED9AEA3D01}" type="datetime4">
               <a:rPr lang="ko-KR" altLang="en-US" noProof="0" smtClean="0"/>
-              <a:t>2021년 3월 25일</a:t>
+              <a:t>2021년 3월 26일</a:t>
             </a:fld>
             <a:endParaRPr lang="ko-KR" altLang="en-US" noProof="0"/>
           </a:p>
@@ -15549,7 +15549,7 @@
           <a:p>
             <a:fld id="{28BEB146-D335-4DA5-9826-58595BCDBE2E}" type="datetime4">
               <a:rPr lang="ko-KR" altLang="en-US" noProof="0" smtClean="0"/>
-              <a:t>2021년 3월 25일</a:t>
+              <a:t>2021년 3월 26일</a:t>
             </a:fld>
             <a:endParaRPr lang="ko-KR" altLang="en-US" noProof="0"/>
           </a:p>
@@ -16025,24 +16025,18 @@
           <a:p>
             <a:pPr rtl="0"/>
             <a:r>
-              <a:rPr lang="ko-KR" altLang="en-US" err="1">
+              <a:rPr lang="ko-KR" altLang="en-US" dirty="0" err="1">
                 <a:latin typeface="맑은 고딕" panose="020B0503020000020004" pitchFamily="50" charset="-127"/>
                 <a:ea typeface="맑은 고딕" panose="020B0503020000020004" pitchFamily="50" charset="-127"/>
               </a:rPr>
               <a:t>백엔드</a:t>
             </a:r>
-            <a:br>
-              <a:rPr lang="en-US" altLang="ko-KR">
+            <a:r>
+              <a:rPr lang="ko-KR" altLang="en-US" dirty="0">
                 <a:latin typeface="맑은 고딕" panose="020B0503020000020004" pitchFamily="50" charset="-127"/>
                 <a:ea typeface="맑은 고딕" panose="020B0503020000020004" pitchFamily="50" charset="-127"/>
               </a:rPr>
-            </a:br>
-            <a:r>
-              <a:rPr lang="ko-KR" altLang="en-US">
-                <a:latin typeface="맑은 고딕" panose="020B0503020000020004" pitchFamily="50" charset="-127"/>
-                <a:ea typeface="맑은 고딕" panose="020B0503020000020004" pitchFamily="50" charset="-127"/>
-              </a:rPr>
-              <a:t>프레임워크 만들기</a:t>
+              <a:t> 프레임워크 만들기</a:t>
             </a:r>
           </a:p>
         </p:txBody>
@@ -16715,7 +16709,7 @@
         <p:spPr>
           <a:xfrm>
             <a:off x="3873357" y="2228476"/>
-            <a:ext cx="5096267" cy="369332"/>
+            <a:ext cx="5327099" cy="369332"/>
           </a:xfrm>
           <a:prstGeom prst="rect">
             <a:avLst/>
@@ -16729,37 +16723,38 @@
           <a:lstStyle/>
           <a:p>
             <a:r>
-              <a:rPr lang="en-US" altLang="ko-KR"/>
+              <a:rPr lang="en-US" altLang="ko-KR" dirty="0"/>
               <a:t>SW</a:t>
             </a:r>
             <a:r>
-              <a:rPr lang="ko-KR" altLang="en-US"/>
+              <a:rPr lang="ko-KR" altLang="en-US" dirty="0"/>
               <a:t>추상화</a:t>
             </a:r>
             <a:r>
-              <a:rPr lang="en-US" altLang="ko-KR"/>
+              <a:rPr lang="en-US" altLang="ko-KR" dirty="0"/>
               <a:t>, </a:t>
             </a:r>
             <a:r>
-              <a:rPr lang="ko-KR" altLang="en-US"/>
+              <a:rPr lang="ko-KR" altLang="en-US" dirty="0" err="1"/>
               <a:t>트랜젝션</a:t>
             </a:r>
             <a:r>
-              <a:rPr lang="en-US" altLang="ko-KR"/>
+              <a:rPr lang="en-US" altLang="ko-KR" dirty="0"/>
               <a:t>, </a:t>
             </a:r>
             <a:r>
-              <a:rPr lang="ko-KR" altLang="en-US"/>
+              <a:rPr lang="ko-KR" altLang="en-US" dirty="0"/>
               <a:t>정보보호</a:t>
             </a:r>
             <a:r>
-              <a:rPr lang="en-US" altLang="ko-KR"/>
+              <a:rPr lang="en-US" altLang="ko-KR" dirty="0"/>
               <a:t>, </a:t>
             </a:r>
             <a:r>
-              <a:rPr lang="ko-KR" altLang="en-US"/>
-              <a:t>비기능품질속성</a:t>
-            </a:r>
+              <a:rPr lang="ko-KR" altLang="en-US" dirty="0" err="1"/>
+              <a:t>비기능품질속성등</a:t>
+            </a:r>
+            <a:endParaRPr lang="ko-KR" altLang="en-US" dirty="0"/>
           </a:p>
         </p:txBody>
       </p:sp>
@@ -16777,7 +16772,7 @@
         </p:nvSpPr>
         <p:spPr>
           <a:xfrm>
-            <a:off x="3873357" y="3132443"/>
+            <a:off x="3873356" y="3069244"/>
             <a:ext cx="1633781" cy="369332"/>
           </a:xfrm>
           <a:prstGeom prst="rect">
@@ -16792,7 +16787,7 @@
           <a:lstStyle/>
           <a:p>
             <a:r>
-              <a:rPr lang="ko-KR" altLang="en-US"/>
+              <a:rPr lang="ko-KR" altLang="en-US" dirty="0"/>
               <a:t>동작하는 코드</a:t>
             </a:r>
           </a:p>
@@ -17270,6 +17265,36 @@
             <a:off x="1295400" y="1916464"/>
             <a:ext cx="5212227" cy="3810000"/>
           </a:xfrm>
+        </p:spPr>
+      </p:pic>
+      <p:pic>
+        <p:nvPicPr>
+          <p:cNvPr id="4" name="그림 3">
+            <a:extLst>
+              <a:ext uri="{FF2B5EF4-FFF2-40B4-BE49-F238E27FC236}">
+                <a16:creationId xmlns:a16="http://schemas.microsoft.com/office/drawing/2014/main" id="{BDDF85F9-9573-4641-BFDE-EA660C243E3B}"/>
+              </a:ext>
+            </a:extLst>
+          </p:cNvPr>
+          <p:cNvPicPr>
+            <a:picLocks noChangeAspect="1"/>
+          </p:cNvPicPr>
+          <p:nvPr/>
+        </p:nvPicPr>
+        <p:blipFill>
+          <a:blip r:embed="rId4"/>
+          <a:stretch>
+            <a:fillRect/>
+          </a:stretch>
+        </p:blipFill>
+        <p:spPr>
+          <a:xfrm>
+            <a:off x="6996688" y="1916464"/>
+            <a:ext cx="3344584" cy="1080482"/>
+          </a:xfrm>
+          <a:prstGeom prst="rect">
+            <a:avLst/>
+          </a:prstGeom>
         </p:spPr>
       </p:pic>
     </p:spTree>

--- a/inflearn01/doc/교재.pptx
+++ b/inflearn01/doc/교재.pptx
@@ -5,10 +5,10 @@
     <p:sldMasterId id="2147483648" r:id="rId1"/>
   </p:sldMasterIdLst>
   <p:notesMasterIdLst>
-    <p:notesMasterId r:id="rId15"/>
+    <p:notesMasterId r:id="rId23"/>
   </p:notesMasterIdLst>
   <p:handoutMasterIdLst>
-    <p:handoutMasterId r:id="rId16"/>
+    <p:handoutMasterId r:id="rId24"/>
   </p:handoutMasterIdLst>
   <p:sldIdLst>
     <p:sldId id="261" r:id="rId2"/>
@@ -24,6 +24,14 @@
     <p:sldId id="284" r:id="rId12"/>
     <p:sldId id="287" r:id="rId13"/>
     <p:sldId id="288" r:id="rId14"/>
+    <p:sldId id="289" r:id="rId15"/>
+    <p:sldId id="290" r:id="rId16"/>
+    <p:sldId id="291" r:id="rId17"/>
+    <p:sldId id="292" r:id="rId18"/>
+    <p:sldId id="294" r:id="rId19"/>
+    <p:sldId id="298" r:id="rId20"/>
+    <p:sldId id="295" r:id="rId21"/>
+    <p:sldId id="299" r:id="rId22"/>
   </p:sldIdLst>
   <p:sldSz cx="12192000" cy="6858000"/>
   <p:notesSz cx="6858000" cy="9144000"/>
@@ -234,7 +242,7 @@
                 <a:latin typeface="맑은 고딕" panose="020B0503020000020004" pitchFamily="50" charset="-127"/>
                 <a:ea typeface="맑은 고딕" panose="020B0503020000020004" pitchFamily="50" charset="-127"/>
               </a:rPr>
-              <a:t>2021년 3월 26일</a:t>
+              <a:t>2021년 6월 7일</a:t>
             </a:fld>
             <a:endParaRPr lang="ko-KR" altLang="en-US">
               <a:latin typeface="맑은 고딕" panose="020B0503020000020004" pitchFamily="50" charset="-127"/>
@@ -420,7 +428,7 @@
             <a:fld id="{BE16EC8A-0758-4FA9-BF4D-3119057076D1}" type="datetime4">
               <a:rPr lang="ko-KR" altLang="en-US" smtClean="0"/>
               <a:pPr/>
-              <a:t>2021년 3월 26일</a:t>
+              <a:t>2021년 6월 7일</a:t>
             </a:fld>
             <a:endParaRPr lang="ko-KR" altLang="en-US"/>
           </a:p>
@@ -3471,7 +3479,7 @@
           <a:p>
             <a:fld id="{2A5B65E4-62A8-4988-B07B-5D6D443B14ED}" type="datetime4">
               <a:rPr lang="ko-KR" altLang="en-US" smtClean="0"/>
-              <a:t>2021년 3월 26일</a:t>
+              <a:t>2021년 6월 7일</a:t>
             </a:fld>
             <a:endParaRPr lang="ko-KR" altLang="en-US"/>
           </a:p>
@@ -3727,7 +3735,7 @@
           <a:p>
             <a:fld id="{58EB6286-0DE7-4336-9826-977AD102FCF2}" type="datetime4">
               <a:rPr lang="ko-KR" altLang="en-US" noProof="0" smtClean="0"/>
-              <a:t>2021년 3월 26일</a:t>
+              <a:t>2021년 6월 7일</a:t>
             </a:fld>
             <a:endParaRPr lang="ko-KR" altLang="en-US" noProof="0"/>
           </a:p>
@@ -3923,7 +3931,7 @@
             <a:pPr rtl="0"/>
             <a:fld id="{6A5419DA-7218-42E5-A443-F000500111E1}" type="datetime4">
               <a:rPr lang="ko-KR" altLang="en-US" noProof="0" smtClean="0"/>
-              <a:t>2021년 3월 26일</a:t>
+              <a:t>2021년 6월 7일</a:t>
             </a:fld>
             <a:endParaRPr lang="ko-KR" altLang="en-US" noProof="0"/>
           </a:p>
@@ -6324,7 +6332,7 @@
           <a:p>
             <a:fld id="{E498C52F-1DF1-4226-BAB6-C1E2EE4C9D62}" type="datetime4">
               <a:rPr lang="ko-KR" altLang="en-US" noProof="0" smtClean="0"/>
-              <a:t>2021년 3월 26일</a:t>
+              <a:t>2021년 6월 7일</a:t>
             </a:fld>
             <a:endParaRPr lang="ko-KR" altLang="en-US" noProof="0"/>
           </a:p>
@@ -6843,7 +6851,7 @@
           <a:p>
             <a:fld id="{7B1E1FFC-F755-4558-8D3C-A157D1A01A8A}" type="datetime4">
               <a:rPr lang="ko-KR" altLang="en-US" noProof="0" smtClean="0"/>
-              <a:t>2021년 3월 26일</a:t>
+              <a:t>2021년 6월 7일</a:t>
             </a:fld>
             <a:endParaRPr lang="ko-KR" altLang="en-US" noProof="0"/>
           </a:p>
@@ -6987,7 +6995,7 @@
             <a:pPr rtl="0"/>
             <a:fld id="{DA2A33C0-A4A8-4C90-B6DA-35B8CF58C816}" type="datetime4">
               <a:rPr lang="ko-KR" altLang="en-US" noProof="0" smtClean="0"/>
-              <a:t>2021년 3월 26일</a:t>
+              <a:t>2021년 6월 7일</a:t>
             </a:fld>
             <a:endParaRPr lang="ko-KR" altLang="en-US" noProof="0"/>
           </a:p>
@@ -8935,7 +8943,7 @@
           <a:p>
             <a:fld id="{53CB1B8F-A14A-4BE4-A9B9-3B263F04145C}" type="datetime4">
               <a:rPr lang="ko-KR" altLang="en-US" noProof="0" smtClean="0"/>
-              <a:t>2021년 3월 26일</a:t>
+              <a:t>2021년 6월 7일</a:t>
             </a:fld>
             <a:endParaRPr lang="ko-KR" altLang="en-US" noProof="0"/>
           </a:p>
@@ -11232,7 +11240,7 @@
           <a:p>
             <a:fld id="{5B9196A3-957C-4113-A568-B6ED9AEA3D01}" type="datetime4">
               <a:rPr lang="ko-KR" altLang="en-US" noProof="0" smtClean="0"/>
-              <a:t>2021년 3월 26일</a:t>
+              <a:t>2021년 6월 7일</a:t>
             </a:fld>
             <a:endParaRPr lang="ko-KR" altLang="en-US" noProof="0"/>
           </a:p>
@@ -15549,7 +15557,7 @@
           <a:p>
             <a:fld id="{28BEB146-D335-4DA5-9826-58595BCDBE2E}" type="datetime4">
               <a:rPr lang="ko-KR" altLang="en-US" noProof="0" smtClean="0"/>
-              <a:t>2021년 3월 26일</a:t>
+              <a:t>2021년 6월 7일</a:t>
             </a:fld>
             <a:endParaRPr lang="ko-KR" altLang="en-US" noProof="0"/>
           </a:p>
@@ -16943,14 +16951,14 @@
           <a:lstStyle/>
           <a:p>
             <a:r>
-              <a:rPr lang="ko-KR" altLang="en-US"/>
+              <a:rPr lang="ko-KR" altLang="en-US" dirty="0"/>
               <a:t>바퀴를 다시 발명합니다</a:t>
             </a:r>
             <a:r>
-              <a:rPr lang="en-US" altLang="ko-KR"/>
+              <a:rPr lang="en-US" altLang="ko-KR" dirty="0"/>
               <a:t>.</a:t>
             </a:r>
-            <a:endParaRPr lang="ko-KR" altLang="en-US"/>
+            <a:endParaRPr lang="ko-KR" altLang="en-US" dirty="0"/>
           </a:p>
         </p:txBody>
       </p:sp>
@@ -17164,6 +17172,1380 @@
     <p:extLst>
       <p:ext uri="{BB962C8B-B14F-4D97-AF65-F5344CB8AC3E}">
         <p14:creationId xmlns:p14="http://schemas.microsoft.com/office/powerpoint/2010/main" val="1236880903"/>
+      </p:ext>
+    </p:extLst>
+  </p:cSld>
+  <p:clrMapOvr>
+    <a:masterClrMapping/>
+  </p:clrMapOvr>
+  <mc:AlternateContent xmlns:mc="http://schemas.openxmlformats.org/markup-compatibility/2006" xmlns:p14="http://schemas.microsoft.com/office/powerpoint/2010/main">
+    <mc:Choice Requires="p14">
+      <p:transition spd="med" p14:dur="700">
+        <p:fade/>
+      </p:transition>
+    </mc:Choice>
+    <mc:Fallback xmlns="">
+      <p:transition spd="med">
+        <p:fade/>
+      </p:transition>
+    </mc:Fallback>
+  </mc:AlternateContent>
+</p:sld>
+</file>
+
+<file path=ppt/slides/slide14.xml><?xml version="1.0" encoding="utf-8"?>
+<p:sld xmlns:a="http://schemas.openxmlformats.org/drawingml/2006/main" xmlns:r="http://schemas.openxmlformats.org/officeDocument/2006/relationships" xmlns:p="http://schemas.openxmlformats.org/presentationml/2006/main">
+  <p:cSld>
+    <p:spTree>
+      <p:nvGrpSpPr>
+        <p:cNvPr id="1" name=""/>
+        <p:cNvGrpSpPr/>
+        <p:nvPr/>
+      </p:nvGrpSpPr>
+      <p:grpSpPr>
+        <a:xfrm>
+          <a:off x="0" y="0"/>
+          <a:ext cx="0" cy="0"/>
+          <a:chOff x="0" y="0"/>
+          <a:chExt cx="0" cy="0"/>
+        </a:xfrm>
+      </p:grpSpPr>
+      <p:sp>
+        <p:nvSpPr>
+          <p:cNvPr id="2" name="제목 1">
+            <a:extLst>
+              <a:ext uri="{FF2B5EF4-FFF2-40B4-BE49-F238E27FC236}">
+                <a16:creationId xmlns:a16="http://schemas.microsoft.com/office/drawing/2014/main" id="{4D893123-6693-4791-AEBE-EA8BFE9F4A0D}"/>
+              </a:ext>
+            </a:extLst>
+          </p:cNvPr>
+          <p:cNvSpPr>
+            <a:spLocks noGrp="1"/>
+          </p:cNvSpPr>
+          <p:nvPr>
+            <p:ph type="title"/>
+          </p:nvPr>
+        </p:nvSpPr>
+        <p:spPr/>
+        <p:txBody>
+          <a:bodyPr/>
+          <a:lstStyle/>
+          <a:p>
+            <a:endParaRPr lang="ko-KR" altLang="en-US"/>
+          </a:p>
+        </p:txBody>
+      </p:sp>
+      <p:sp>
+        <p:nvSpPr>
+          <p:cNvPr id="3" name="내용 개체 틀 2">
+            <a:extLst>
+              <a:ext uri="{FF2B5EF4-FFF2-40B4-BE49-F238E27FC236}">
+                <a16:creationId xmlns:a16="http://schemas.microsoft.com/office/drawing/2014/main" id="{256AC62B-7051-4290-8D0F-E850D7C78808}"/>
+              </a:ext>
+            </a:extLst>
+          </p:cNvPr>
+          <p:cNvSpPr>
+            <a:spLocks noGrp="1"/>
+          </p:cNvSpPr>
+          <p:nvPr>
+            <p:ph idx="1"/>
+          </p:nvPr>
+        </p:nvSpPr>
+        <p:spPr/>
+        <p:txBody>
+          <a:bodyPr/>
+          <a:lstStyle/>
+          <a:p>
+            <a:endParaRPr lang="ko-KR" altLang="en-US"/>
+          </a:p>
+        </p:txBody>
+      </p:sp>
+    </p:spTree>
+    <p:extLst>
+      <p:ext uri="{BB962C8B-B14F-4D97-AF65-F5344CB8AC3E}">
+        <p14:creationId xmlns:p14="http://schemas.microsoft.com/office/powerpoint/2010/main" val="3904430326"/>
+      </p:ext>
+    </p:extLst>
+  </p:cSld>
+  <p:clrMapOvr>
+    <a:masterClrMapping/>
+  </p:clrMapOvr>
+  <mc:AlternateContent xmlns:mc="http://schemas.openxmlformats.org/markup-compatibility/2006" xmlns:p14="http://schemas.microsoft.com/office/powerpoint/2010/main">
+    <mc:Choice Requires="p14">
+      <p:transition spd="med" p14:dur="700">
+        <p:fade/>
+      </p:transition>
+    </mc:Choice>
+    <mc:Fallback xmlns="">
+      <p:transition spd="med">
+        <p:fade/>
+      </p:transition>
+    </mc:Fallback>
+  </mc:AlternateContent>
+</p:sld>
+</file>
+
+<file path=ppt/slides/slide15.xml><?xml version="1.0" encoding="utf-8"?>
+<p:sld xmlns:a="http://schemas.openxmlformats.org/drawingml/2006/main" xmlns:r="http://schemas.openxmlformats.org/officeDocument/2006/relationships" xmlns:p="http://schemas.openxmlformats.org/presentationml/2006/main">
+  <p:cSld>
+    <p:spTree>
+      <p:nvGrpSpPr>
+        <p:cNvPr id="1" name=""/>
+        <p:cNvGrpSpPr/>
+        <p:nvPr/>
+      </p:nvGrpSpPr>
+      <p:grpSpPr>
+        <a:xfrm>
+          <a:off x="0" y="0"/>
+          <a:ext cx="0" cy="0"/>
+          <a:chOff x="0" y="0"/>
+          <a:chExt cx="0" cy="0"/>
+        </a:xfrm>
+      </p:grpSpPr>
+      <p:sp>
+        <p:nvSpPr>
+          <p:cNvPr id="2" name="제목 1">
+            <a:extLst>
+              <a:ext uri="{FF2B5EF4-FFF2-40B4-BE49-F238E27FC236}">
+                <a16:creationId xmlns:a16="http://schemas.microsoft.com/office/drawing/2014/main" id="{05A34A05-FD75-4598-91EA-D1262523E661}"/>
+              </a:ext>
+            </a:extLst>
+          </p:cNvPr>
+          <p:cNvSpPr>
+            <a:spLocks noGrp="1"/>
+          </p:cNvSpPr>
+          <p:nvPr>
+            <p:ph type="title"/>
+          </p:nvPr>
+        </p:nvSpPr>
+        <p:spPr/>
+        <p:txBody>
+          <a:bodyPr/>
+          <a:lstStyle/>
+          <a:p>
+            <a:endParaRPr lang="ko-KR" altLang="en-US"/>
+          </a:p>
+        </p:txBody>
+      </p:sp>
+      <p:sp>
+        <p:nvSpPr>
+          <p:cNvPr id="3" name="내용 개체 틀 2">
+            <a:extLst>
+              <a:ext uri="{FF2B5EF4-FFF2-40B4-BE49-F238E27FC236}">
+                <a16:creationId xmlns:a16="http://schemas.microsoft.com/office/drawing/2014/main" id="{A2F42682-037D-4B53-B97C-50C2B8D37DCB}"/>
+              </a:ext>
+            </a:extLst>
+          </p:cNvPr>
+          <p:cNvSpPr>
+            <a:spLocks noGrp="1"/>
+          </p:cNvSpPr>
+          <p:nvPr>
+            <p:ph idx="1"/>
+          </p:nvPr>
+        </p:nvSpPr>
+        <p:spPr/>
+        <p:txBody>
+          <a:bodyPr/>
+          <a:lstStyle/>
+          <a:p>
+            <a:endParaRPr lang="ko-KR" altLang="en-US"/>
+          </a:p>
+        </p:txBody>
+      </p:sp>
+    </p:spTree>
+    <p:extLst>
+      <p:ext uri="{BB962C8B-B14F-4D97-AF65-F5344CB8AC3E}">
+        <p14:creationId xmlns:p14="http://schemas.microsoft.com/office/powerpoint/2010/main" val="529594151"/>
+      </p:ext>
+    </p:extLst>
+  </p:cSld>
+  <p:clrMapOvr>
+    <a:masterClrMapping/>
+  </p:clrMapOvr>
+  <mc:AlternateContent xmlns:mc="http://schemas.openxmlformats.org/markup-compatibility/2006" xmlns:p14="http://schemas.microsoft.com/office/powerpoint/2010/main">
+    <mc:Choice Requires="p14">
+      <p:transition spd="med" p14:dur="700">
+        <p:fade/>
+      </p:transition>
+    </mc:Choice>
+    <mc:Fallback xmlns="">
+      <p:transition spd="med">
+        <p:fade/>
+      </p:transition>
+    </mc:Fallback>
+  </mc:AlternateContent>
+</p:sld>
+</file>
+
+<file path=ppt/slides/slide16.xml><?xml version="1.0" encoding="utf-8"?>
+<p:sld xmlns:a="http://schemas.openxmlformats.org/drawingml/2006/main" xmlns:r="http://schemas.openxmlformats.org/officeDocument/2006/relationships" xmlns:p="http://schemas.openxmlformats.org/presentationml/2006/main">
+  <p:cSld>
+    <p:spTree>
+      <p:nvGrpSpPr>
+        <p:cNvPr id="1" name=""/>
+        <p:cNvGrpSpPr/>
+        <p:nvPr/>
+      </p:nvGrpSpPr>
+      <p:grpSpPr>
+        <a:xfrm>
+          <a:off x="0" y="0"/>
+          <a:ext cx="0" cy="0"/>
+          <a:chOff x="0" y="0"/>
+          <a:chExt cx="0" cy="0"/>
+        </a:xfrm>
+      </p:grpSpPr>
+      <p:sp>
+        <p:nvSpPr>
+          <p:cNvPr id="2" name="제목 1">
+            <a:extLst>
+              <a:ext uri="{FF2B5EF4-FFF2-40B4-BE49-F238E27FC236}">
+                <a16:creationId xmlns:a16="http://schemas.microsoft.com/office/drawing/2014/main" id="{C7EF212D-0307-490A-80A7-7DC31539C84D}"/>
+              </a:ext>
+            </a:extLst>
+          </p:cNvPr>
+          <p:cNvSpPr>
+            <a:spLocks noGrp="1"/>
+          </p:cNvSpPr>
+          <p:nvPr>
+            <p:ph type="title"/>
+          </p:nvPr>
+        </p:nvSpPr>
+        <p:spPr/>
+        <p:txBody>
+          <a:bodyPr/>
+          <a:lstStyle/>
+          <a:p>
+            <a:endParaRPr lang="ko-KR" altLang="en-US"/>
+          </a:p>
+        </p:txBody>
+      </p:sp>
+      <p:sp>
+        <p:nvSpPr>
+          <p:cNvPr id="3" name="내용 개체 틀 2">
+            <a:extLst>
+              <a:ext uri="{FF2B5EF4-FFF2-40B4-BE49-F238E27FC236}">
+                <a16:creationId xmlns:a16="http://schemas.microsoft.com/office/drawing/2014/main" id="{1A4E4BF4-448B-4EBC-AE3E-9D866463EC00}"/>
+              </a:ext>
+            </a:extLst>
+          </p:cNvPr>
+          <p:cNvSpPr>
+            <a:spLocks noGrp="1"/>
+          </p:cNvSpPr>
+          <p:nvPr>
+            <p:ph idx="1"/>
+          </p:nvPr>
+        </p:nvSpPr>
+        <p:spPr/>
+        <p:txBody>
+          <a:bodyPr/>
+          <a:lstStyle/>
+          <a:p>
+            <a:endParaRPr lang="ko-KR" altLang="en-US"/>
+          </a:p>
+        </p:txBody>
+      </p:sp>
+    </p:spTree>
+    <p:extLst>
+      <p:ext uri="{BB962C8B-B14F-4D97-AF65-F5344CB8AC3E}">
+        <p14:creationId xmlns:p14="http://schemas.microsoft.com/office/powerpoint/2010/main" val="1081858286"/>
+      </p:ext>
+    </p:extLst>
+  </p:cSld>
+  <p:clrMapOvr>
+    <a:masterClrMapping/>
+  </p:clrMapOvr>
+  <mc:AlternateContent xmlns:mc="http://schemas.openxmlformats.org/markup-compatibility/2006" xmlns:p14="http://schemas.microsoft.com/office/powerpoint/2010/main">
+    <mc:Choice Requires="p14">
+      <p:transition spd="med" p14:dur="700">
+        <p:fade/>
+      </p:transition>
+    </mc:Choice>
+    <mc:Fallback xmlns="">
+      <p:transition spd="med">
+        <p:fade/>
+      </p:transition>
+    </mc:Fallback>
+  </mc:AlternateContent>
+</p:sld>
+</file>
+
+<file path=ppt/slides/slide17.xml><?xml version="1.0" encoding="utf-8"?>
+<p:sld xmlns:a="http://schemas.openxmlformats.org/drawingml/2006/main" xmlns:r="http://schemas.openxmlformats.org/officeDocument/2006/relationships" xmlns:p="http://schemas.openxmlformats.org/presentationml/2006/main">
+  <p:cSld>
+    <p:spTree>
+      <p:nvGrpSpPr>
+        <p:cNvPr id="1" name=""/>
+        <p:cNvGrpSpPr/>
+        <p:nvPr/>
+      </p:nvGrpSpPr>
+      <p:grpSpPr>
+        <a:xfrm>
+          <a:off x="0" y="0"/>
+          <a:ext cx="0" cy="0"/>
+          <a:chOff x="0" y="0"/>
+          <a:chExt cx="0" cy="0"/>
+        </a:xfrm>
+      </p:grpSpPr>
+      <p:sp>
+        <p:nvSpPr>
+          <p:cNvPr id="2" name="제목 1">
+            <a:extLst>
+              <a:ext uri="{FF2B5EF4-FFF2-40B4-BE49-F238E27FC236}">
+                <a16:creationId xmlns:a16="http://schemas.microsoft.com/office/drawing/2014/main" id="{28D78D5F-E582-4987-91DF-9C7C5BEBD4EB}"/>
+              </a:ext>
+            </a:extLst>
+          </p:cNvPr>
+          <p:cNvSpPr>
+            <a:spLocks noGrp="1"/>
+          </p:cNvSpPr>
+          <p:nvPr>
+            <p:ph type="title"/>
+          </p:nvPr>
+        </p:nvSpPr>
+        <p:spPr/>
+        <p:txBody>
+          <a:bodyPr/>
+          <a:lstStyle/>
+          <a:p>
+            <a:r>
+              <a:rPr lang="ko-KR" altLang="en-US" dirty="0"/>
+              <a:t>개발자가 </a:t>
+            </a:r>
+            <a:r>
+              <a:rPr lang="ko-KR" altLang="en-US" dirty="0" err="1"/>
+              <a:t>알아두면</a:t>
+            </a:r>
+            <a:r>
+              <a:rPr lang="ko-KR" altLang="en-US" dirty="0"/>
+              <a:t> 좋을 네트워크 개념</a:t>
+            </a:r>
+          </a:p>
+        </p:txBody>
+      </p:sp>
+      <p:sp>
+        <p:nvSpPr>
+          <p:cNvPr id="3" name="내용 개체 틀 2">
+            <a:extLst>
+              <a:ext uri="{FF2B5EF4-FFF2-40B4-BE49-F238E27FC236}">
+                <a16:creationId xmlns:a16="http://schemas.microsoft.com/office/drawing/2014/main" id="{DFA47AE3-6532-4E43-9E16-6D279FF62F6D}"/>
+              </a:ext>
+            </a:extLst>
+          </p:cNvPr>
+          <p:cNvSpPr>
+            <a:spLocks noGrp="1"/>
+          </p:cNvSpPr>
+          <p:nvPr>
+            <p:ph idx="1"/>
+          </p:nvPr>
+        </p:nvSpPr>
+        <p:spPr/>
+        <p:txBody>
+          <a:bodyPr/>
+          <a:lstStyle/>
+          <a:p>
+            <a:r>
+              <a:rPr lang="ko-KR" altLang="en-US" dirty="0"/>
+              <a:t>통신 </a:t>
+            </a:r>
+            <a:r>
+              <a:rPr lang="en-US" altLang="ko-KR" dirty="0"/>
+              <a:t>3</a:t>
+            </a:r>
+            <a:r>
+              <a:rPr lang="ko-KR" altLang="en-US" dirty="0"/>
+              <a:t>요소</a:t>
+            </a:r>
+            <a:endParaRPr lang="en-US" altLang="ko-KR" dirty="0"/>
+          </a:p>
+          <a:p>
+            <a:pPr lvl="1"/>
+            <a:r>
+              <a:rPr lang="ko-KR" altLang="en-US" dirty="0"/>
+              <a:t>유선</a:t>
+            </a:r>
+            <a:r>
+              <a:rPr lang="en-US" altLang="ko-KR" dirty="0"/>
+              <a:t>(LAN), </a:t>
+            </a:r>
+            <a:r>
+              <a:rPr lang="ko-KR" altLang="en-US" dirty="0"/>
+              <a:t>무선</a:t>
+            </a:r>
+            <a:r>
+              <a:rPr lang="en-US" altLang="ko-KR" dirty="0"/>
+              <a:t>(WIFI)</a:t>
+            </a:r>
+          </a:p>
+          <a:p>
+            <a:pPr lvl="1"/>
+            <a:r>
+              <a:rPr lang="ko-KR" altLang="en-US" dirty="0" err="1"/>
+              <a:t>브로드밴드</a:t>
+            </a:r>
+            <a:endParaRPr lang="en-US" altLang="ko-KR" dirty="0"/>
+          </a:p>
+          <a:p>
+            <a:pPr lvl="1"/>
+            <a:endParaRPr lang="ko-KR" altLang="en-US" dirty="0"/>
+          </a:p>
+        </p:txBody>
+      </p:sp>
+      <p:sp>
+        <p:nvSpPr>
+          <p:cNvPr id="4" name="직사각형 3">
+            <a:extLst>
+              <a:ext uri="{FF2B5EF4-FFF2-40B4-BE49-F238E27FC236}">
+                <a16:creationId xmlns:a16="http://schemas.microsoft.com/office/drawing/2014/main" id="{603F50D1-9592-4BE9-BCCC-128C3D969486}"/>
+              </a:ext>
+            </a:extLst>
+          </p:cNvPr>
+          <p:cNvSpPr/>
+          <p:nvPr/>
+        </p:nvSpPr>
+        <p:spPr>
+          <a:xfrm>
+            <a:off x="2141086" y="3804911"/>
+            <a:ext cx="1139352" cy="495729"/>
+          </a:xfrm>
+          <a:prstGeom prst="rect">
+            <a:avLst/>
+          </a:prstGeom>
+        </p:spPr>
+        <p:style>
+          <a:lnRef idx="1">
+            <a:schemeClr val="accent3"/>
+          </a:lnRef>
+          <a:fillRef idx="2">
+            <a:schemeClr val="accent3"/>
+          </a:fillRef>
+          <a:effectRef idx="1">
+            <a:schemeClr val="accent3"/>
+          </a:effectRef>
+          <a:fontRef idx="minor">
+            <a:schemeClr val="dk1"/>
+          </a:fontRef>
+        </p:style>
+        <p:txBody>
+          <a:bodyPr rtlCol="0" anchor="ctr"/>
+          <a:lstStyle/>
+          <a:p>
+            <a:pPr algn="ctr"/>
+            <a:r>
+              <a:rPr lang="ko-KR" altLang="en-US" dirty="0"/>
+              <a:t>송신자</a:t>
+            </a:r>
+            <a:endParaRPr lang="en-US" altLang="ko-KR" dirty="0"/>
+          </a:p>
+        </p:txBody>
+      </p:sp>
+      <p:sp>
+        <p:nvSpPr>
+          <p:cNvPr id="5" name="직사각형 4">
+            <a:extLst>
+              <a:ext uri="{FF2B5EF4-FFF2-40B4-BE49-F238E27FC236}">
+                <a16:creationId xmlns:a16="http://schemas.microsoft.com/office/drawing/2014/main" id="{A70C5260-2B7D-422E-A476-26607C5AD7FC}"/>
+              </a:ext>
+            </a:extLst>
+          </p:cNvPr>
+          <p:cNvSpPr/>
+          <p:nvPr/>
+        </p:nvSpPr>
+        <p:spPr>
+          <a:xfrm>
+            <a:off x="5582883" y="3804911"/>
+            <a:ext cx="1026234" cy="495729"/>
+          </a:xfrm>
+          <a:prstGeom prst="rect">
+            <a:avLst/>
+          </a:prstGeom>
+        </p:spPr>
+        <p:style>
+          <a:lnRef idx="1">
+            <a:schemeClr val="accent3"/>
+          </a:lnRef>
+          <a:fillRef idx="2">
+            <a:schemeClr val="accent3"/>
+          </a:fillRef>
+          <a:effectRef idx="1">
+            <a:schemeClr val="accent3"/>
+          </a:effectRef>
+          <a:fontRef idx="minor">
+            <a:schemeClr val="dk1"/>
+          </a:fontRef>
+        </p:style>
+        <p:txBody>
+          <a:bodyPr rtlCol="0" anchor="ctr"/>
+          <a:lstStyle/>
+          <a:p>
+            <a:pPr algn="ctr"/>
+            <a:r>
+              <a:rPr lang="ko-KR" altLang="en-US" dirty="0"/>
+              <a:t>수신자</a:t>
+            </a:r>
+          </a:p>
+        </p:txBody>
+      </p:sp>
+      <p:cxnSp>
+        <p:nvCxnSpPr>
+          <p:cNvPr id="7" name="직선 연결선 6">
+            <a:extLst>
+              <a:ext uri="{FF2B5EF4-FFF2-40B4-BE49-F238E27FC236}">
+                <a16:creationId xmlns:a16="http://schemas.microsoft.com/office/drawing/2014/main" id="{FBF9D902-7A1B-4C17-A3D9-C7490C32691A}"/>
+              </a:ext>
+            </a:extLst>
+          </p:cNvPr>
+          <p:cNvCxnSpPr>
+            <a:cxnSpLocks/>
+            <a:stCxn id="4" idx="3"/>
+            <a:endCxn id="5" idx="1"/>
+          </p:cNvCxnSpPr>
+          <p:nvPr/>
+        </p:nvCxnSpPr>
+        <p:spPr>
+          <a:xfrm>
+            <a:off x="3280438" y="4052776"/>
+            <a:ext cx="2302445" cy="0"/>
+          </a:xfrm>
+          <a:prstGeom prst="line">
+            <a:avLst/>
+          </a:prstGeom>
+        </p:spPr>
+        <p:style>
+          <a:lnRef idx="3">
+            <a:schemeClr val="dk1"/>
+          </a:lnRef>
+          <a:fillRef idx="0">
+            <a:schemeClr val="dk1"/>
+          </a:fillRef>
+          <a:effectRef idx="2">
+            <a:schemeClr val="dk1"/>
+          </a:effectRef>
+          <a:fontRef idx="minor">
+            <a:schemeClr val="tx1"/>
+          </a:fontRef>
+        </p:style>
+      </p:cxnSp>
+      <p:sp>
+        <p:nvSpPr>
+          <p:cNvPr id="11" name="TextBox 10">
+            <a:extLst>
+              <a:ext uri="{FF2B5EF4-FFF2-40B4-BE49-F238E27FC236}">
+                <a16:creationId xmlns:a16="http://schemas.microsoft.com/office/drawing/2014/main" id="{008AAEE0-856F-484A-A722-362DC251B289}"/>
+              </a:ext>
+            </a:extLst>
+          </p:cNvPr>
+          <p:cNvSpPr txBox="1"/>
+          <p:nvPr/>
+        </p:nvSpPr>
+        <p:spPr>
+          <a:xfrm>
+            <a:off x="3877662" y="3634104"/>
+            <a:ext cx="1107996" cy="369332"/>
+          </a:xfrm>
+          <a:prstGeom prst="rect">
+            <a:avLst/>
+          </a:prstGeom>
+          <a:noFill/>
+        </p:spPr>
+        <p:txBody>
+          <a:bodyPr wrap="none" rtlCol="0">
+            <a:spAutoFit/>
+          </a:bodyPr>
+          <a:lstStyle/>
+          <a:p>
+            <a:r>
+              <a:rPr lang="ko-KR" altLang="en-US" dirty="0"/>
+              <a:t>통신매체</a:t>
+            </a:r>
+          </a:p>
+        </p:txBody>
+      </p:sp>
+    </p:spTree>
+    <p:extLst>
+      <p:ext uri="{BB962C8B-B14F-4D97-AF65-F5344CB8AC3E}">
+        <p14:creationId xmlns:p14="http://schemas.microsoft.com/office/powerpoint/2010/main" val="2983092278"/>
+      </p:ext>
+    </p:extLst>
+  </p:cSld>
+  <p:clrMapOvr>
+    <a:masterClrMapping/>
+  </p:clrMapOvr>
+  <mc:AlternateContent xmlns:mc="http://schemas.openxmlformats.org/markup-compatibility/2006" xmlns:p14="http://schemas.microsoft.com/office/powerpoint/2010/main">
+    <mc:Choice Requires="p14">
+      <p:transition spd="med" p14:dur="700">
+        <p:fade/>
+      </p:transition>
+    </mc:Choice>
+    <mc:Fallback xmlns="">
+      <p:transition spd="med">
+        <p:fade/>
+      </p:transition>
+    </mc:Fallback>
+  </mc:AlternateContent>
+</p:sld>
+</file>
+
+<file path=ppt/slides/slide18.xml><?xml version="1.0" encoding="utf-8"?>
+<p:sld xmlns:a="http://schemas.openxmlformats.org/drawingml/2006/main" xmlns:r="http://schemas.openxmlformats.org/officeDocument/2006/relationships" xmlns:p="http://schemas.openxmlformats.org/presentationml/2006/main">
+  <p:cSld>
+    <p:spTree>
+      <p:nvGrpSpPr>
+        <p:cNvPr id="1" name=""/>
+        <p:cNvGrpSpPr/>
+        <p:nvPr/>
+      </p:nvGrpSpPr>
+      <p:grpSpPr>
+        <a:xfrm>
+          <a:off x="0" y="0"/>
+          <a:ext cx="0" cy="0"/>
+          <a:chOff x="0" y="0"/>
+          <a:chExt cx="0" cy="0"/>
+        </a:xfrm>
+      </p:grpSpPr>
+      <p:sp>
+        <p:nvSpPr>
+          <p:cNvPr id="2" name="제목 1">
+            <a:extLst>
+              <a:ext uri="{FF2B5EF4-FFF2-40B4-BE49-F238E27FC236}">
+                <a16:creationId xmlns:a16="http://schemas.microsoft.com/office/drawing/2014/main" id="{28D78D5F-E582-4987-91DF-9C7C5BEBD4EB}"/>
+              </a:ext>
+            </a:extLst>
+          </p:cNvPr>
+          <p:cNvSpPr>
+            <a:spLocks noGrp="1"/>
+          </p:cNvSpPr>
+          <p:nvPr>
+            <p:ph type="title"/>
+          </p:nvPr>
+        </p:nvSpPr>
+        <p:spPr/>
+        <p:txBody>
+          <a:bodyPr/>
+          <a:lstStyle/>
+          <a:p>
+            <a:r>
+              <a:rPr lang="ko-KR" altLang="en-US" dirty="0"/>
+              <a:t>개발자가 </a:t>
+            </a:r>
+            <a:r>
+              <a:rPr lang="ko-KR" altLang="en-US" dirty="0" err="1"/>
+              <a:t>알아두면</a:t>
+            </a:r>
+            <a:r>
+              <a:rPr lang="ko-KR" altLang="en-US" dirty="0"/>
+              <a:t> 좋을 네트워크 개념</a:t>
+            </a:r>
+          </a:p>
+        </p:txBody>
+      </p:sp>
+      <p:sp>
+        <p:nvSpPr>
+          <p:cNvPr id="3" name="내용 개체 틀 2">
+            <a:extLst>
+              <a:ext uri="{FF2B5EF4-FFF2-40B4-BE49-F238E27FC236}">
+                <a16:creationId xmlns:a16="http://schemas.microsoft.com/office/drawing/2014/main" id="{DFA47AE3-6532-4E43-9E16-6D279FF62F6D}"/>
+              </a:ext>
+            </a:extLst>
+          </p:cNvPr>
+          <p:cNvSpPr>
+            <a:spLocks noGrp="1"/>
+          </p:cNvSpPr>
+          <p:nvPr>
+            <p:ph idx="1"/>
+          </p:nvPr>
+        </p:nvSpPr>
+        <p:spPr/>
+        <p:txBody>
+          <a:bodyPr/>
+          <a:lstStyle/>
+          <a:p>
+            <a:r>
+              <a:rPr lang="en-US" altLang="ko-KR" dirty="0"/>
+              <a:t>MAC (Media Access Control Address)</a:t>
+            </a:r>
+          </a:p>
+          <a:p>
+            <a:pPr lvl="1"/>
+            <a:r>
+              <a:rPr lang="ko-KR" altLang="en-US" dirty="0"/>
+              <a:t>물리적</a:t>
+            </a:r>
+            <a:r>
+              <a:rPr lang="en-US" altLang="ko-KR" dirty="0"/>
+              <a:t>, </a:t>
+            </a:r>
+            <a:r>
+              <a:rPr lang="ko-KR" altLang="en-US" dirty="0"/>
+              <a:t>유일한 값</a:t>
+            </a:r>
+            <a:endParaRPr lang="en-US" altLang="ko-KR" dirty="0"/>
+          </a:p>
+          <a:p>
+            <a:pPr lvl="1"/>
+            <a:r>
+              <a:rPr lang="en-US" altLang="ko-KR" dirty="0"/>
+              <a:t>IP/MAC </a:t>
+            </a:r>
+            <a:r>
+              <a:rPr lang="ko-KR" altLang="en-US" dirty="0"/>
+              <a:t>테이블</a:t>
+            </a:r>
+          </a:p>
+        </p:txBody>
+      </p:sp>
+      <p:sp>
+        <p:nvSpPr>
+          <p:cNvPr id="7" name="직사각형 6">
+            <a:extLst>
+              <a:ext uri="{FF2B5EF4-FFF2-40B4-BE49-F238E27FC236}">
+                <a16:creationId xmlns:a16="http://schemas.microsoft.com/office/drawing/2014/main" id="{87D226EF-6CF8-4B13-B123-1D1BAA00F05D}"/>
+              </a:ext>
+            </a:extLst>
+          </p:cNvPr>
+          <p:cNvSpPr/>
+          <p:nvPr/>
+        </p:nvSpPr>
+        <p:spPr>
+          <a:xfrm>
+            <a:off x="1913035" y="3698013"/>
+            <a:ext cx="1181470" cy="495729"/>
+          </a:xfrm>
+          <a:prstGeom prst="rect">
+            <a:avLst/>
+          </a:prstGeom>
+        </p:spPr>
+        <p:style>
+          <a:lnRef idx="1">
+            <a:schemeClr val="accent3"/>
+          </a:lnRef>
+          <a:fillRef idx="2">
+            <a:schemeClr val="accent3"/>
+          </a:fillRef>
+          <a:effectRef idx="1">
+            <a:schemeClr val="accent3"/>
+          </a:effectRef>
+          <a:fontRef idx="minor">
+            <a:schemeClr val="dk1"/>
+          </a:fontRef>
+        </p:style>
+        <p:txBody>
+          <a:bodyPr rtlCol="0" anchor="ctr"/>
+          <a:lstStyle/>
+          <a:p>
+            <a:pPr algn="ctr"/>
+            <a:r>
+              <a:rPr lang="ko-KR" altLang="en-US" dirty="0"/>
+              <a:t>송신자</a:t>
+            </a:r>
+            <a:r>
+              <a:rPr lang="en-US" altLang="ko-KR" dirty="0"/>
+              <a:t>A</a:t>
+            </a:r>
+            <a:endParaRPr lang="ko-KR" altLang="en-US" dirty="0"/>
+          </a:p>
+        </p:txBody>
+      </p:sp>
+      <p:sp>
+        <p:nvSpPr>
+          <p:cNvPr id="9" name="직사각형 8">
+            <a:extLst>
+              <a:ext uri="{FF2B5EF4-FFF2-40B4-BE49-F238E27FC236}">
+                <a16:creationId xmlns:a16="http://schemas.microsoft.com/office/drawing/2014/main" id="{CFB9D00F-1B68-43CA-B9F8-A6BEB4FDAE60}"/>
+              </a:ext>
+            </a:extLst>
+          </p:cNvPr>
+          <p:cNvSpPr/>
+          <p:nvPr/>
+        </p:nvSpPr>
+        <p:spPr>
+          <a:xfrm>
+            <a:off x="3589849" y="3731608"/>
+            <a:ext cx="1181470" cy="462133"/>
+          </a:xfrm>
+          <a:prstGeom prst="rect">
+            <a:avLst/>
+          </a:prstGeom>
+        </p:spPr>
+        <p:style>
+          <a:lnRef idx="0">
+            <a:schemeClr val="accent1"/>
+          </a:lnRef>
+          <a:fillRef idx="3">
+            <a:schemeClr val="accent1"/>
+          </a:fillRef>
+          <a:effectRef idx="3">
+            <a:schemeClr val="accent1"/>
+          </a:effectRef>
+          <a:fontRef idx="minor">
+            <a:schemeClr val="lt1"/>
+          </a:fontRef>
+        </p:style>
+        <p:txBody>
+          <a:bodyPr rtlCol="0" anchor="ctr"/>
+          <a:lstStyle/>
+          <a:p>
+            <a:pPr algn="ctr"/>
+            <a:r>
+              <a:rPr lang="ko-KR" altLang="en-US" dirty="0"/>
+              <a:t>스위치</a:t>
+            </a:r>
+          </a:p>
+        </p:txBody>
+      </p:sp>
+      <p:sp>
+        <p:nvSpPr>
+          <p:cNvPr id="11" name="직사각형 10">
+            <a:extLst>
+              <a:ext uri="{FF2B5EF4-FFF2-40B4-BE49-F238E27FC236}">
+                <a16:creationId xmlns:a16="http://schemas.microsoft.com/office/drawing/2014/main" id="{C128F8CA-0D3F-490C-8FBA-4F60D84B8A09}"/>
+              </a:ext>
+            </a:extLst>
+          </p:cNvPr>
+          <p:cNvSpPr/>
+          <p:nvPr/>
+        </p:nvSpPr>
+        <p:spPr>
+          <a:xfrm>
+            <a:off x="3589849" y="4648045"/>
+            <a:ext cx="1181470" cy="495729"/>
+          </a:xfrm>
+          <a:prstGeom prst="rect">
+            <a:avLst/>
+          </a:prstGeom>
+        </p:spPr>
+        <p:style>
+          <a:lnRef idx="1">
+            <a:schemeClr val="accent3"/>
+          </a:lnRef>
+          <a:fillRef idx="2">
+            <a:schemeClr val="accent3"/>
+          </a:fillRef>
+          <a:effectRef idx="1">
+            <a:schemeClr val="accent3"/>
+          </a:effectRef>
+          <a:fontRef idx="minor">
+            <a:schemeClr val="dk1"/>
+          </a:fontRef>
+        </p:style>
+        <p:txBody>
+          <a:bodyPr rtlCol="0" anchor="ctr"/>
+          <a:lstStyle/>
+          <a:p>
+            <a:pPr algn="ctr"/>
+            <a:r>
+              <a:rPr lang="ko-KR" altLang="en-US" dirty="0"/>
+              <a:t>송신자</a:t>
+            </a:r>
+            <a:r>
+              <a:rPr lang="en-US" altLang="ko-KR" dirty="0"/>
+              <a:t>B</a:t>
+            </a:r>
+            <a:endParaRPr lang="ko-KR" altLang="en-US" dirty="0"/>
+          </a:p>
+        </p:txBody>
+      </p:sp>
+      <p:sp>
+        <p:nvSpPr>
+          <p:cNvPr id="12" name="직사각형 11">
+            <a:extLst>
+              <a:ext uri="{FF2B5EF4-FFF2-40B4-BE49-F238E27FC236}">
+                <a16:creationId xmlns:a16="http://schemas.microsoft.com/office/drawing/2014/main" id="{0392E843-4BE9-4EA6-99B6-4B3EAE765D58}"/>
+              </a:ext>
+            </a:extLst>
+          </p:cNvPr>
+          <p:cNvSpPr/>
+          <p:nvPr/>
+        </p:nvSpPr>
+        <p:spPr>
+          <a:xfrm>
+            <a:off x="5266663" y="3731608"/>
+            <a:ext cx="1181470" cy="495729"/>
+          </a:xfrm>
+          <a:prstGeom prst="rect">
+            <a:avLst/>
+          </a:prstGeom>
+        </p:spPr>
+        <p:style>
+          <a:lnRef idx="1">
+            <a:schemeClr val="accent3"/>
+          </a:lnRef>
+          <a:fillRef idx="2">
+            <a:schemeClr val="accent3"/>
+          </a:fillRef>
+          <a:effectRef idx="1">
+            <a:schemeClr val="accent3"/>
+          </a:effectRef>
+          <a:fontRef idx="minor">
+            <a:schemeClr val="dk1"/>
+          </a:fontRef>
+        </p:style>
+        <p:txBody>
+          <a:bodyPr rtlCol="0" anchor="ctr"/>
+          <a:lstStyle/>
+          <a:p>
+            <a:pPr algn="ctr"/>
+            <a:r>
+              <a:rPr lang="ko-KR" altLang="en-US" dirty="0"/>
+              <a:t>라우터</a:t>
+            </a:r>
+          </a:p>
+        </p:txBody>
+      </p:sp>
+    </p:spTree>
+    <p:extLst>
+      <p:ext uri="{BB962C8B-B14F-4D97-AF65-F5344CB8AC3E}">
+        <p14:creationId xmlns:p14="http://schemas.microsoft.com/office/powerpoint/2010/main" val="3452382363"/>
+      </p:ext>
+    </p:extLst>
+  </p:cSld>
+  <p:clrMapOvr>
+    <a:masterClrMapping/>
+  </p:clrMapOvr>
+  <mc:AlternateContent xmlns:mc="http://schemas.openxmlformats.org/markup-compatibility/2006" xmlns:p14="http://schemas.microsoft.com/office/powerpoint/2010/main">
+    <mc:Choice Requires="p14">
+      <p:transition spd="med" p14:dur="700">
+        <p:fade/>
+      </p:transition>
+    </mc:Choice>
+    <mc:Fallback xmlns="">
+      <p:transition spd="med">
+        <p:fade/>
+      </p:transition>
+    </mc:Fallback>
+  </mc:AlternateContent>
+</p:sld>
+</file>
+
+<file path=ppt/slides/slide19.xml><?xml version="1.0" encoding="utf-8"?>
+<p:sld xmlns:a="http://schemas.openxmlformats.org/drawingml/2006/main" xmlns:r="http://schemas.openxmlformats.org/officeDocument/2006/relationships" xmlns:p="http://schemas.openxmlformats.org/presentationml/2006/main">
+  <p:cSld>
+    <p:spTree>
+      <p:nvGrpSpPr>
+        <p:cNvPr id="1" name=""/>
+        <p:cNvGrpSpPr/>
+        <p:nvPr/>
+      </p:nvGrpSpPr>
+      <p:grpSpPr>
+        <a:xfrm>
+          <a:off x="0" y="0"/>
+          <a:ext cx="0" cy="0"/>
+          <a:chOff x="0" y="0"/>
+          <a:chExt cx="0" cy="0"/>
+        </a:xfrm>
+      </p:grpSpPr>
+      <p:sp>
+        <p:nvSpPr>
+          <p:cNvPr id="2" name="제목 1">
+            <a:extLst>
+              <a:ext uri="{FF2B5EF4-FFF2-40B4-BE49-F238E27FC236}">
+                <a16:creationId xmlns:a16="http://schemas.microsoft.com/office/drawing/2014/main" id="{28D78D5F-E582-4987-91DF-9C7C5BEBD4EB}"/>
+              </a:ext>
+            </a:extLst>
+          </p:cNvPr>
+          <p:cNvSpPr>
+            <a:spLocks noGrp="1"/>
+          </p:cNvSpPr>
+          <p:nvPr>
+            <p:ph type="title"/>
+          </p:nvPr>
+        </p:nvSpPr>
+        <p:spPr/>
+        <p:txBody>
+          <a:bodyPr/>
+          <a:lstStyle/>
+          <a:p>
+            <a:r>
+              <a:rPr lang="ko-KR" altLang="en-US" dirty="0"/>
+              <a:t>개발자가 </a:t>
+            </a:r>
+            <a:r>
+              <a:rPr lang="ko-KR" altLang="en-US" dirty="0" err="1"/>
+              <a:t>알아두면</a:t>
+            </a:r>
+            <a:r>
+              <a:rPr lang="ko-KR" altLang="en-US" dirty="0"/>
+              <a:t> 좋을 네트워크 개념</a:t>
+            </a:r>
+          </a:p>
+        </p:txBody>
+      </p:sp>
+      <p:sp>
+        <p:nvSpPr>
+          <p:cNvPr id="3" name="내용 개체 틀 2">
+            <a:extLst>
+              <a:ext uri="{FF2B5EF4-FFF2-40B4-BE49-F238E27FC236}">
+                <a16:creationId xmlns:a16="http://schemas.microsoft.com/office/drawing/2014/main" id="{DFA47AE3-6532-4E43-9E16-6D279FF62F6D}"/>
+              </a:ext>
+            </a:extLst>
+          </p:cNvPr>
+          <p:cNvSpPr>
+            <a:spLocks noGrp="1"/>
+          </p:cNvSpPr>
+          <p:nvPr>
+            <p:ph idx="1"/>
+          </p:nvPr>
+        </p:nvSpPr>
+        <p:spPr/>
+        <p:txBody>
+          <a:bodyPr/>
+          <a:lstStyle/>
+          <a:p>
+            <a:r>
+              <a:rPr lang="en-US" altLang="ko-KR" dirty="0"/>
+              <a:t>IP </a:t>
+            </a:r>
+            <a:r>
+              <a:rPr lang="ko-KR" altLang="en-US" dirty="0"/>
+              <a:t>주소 </a:t>
+            </a:r>
+            <a:r>
+              <a:rPr lang="en-US" altLang="ko-KR" dirty="0"/>
+              <a:t>(Internet Protocol address)</a:t>
+            </a:r>
+          </a:p>
+          <a:p>
+            <a:pPr lvl="1"/>
+            <a:r>
+              <a:rPr lang="ko-KR" altLang="en-US" dirty="0"/>
+              <a:t>논리적 식별자</a:t>
+            </a:r>
+            <a:endParaRPr lang="en-US" altLang="ko-KR" dirty="0"/>
+          </a:p>
+        </p:txBody>
+      </p:sp>
+      <p:sp>
+        <p:nvSpPr>
+          <p:cNvPr id="7" name="직사각형 6">
+            <a:extLst>
+              <a:ext uri="{FF2B5EF4-FFF2-40B4-BE49-F238E27FC236}">
+                <a16:creationId xmlns:a16="http://schemas.microsoft.com/office/drawing/2014/main" id="{87D226EF-6CF8-4B13-B123-1D1BAA00F05D}"/>
+              </a:ext>
+            </a:extLst>
+          </p:cNvPr>
+          <p:cNvSpPr/>
+          <p:nvPr/>
+        </p:nvSpPr>
+        <p:spPr>
+          <a:xfrm>
+            <a:off x="1932770" y="3395405"/>
+            <a:ext cx="1181470" cy="495729"/>
+          </a:xfrm>
+          <a:prstGeom prst="rect">
+            <a:avLst/>
+          </a:prstGeom>
+        </p:spPr>
+        <p:style>
+          <a:lnRef idx="1">
+            <a:schemeClr val="accent3"/>
+          </a:lnRef>
+          <a:fillRef idx="2">
+            <a:schemeClr val="accent3"/>
+          </a:fillRef>
+          <a:effectRef idx="1">
+            <a:schemeClr val="accent3"/>
+          </a:effectRef>
+          <a:fontRef idx="minor">
+            <a:schemeClr val="dk1"/>
+          </a:fontRef>
+        </p:style>
+        <p:txBody>
+          <a:bodyPr rtlCol="0" anchor="ctr"/>
+          <a:lstStyle/>
+          <a:p>
+            <a:pPr algn="ctr"/>
+            <a:r>
+              <a:rPr lang="ko-KR" altLang="en-US" dirty="0"/>
+              <a:t>송신자</a:t>
+            </a:r>
+          </a:p>
+        </p:txBody>
+      </p:sp>
+      <p:sp>
+        <p:nvSpPr>
+          <p:cNvPr id="11" name="직사각형 10">
+            <a:extLst>
+              <a:ext uri="{FF2B5EF4-FFF2-40B4-BE49-F238E27FC236}">
+                <a16:creationId xmlns:a16="http://schemas.microsoft.com/office/drawing/2014/main" id="{C128F8CA-0D3F-490C-8FBA-4F60D84B8A09}"/>
+              </a:ext>
+            </a:extLst>
+          </p:cNvPr>
+          <p:cNvSpPr/>
+          <p:nvPr/>
+        </p:nvSpPr>
+        <p:spPr>
+          <a:xfrm>
+            <a:off x="5316000" y="3390471"/>
+            <a:ext cx="1181470" cy="495729"/>
+          </a:xfrm>
+          <a:prstGeom prst="rect">
+            <a:avLst/>
+          </a:prstGeom>
+        </p:spPr>
+        <p:style>
+          <a:lnRef idx="1">
+            <a:schemeClr val="accent3"/>
+          </a:lnRef>
+          <a:fillRef idx="2">
+            <a:schemeClr val="accent3"/>
+          </a:fillRef>
+          <a:effectRef idx="1">
+            <a:schemeClr val="accent3"/>
+          </a:effectRef>
+          <a:fontRef idx="minor">
+            <a:schemeClr val="dk1"/>
+          </a:fontRef>
+        </p:style>
+        <p:txBody>
+          <a:bodyPr rtlCol="0" anchor="ctr"/>
+          <a:lstStyle/>
+          <a:p>
+            <a:pPr algn="ctr"/>
+            <a:r>
+              <a:rPr lang="ko-KR" altLang="en-US" dirty="0"/>
+              <a:t>인터넷</a:t>
+            </a:r>
+          </a:p>
+        </p:txBody>
+      </p:sp>
+      <p:sp>
+        <p:nvSpPr>
+          <p:cNvPr id="12" name="직사각형 11">
+            <a:extLst>
+              <a:ext uri="{FF2B5EF4-FFF2-40B4-BE49-F238E27FC236}">
+                <a16:creationId xmlns:a16="http://schemas.microsoft.com/office/drawing/2014/main" id="{0392E843-4BE9-4EA6-99B6-4B3EAE765D58}"/>
+              </a:ext>
+            </a:extLst>
+          </p:cNvPr>
+          <p:cNvSpPr/>
+          <p:nvPr/>
+        </p:nvSpPr>
+        <p:spPr>
+          <a:xfrm>
+            <a:off x="3609584" y="3405271"/>
+            <a:ext cx="1181470" cy="495729"/>
+          </a:xfrm>
+          <a:prstGeom prst="rect">
+            <a:avLst/>
+          </a:prstGeom>
+        </p:spPr>
+        <p:style>
+          <a:lnRef idx="1">
+            <a:schemeClr val="accent3"/>
+          </a:lnRef>
+          <a:fillRef idx="2">
+            <a:schemeClr val="accent3"/>
+          </a:fillRef>
+          <a:effectRef idx="1">
+            <a:schemeClr val="accent3"/>
+          </a:effectRef>
+          <a:fontRef idx="minor">
+            <a:schemeClr val="dk1"/>
+          </a:fontRef>
+        </p:style>
+        <p:txBody>
+          <a:bodyPr rtlCol="0" anchor="ctr"/>
+          <a:lstStyle/>
+          <a:p>
+            <a:pPr algn="ctr"/>
+            <a:r>
+              <a:rPr lang="ko-KR" altLang="en-US" dirty="0"/>
+              <a:t>라우터</a:t>
+            </a:r>
+          </a:p>
+        </p:txBody>
+      </p:sp>
+      <p:sp>
+        <p:nvSpPr>
+          <p:cNvPr id="8" name="직사각형 7">
+            <a:extLst>
+              <a:ext uri="{FF2B5EF4-FFF2-40B4-BE49-F238E27FC236}">
+                <a16:creationId xmlns:a16="http://schemas.microsoft.com/office/drawing/2014/main" id="{3B209D68-2F0E-433D-AC3F-B6AA97C5C53C}"/>
+              </a:ext>
+            </a:extLst>
+          </p:cNvPr>
+          <p:cNvSpPr/>
+          <p:nvPr/>
+        </p:nvSpPr>
+        <p:spPr>
+          <a:xfrm>
+            <a:off x="7022416" y="3390470"/>
+            <a:ext cx="1181470" cy="495729"/>
+          </a:xfrm>
+          <a:prstGeom prst="rect">
+            <a:avLst/>
+          </a:prstGeom>
+        </p:spPr>
+        <p:style>
+          <a:lnRef idx="1">
+            <a:schemeClr val="accent3"/>
+          </a:lnRef>
+          <a:fillRef idx="2">
+            <a:schemeClr val="accent3"/>
+          </a:fillRef>
+          <a:effectRef idx="1">
+            <a:schemeClr val="accent3"/>
+          </a:effectRef>
+          <a:fontRef idx="minor">
+            <a:schemeClr val="dk1"/>
+          </a:fontRef>
+        </p:style>
+        <p:txBody>
+          <a:bodyPr rtlCol="0" anchor="ctr"/>
+          <a:lstStyle/>
+          <a:p>
+            <a:pPr algn="ctr"/>
+            <a:r>
+              <a:rPr lang="ko-KR" altLang="en-US" dirty="0"/>
+              <a:t>수신자</a:t>
+            </a:r>
+          </a:p>
+        </p:txBody>
+      </p:sp>
+      <p:sp>
+        <p:nvSpPr>
+          <p:cNvPr id="13" name="직사각형 12">
+            <a:extLst>
+              <a:ext uri="{FF2B5EF4-FFF2-40B4-BE49-F238E27FC236}">
+                <a16:creationId xmlns:a16="http://schemas.microsoft.com/office/drawing/2014/main" id="{3B5DDCD1-FE2F-4440-BDDB-D115FC261CDF}"/>
+              </a:ext>
+            </a:extLst>
+          </p:cNvPr>
+          <p:cNvSpPr/>
+          <p:nvPr/>
+        </p:nvSpPr>
+        <p:spPr>
+          <a:xfrm>
+            <a:off x="2774125" y="4226097"/>
+            <a:ext cx="1181470" cy="462133"/>
+          </a:xfrm>
+          <a:prstGeom prst="rect">
+            <a:avLst/>
+          </a:prstGeom>
+        </p:spPr>
+        <p:style>
+          <a:lnRef idx="0">
+            <a:schemeClr val="accent1"/>
+          </a:lnRef>
+          <a:fillRef idx="3">
+            <a:schemeClr val="accent1"/>
+          </a:fillRef>
+          <a:effectRef idx="3">
+            <a:schemeClr val="accent1"/>
+          </a:effectRef>
+          <a:fontRef idx="minor">
+            <a:schemeClr val="lt1"/>
+          </a:fontRef>
+        </p:style>
+        <p:txBody>
+          <a:bodyPr rtlCol="0" anchor="ctr"/>
+          <a:lstStyle/>
+          <a:p>
+            <a:pPr algn="ctr"/>
+            <a:r>
+              <a:rPr lang="ko-KR" altLang="en-US" dirty="0"/>
+              <a:t>스위치</a:t>
+            </a:r>
+          </a:p>
+        </p:txBody>
+      </p:sp>
+      <p:sp>
+        <p:nvSpPr>
+          <p:cNvPr id="14" name="직사각형 13">
+            <a:extLst>
+              <a:ext uri="{FF2B5EF4-FFF2-40B4-BE49-F238E27FC236}">
+                <a16:creationId xmlns:a16="http://schemas.microsoft.com/office/drawing/2014/main" id="{AA62A27A-121B-4265-9BA6-23296D9DA687}"/>
+              </a:ext>
+            </a:extLst>
+          </p:cNvPr>
+          <p:cNvSpPr/>
+          <p:nvPr/>
+        </p:nvSpPr>
+        <p:spPr>
+          <a:xfrm>
+            <a:off x="4497670" y="4235963"/>
+            <a:ext cx="1181470" cy="462133"/>
+          </a:xfrm>
+          <a:prstGeom prst="rect">
+            <a:avLst/>
+          </a:prstGeom>
+        </p:spPr>
+        <p:style>
+          <a:lnRef idx="0">
+            <a:schemeClr val="accent1"/>
+          </a:lnRef>
+          <a:fillRef idx="3">
+            <a:schemeClr val="accent1"/>
+          </a:fillRef>
+          <a:effectRef idx="3">
+            <a:schemeClr val="accent1"/>
+          </a:effectRef>
+          <a:fontRef idx="minor">
+            <a:schemeClr val="lt1"/>
+          </a:fontRef>
+        </p:style>
+        <p:txBody>
+          <a:bodyPr rtlCol="0" anchor="ctr"/>
+          <a:lstStyle/>
+          <a:p>
+            <a:pPr algn="ctr"/>
+            <a:r>
+              <a:rPr lang="ko-KR" altLang="en-US" dirty="0"/>
+              <a:t>스위치</a:t>
+            </a:r>
+          </a:p>
+        </p:txBody>
+      </p:sp>
+      <p:sp>
+        <p:nvSpPr>
+          <p:cNvPr id="15" name="직사각형 14">
+            <a:extLst>
+              <a:ext uri="{FF2B5EF4-FFF2-40B4-BE49-F238E27FC236}">
+                <a16:creationId xmlns:a16="http://schemas.microsoft.com/office/drawing/2014/main" id="{FC75AB56-FA68-44F7-B34E-E52D1B5A2497}"/>
+              </a:ext>
+            </a:extLst>
+          </p:cNvPr>
+          <p:cNvSpPr/>
+          <p:nvPr/>
+        </p:nvSpPr>
+        <p:spPr>
+          <a:xfrm>
+            <a:off x="6293579" y="4239252"/>
+            <a:ext cx="1181470" cy="462133"/>
+          </a:xfrm>
+          <a:prstGeom prst="rect">
+            <a:avLst/>
+          </a:prstGeom>
+        </p:spPr>
+        <p:style>
+          <a:lnRef idx="0">
+            <a:schemeClr val="accent1"/>
+          </a:lnRef>
+          <a:fillRef idx="3">
+            <a:schemeClr val="accent1"/>
+          </a:fillRef>
+          <a:effectRef idx="3">
+            <a:schemeClr val="accent1"/>
+          </a:effectRef>
+          <a:fontRef idx="minor">
+            <a:schemeClr val="lt1"/>
+          </a:fontRef>
+        </p:style>
+        <p:txBody>
+          <a:bodyPr rtlCol="0" anchor="ctr"/>
+          <a:lstStyle/>
+          <a:p>
+            <a:pPr algn="ctr"/>
+            <a:r>
+              <a:rPr lang="ko-KR" altLang="en-US" dirty="0"/>
+              <a:t>스위치</a:t>
+            </a:r>
+          </a:p>
+        </p:txBody>
+      </p:sp>
+    </p:spTree>
+    <p:extLst>
+      <p:ext uri="{BB962C8B-B14F-4D97-AF65-F5344CB8AC3E}">
+        <p14:creationId xmlns:p14="http://schemas.microsoft.com/office/powerpoint/2010/main" val="2480475538"/>
       </p:ext>
     </p:extLst>
   </p:cSld>
@@ -17301,6 +18683,1054 @@
     <p:extLst>
       <p:ext uri="{BB962C8B-B14F-4D97-AF65-F5344CB8AC3E}">
         <p14:creationId xmlns:p14="http://schemas.microsoft.com/office/powerpoint/2010/main" val="1355702864"/>
+      </p:ext>
+    </p:extLst>
+  </p:cSld>
+  <p:clrMapOvr>
+    <a:masterClrMapping/>
+  </p:clrMapOvr>
+  <mc:AlternateContent xmlns:mc="http://schemas.openxmlformats.org/markup-compatibility/2006" xmlns:p14="http://schemas.microsoft.com/office/powerpoint/2010/main">
+    <mc:Choice Requires="p14">
+      <p:transition spd="med" p14:dur="700">
+        <p:fade/>
+      </p:transition>
+    </mc:Choice>
+    <mc:Fallback xmlns="">
+      <p:transition spd="med">
+        <p:fade/>
+      </p:transition>
+    </mc:Fallback>
+  </mc:AlternateContent>
+</p:sld>
+</file>
+
+<file path=ppt/slides/slide20.xml><?xml version="1.0" encoding="utf-8"?>
+<p:sld xmlns:a="http://schemas.openxmlformats.org/drawingml/2006/main" xmlns:r="http://schemas.openxmlformats.org/officeDocument/2006/relationships" xmlns:p="http://schemas.openxmlformats.org/presentationml/2006/main">
+  <p:cSld>
+    <p:spTree>
+      <p:nvGrpSpPr>
+        <p:cNvPr id="1" name=""/>
+        <p:cNvGrpSpPr/>
+        <p:nvPr/>
+      </p:nvGrpSpPr>
+      <p:grpSpPr>
+        <a:xfrm>
+          <a:off x="0" y="0"/>
+          <a:ext cx="0" cy="0"/>
+          <a:chOff x="0" y="0"/>
+          <a:chExt cx="0" cy="0"/>
+        </a:xfrm>
+      </p:grpSpPr>
+      <p:sp>
+        <p:nvSpPr>
+          <p:cNvPr id="2" name="제목 1">
+            <a:extLst>
+              <a:ext uri="{FF2B5EF4-FFF2-40B4-BE49-F238E27FC236}">
+                <a16:creationId xmlns:a16="http://schemas.microsoft.com/office/drawing/2014/main" id="{28D78D5F-E582-4987-91DF-9C7C5BEBD4EB}"/>
+              </a:ext>
+            </a:extLst>
+          </p:cNvPr>
+          <p:cNvSpPr>
+            <a:spLocks noGrp="1"/>
+          </p:cNvSpPr>
+          <p:nvPr>
+            <p:ph type="title"/>
+          </p:nvPr>
+        </p:nvSpPr>
+        <p:spPr/>
+        <p:txBody>
+          <a:bodyPr/>
+          <a:lstStyle/>
+          <a:p>
+            <a:r>
+              <a:rPr lang="ko-KR" altLang="en-US" dirty="0"/>
+              <a:t>개발자가 </a:t>
+            </a:r>
+            <a:r>
+              <a:rPr lang="ko-KR" altLang="en-US" dirty="0" err="1"/>
+              <a:t>알아두면</a:t>
+            </a:r>
+            <a:r>
+              <a:rPr lang="ko-KR" altLang="en-US" dirty="0"/>
+              <a:t> 좋을 네트워크 개념</a:t>
+            </a:r>
+          </a:p>
+        </p:txBody>
+      </p:sp>
+      <p:sp>
+        <p:nvSpPr>
+          <p:cNvPr id="3" name="내용 개체 틀 2">
+            <a:extLst>
+              <a:ext uri="{FF2B5EF4-FFF2-40B4-BE49-F238E27FC236}">
+                <a16:creationId xmlns:a16="http://schemas.microsoft.com/office/drawing/2014/main" id="{DFA47AE3-6532-4E43-9E16-6D279FF62F6D}"/>
+              </a:ext>
+            </a:extLst>
+          </p:cNvPr>
+          <p:cNvSpPr>
+            <a:spLocks noGrp="1"/>
+          </p:cNvSpPr>
+          <p:nvPr>
+            <p:ph idx="1"/>
+          </p:nvPr>
+        </p:nvSpPr>
+        <p:spPr/>
+        <p:txBody>
+          <a:bodyPr/>
+          <a:lstStyle/>
+          <a:p>
+            <a:r>
+              <a:rPr lang="en-US" altLang="ko-KR" dirty="0"/>
+              <a:t>PORT</a:t>
+            </a:r>
+          </a:p>
+          <a:p>
+            <a:pPr lvl="1"/>
+            <a:r>
+              <a:rPr lang="ko-KR" altLang="en-US" dirty="0"/>
+              <a:t>프로세스를 구분</a:t>
+            </a:r>
+            <a:endParaRPr lang="en-US" altLang="ko-KR" dirty="0"/>
+          </a:p>
+          <a:p>
+            <a:pPr lvl="1"/>
+            <a:r>
+              <a:rPr lang="en-US" altLang="ko-KR" dirty="0"/>
+              <a:t>https://a.com</a:t>
+            </a:r>
+            <a:endParaRPr lang="ko-KR" altLang="en-US" dirty="0"/>
+          </a:p>
+        </p:txBody>
+      </p:sp>
+      <p:sp>
+        <p:nvSpPr>
+          <p:cNvPr id="24" name="직사각형 23">
+            <a:extLst>
+              <a:ext uri="{FF2B5EF4-FFF2-40B4-BE49-F238E27FC236}">
+                <a16:creationId xmlns:a16="http://schemas.microsoft.com/office/drawing/2014/main" id="{7307316F-A5AE-4A8C-9E78-8077978BDDD7}"/>
+              </a:ext>
+            </a:extLst>
+          </p:cNvPr>
+          <p:cNvSpPr/>
+          <p:nvPr/>
+        </p:nvSpPr>
+        <p:spPr>
+          <a:xfrm>
+            <a:off x="2141086" y="3890430"/>
+            <a:ext cx="1139352" cy="497374"/>
+          </a:xfrm>
+          <a:prstGeom prst="rect">
+            <a:avLst/>
+          </a:prstGeom>
+        </p:spPr>
+        <p:style>
+          <a:lnRef idx="1">
+            <a:schemeClr val="accent3"/>
+          </a:lnRef>
+          <a:fillRef idx="2">
+            <a:schemeClr val="accent3"/>
+          </a:fillRef>
+          <a:effectRef idx="1">
+            <a:schemeClr val="accent3"/>
+          </a:effectRef>
+          <a:fontRef idx="minor">
+            <a:schemeClr val="dk1"/>
+          </a:fontRef>
+        </p:style>
+        <p:txBody>
+          <a:bodyPr rtlCol="0" anchor="ctr"/>
+          <a:lstStyle/>
+          <a:p>
+            <a:pPr algn="ctr"/>
+            <a:r>
+              <a:rPr lang="ko-KR" altLang="en-US" dirty="0"/>
+              <a:t>송신자</a:t>
+            </a:r>
+            <a:endParaRPr lang="en-US" altLang="ko-KR" dirty="0"/>
+          </a:p>
+        </p:txBody>
+      </p:sp>
+      <p:sp>
+        <p:nvSpPr>
+          <p:cNvPr id="25" name="직사각형 24">
+            <a:extLst>
+              <a:ext uri="{FF2B5EF4-FFF2-40B4-BE49-F238E27FC236}">
+                <a16:creationId xmlns:a16="http://schemas.microsoft.com/office/drawing/2014/main" id="{B2036BCA-013E-4FBF-9E3D-9A23573DCB65}"/>
+              </a:ext>
+            </a:extLst>
+          </p:cNvPr>
+          <p:cNvSpPr/>
+          <p:nvPr/>
+        </p:nvSpPr>
+        <p:spPr>
+          <a:xfrm>
+            <a:off x="5582883" y="3890430"/>
+            <a:ext cx="1026234" cy="497374"/>
+          </a:xfrm>
+          <a:prstGeom prst="rect">
+            <a:avLst/>
+          </a:prstGeom>
+        </p:spPr>
+        <p:style>
+          <a:lnRef idx="1">
+            <a:schemeClr val="accent3"/>
+          </a:lnRef>
+          <a:fillRef idx="2">
+            <a:schemeClr val="accent3"/>
+          </a:fillRef>
+          <a:effectRef idx="1">
+            <a:schemeClr val="accent3"/>
+          </a:effectRef>
+          <a:fontRef idx="minor">
+            <a:schemeClr val="dk1"/>
+          </a:fontRef>
+        </p:style>
+        <p:txBody>
+          <a:bodyPr rtlCol="0" anchor="ctr"/>
+          <a:lstStyle/>
+          <a:p>
+            <a:pPr algn="ctr"/>
+            <a:r>
+              <a:rPr lang="ko-KR" altLang="en-US" dirty="0"/>
+              <a:t>수신자</a:t>
+            </a:r>
+          </a:p>
+        </p:txBody>
+      </p:sp>
+      <p:cxnSp>
+        <p:nvCxnSpPr>
+          <p:cNvPr id="26" name="직선 연결선 25">
+            <a:extLst>
+              <a:ext uri="{FF2B5EF4-FFF2-40B4-BE49-F238E27FC236}">
+                <a16:creationId xmlns:a16="http://schemas.microsoft.com/office/drawing/2014/main" id="{9A332B51-3407-4991-A568-3F347D0F35FD}"/>
+              </a:ext>
+            </a:extLst>
+          </p:cNvPr>
+          <p:cNvCxnSpPr>
+            <a:cxnSpLocks/>
+            <a:stCxn id="24" idx="3"/>
+            <a:endCxn id="25" idx="1"/>
+          </p:cNvCxnSpPr>
+          <p:nvPr/>
+        </p:nvCxnSpPr>
+        <p:spPr>
+          <a:xfrm>
+            <a:off x="3280438" y="4139117"/>
+            <a:ext cx="2302445" cy="0"/>
+          </a:xfrm>
+          <a:prstGeom prst="line">
+            <a:avLst/>
+          </a:prstGeom>
+        </p:spPr>
+        <p:style>
+          <a:lnRef idx="3">
+            <a:schemeClr val="dk1"/>
+          </a:lnRef>
+          <a:fillRef idx="0">
+            <a:schemeClr val="dk1"/>
+          </a:fillRef>
+          <a:effectRef idx="2">
+            <a:schemeClr val="dk1"/>
+          </a:effectRef>
+          <a:fontRef idx="minor">
+            <a:schemeClr val="tx1"/>
+          </a:fontRef>
+        </p:style>
+      </p:cxnSp>
+      <p:sp>
+        <p:nvSpPr>
+          <p:cNvPr id="27" name="TextBox 26">
+            <a:extLst>
+              <a:ext uri="{FF2B5EF4-FFF2-40B4-BE49-F238E27FC236}">
+                <a16:creationId xmlns:a16="http://schemas.microsoft.com/office/drawing/2014/main" id="{8FFBCECA-0F00-446A-953F-430CC5998390}"/>
+              </a:ext>
+            </a:extLst>
+          </p:cNvPr>
+          <p:cNvSpPr txBox="1"/>
+          <p:nvPr/>
+        </p:nvSpPr>
+        <p:spPr>
+          <a:xfrm>
+            <a:off x="3877662" y="3708230"/>
+            <a:ext cx="877163" cy="369332"/>
+          </a:xfrm>
+          <a:prstGeom prst="rect">
+            <a:avLst/>
+          </a:prstGeom>
+          <a:noFill/>
+        </p:spPr>
+        <p:txBody>
+          <a:bodyPr wrap="none" rtlCol="0">
+            <a:spAutoFit/>
+          </a:bodyPr>
+          <a:lstStyle/>
+          <a:p>
+            <a:r>
+              <a:rPr lang="ko-KR" altLang="en-US" dirty="0"/>
+              <a:t>인터넷</a:t>
+            </a:r>
+          </a:p>
+        </p:txBody>
+      </p:sp>
+      <p:sp>
+        <p:nvSpPr>
+          <p:cNvPr id="28" name="TextBox 27">
+            <a:extLst>
+              <a:ext uri="{FF2B5EF4-FFF2-40B4-BE49-F238E27FC236}">
+                <a16:creationId xmlns:a16="http://schemas.microsoft.com/office/drawing/2014/main" id="{83375635-060F-464B-AA1B-DC0C9F3CD995}"/>
+              </a:ext>
+            </a:extLst>
+          </p:cNvPr>
+          <p:cNvSpPr txBox="1"/>
+          <p:nvPr/>
+        </p:nvSpPr>
+        <p:spPr>
+          <a:xfrm>
+            <a:off x="6170535" y="4536456"/>
+            <a:ext cx="1941557" cy="923330"/>
+          </a:xfrm>
+          <a:prstGeom prst="rect">
+            <a:avLst/>
+          </a:prstGeom>
+          <a:noFill/>
+        </p:spPr>
+        <p:txBody>
+          <a:bodyPr wrap="none" rtlCol="0">
+            <a:spAutoFit/>
+          </a:bodyPr>
+          <a:lstStyle/>
+          <a:p>
+            <a:r>
+              <a:rPr lang="en-US" altLang="ko-KR" dirty="0"/>
+              <a:t>80 : WEB</a:t>
+            </a:r>
+          </a:p>
+          <a:p>
+            <a:r>
+              <a:rPr lang="en-US" altLang="ko-KR" dirty="0"/>
+              <a:t>443 : WEB(https)</a:t>
+            </a:r>
+          </a:p>
+          <a:p>
+            <a:r>
+              <a:rPr lang="en-US" altLang="ko-KR" dirty="0"/>
+              <a:t>23 : TELNET</a:t>
+            </a:r>
+            <a:endParaRPr lang="ko-KR" altLang="en-US" dirty="0"/>
+          </a:p>
+        </p:txBody>
+      </p:sp>
+    </p:spTree>
+    <p:extLst>
+      <p:ext uri="{BB962C8B-B14F-4D97-AF65-F5344CB8AC3E}">
+        <p14:creationId xmlns:p14="http://schemas.microsoft.com/office/powerpoint/2010/main" val="4163272331"/>
+      </p:ext>
+    </p:extLst>
+  </p:cSld>
+  <p:clrMapOvr>
+    <a:masterClrMapping/>
+  </p:clrMapOvr>
+  <mc:AlternateContent xmlns:mc="http://schemas.openxmlformats.org/markup-compatibility/2006" xmlns:p14="http://schemas.microsoft.com/office/powerpoint/2010/main">
+    <mc:Choice Requires="p14">
+      <p:transition spd="med" p14:dur="700">
+        <p:fade/>
+      </p:transition>
+    </mc:Choice>
+    <mc:Fallback xmlns="">
+      <p:transition spd="med">
+        <p:fade/>
+      </p:transition>
+    </mc:Fallback>
+  </mc:AlternateContent>
+</p:sld>
+</file>
+
+<file path=ppt/slides/slide21.xml><?xml version="1.0" encoding="utf-8"?>
+<p:sld xmlns:a="http://schemas.openxmlformats.org/drawingml/2006/main" xmlns:r="http://schemas.openxmlformats.org/officeDocument/2006/relationships" xmlns:p="http://schemas.openxmlformats.org/presentationml/2006/main">
+  <p:cSld>
+    <p:spTree>
+      <p:nvGrpSpPr>
+        <p:cNvPr id="1" name=""/>
+        <p:cNvGrpSpPr/>
+        <p:nvPr/>
+      </p:nvGrpSpPr>
+      <p:grpSpPr>
+        <a:xfrm>
+          <a:off x="0" y="0"/>
+          <a:ext cx="0" cy="0"/>
+          <a:chOff x="0" y="0"/>
+          <a:chExt cx="0" cy="0"/>
+        </a:xfrm>
+      </p:grpSpPr>
+      <p:sp>
+        <p:nvSpPr>
+          <p:cNvPr id="2" name="제목 1">
+            <a:extLst>
+              <a:ext uri="{FF2B5EF4-FFF2-40B4-BE49-F238E27FC236}">
+                <a16:creationId xmlns:a16="http://schemas.microsoft.com/office/drawing/2014/main" id="{28D78D5F-E582-4987-91DF-9C7C5BEBD4EB}"/>
+              </a:ext>
+            </a:extLst>
+          </p:cNvPr>
+          <p:cNvSpPr>
+            <a:spLocks noGrp="1"/>
+          </p:cNvSpPr>
+          <p:nvPr>
+            <p:ph type="title"/>
+          </p:nvPr>
+        </p:nvSpPr>
+        <p:spPr/>
+        <p:txBody>
+          <a:bodyPr/>
+          <a:lstStyle/>
+          <a:p>
+            <a:r>
+              <a:rPr lang="ko-KR" altLang="en-US" dirty="0"/>
+              <a:t>개발자가 </a:t>
+            </a:r>
+            <a:r>
+              <a:rPr lang="ko-KR" altLang="en-US" dirty="0" err="1"/>
+              <a:t>알아두면</a:t>
+            </a:r>
+            <a:r>
+              <a:rPr lang="ko-KR" altLang="en-US" dirty="0"/>
+              <a:t> 좋을 네트워크 개념</a:t>
+            </a:r>
+          </a:p>
+        </p:txBody>
+      </p:sp>
+      <p:sp>
+        <p:nvSpPr>
+          <p:cNvPr id="3" name="내용 개체 틀 2">
+            <a:extLst>
+              <a:ext uri="{FF2B5EF4-FFF2-40B4-BE49-F238E27FC236}">
+                <a16:creationId xmlns:a16="http://schemas.microsoft.com/office/drawing/2014/main" id="{DFA47AE3-6532-4E43-9E16-6D279FF62F6D}"/>
+              </a:ext>
+            </a:extLst>
+          </p:cNvPr>
+          <p:cNvSpPr>
+            <a:spLocks noGrp="1"/>
+          </p:cNvSpPr>
+          <p:nvPr>
+            <p:ph idx="1"/>
+          </p:nvPr>
+        </p:nvSpPr>
+        <p:spPr/>
+        <p:txBody>
+          <a:bodyPr/>
+          <a:lstStyle/>
+          <a:p>
+            <a:r>
+              <a:rPr lang="en-US" altLang="ko-KR" dirty="0"/>
+              <a:t>https://a.com/waf/callList</a:t>
+            </a:r>
+            <a:endParaRPr lang="ko-KR" altLang="en-US" dirty="0"/>
+          </a:p>
+        </p:txBody>
+      </p:sp>
+      <p:sp>
+        <p:nvSpPr>
+          <p:cNvPr id="24" name="직사각형 23">
+            <a:extLst>
+              <a:ext uri="{FF2B5EF4-FFF2-40B4-BE49-F238E27FC236}">
+                <a16:creationId xmlns:a16="http://schemas.microsoft.com/office/drawing/2014/main" id="{7307316F-A5AE-4A8C-9E78-8077978BDDD7}"/>
+              </a:ext>
+            </a:extLst>
+          </p:cNvPr>
+          <p:cNvSpPr/>
+          <p:nvPr/>
+        </p:nvSpPr>
+        <p:spPr>
+          <a:xfrm>
+            <a:off x="1384568" y="2931626"/>
+            <a:ext cx="1139352" cy="497374"/>
+          </a:xfrm>
+          <a:prstGeom prst="rect">
+            <a:avLst/>
+          </a:prstGeom>
+        </p:spPr>
+        <p:style>
+          <a:lnRef idx="1">
+            <a:schemeClr val="accent3"/>
+          </a:lnRef>
+          <a:fillRef idx="2">
+            <a:schemeClr val="accent3"/>
+          </a:fillRef>
+          <a:effectRef idx="1">
+            <a:schemeClr val="accent3"/>
+          </a:effectRef>
+          <a:fontRef idx="minor">
+            <a:schemeClr val="dk1"/>
+          </a:fontRef>
+        </p:style>
+        <p:txBody>
+          <a:bodyPr rtlCol="0" anchor="ctr"/>
+          <a:lstStyle/>
+          <a:p>
+            <a:pPr algn="ctr"/>
+            <a:r>
+              <a:rPr lang="ko-KR" altLang="en-US" dirty="0"/>
+              <a:t>브라우저</a:t>
+            </a:r>
+            <a:endParaRPr lang="en-US" altLang="ko-KR" dirty="0"/>
+          </a:p>
+        </p:txBody>
+      </p:sp>
+      <p:sp>
+        <p:nvSpPr>
+          <p:cNvPr id="25" name="직사각형 24">
+            <a:extLst>
+              <a:ext uri="{FF2B5EF4-FFF2-40B4-BE49-F238E27FC236}">
+                <a16:creationId xmlns:a16="http://schemas.microsoft.com/office/drawing/2014/main" id="{B2036BCA-013E-4FBF-9E3D-9A23573DCB65}"/>
+              </a:ext>
+            </a:extLst>
+          </p:cNvPr>
+          <p:cNvSpPr/>
+          <p:nvPr/>
+        </p:nvSpPr>
+        <p:spPr>
+          <a:xfrm>
+            <a:off x="3966766" y="2931626"/>
+            <a:ext cx="1026234" cy="497374"/>
+          </a:xfrm>
+          <a:prstGeom prst="rect">
+            <a:avLst/>
+          </a:prstGeom>
+        </p:spPr>
+        <p:style>
+          <a:lnRef idx="1">
+            <a:schemeClr val="accent3"/>
+          </a:lnRef>
+          <a:fillRef idx="2">
+            <a:schemeClr val="accent3"/>
+          </a:fillRef>
+          <a:effectRef idx="1">
+            <a:schemeClr val="accent3"/>
+          </a:effectRef>
+          <a:fontRef idx="minor">
+            <a:schemeClr val="dk1"/>
+          </a:fontRef>
+        </p:style>
+        <p:txBody>
+          <a:bodyPr rtlCol="0" anchor="ctr"/>
+          <a:lstStyle/>
+          <a:p>
+            <a:pPr algn="ctr"/>
+            <a:r>
+              <a:rPr lang="en-US" altLang="ko-KR" dirty="0"/>
+              <a:t>WEB</a:t>
+            </a:r>
+            <a:endParaRPr lang="ko-KR" altLang="en-US" dirty="0"/>
+          </a:p>
+        </p:txBody>
+      </p:sp>
+      <p:cxnSp>
+        <p:nvCxnSpPr>
+          <p:cNvPr id="26" name="직선 연결선 25">
+            <a:extLst>
+              <a:ext uri="{FF2B5EF4-FFF2-40B4-BE49-F238E27FC236}">
+                <a16:creationId xmlns:a16="http://schemas.microsoft.com/office/drawing/2014/main" id="{9A332B51-3407-4991-A568-3F347D0F35FD}"/>
+              </a:ext>
+            </a:extLst>
+          </p:cNvPr>
+          <p:cNvCxnSpPr>
+            <a:cxnSpLocks/>
+            <a:stCxn id="24" idx="3"/>
+            <a:endCxn id="25" idx="1"/>
+          </p:cNvCxnSpPr>
+          <p:nvPr/>
+        </p:nvCxnSpPr>
+        <p:spPr>
+          <a:xfrm>
+            <a:off x="2523920" y="3180313"/>
+            <a:ext cx="1442846" cy="0"/>
+          </a:xfrm>
+          <a:prstGeom prst="line">
+            <a:avLst/>
+          </a:prstGeom>
+        </p:spPr>
+        <p:style>
+          <a:lnRef idx="3">
+            <a:schemeClr val="dk1"/>
+          </a:lnRef>
+          <a:fillRef idx="0">
+            <a:schemeClr val="dk1"/>
+          </a:fillRef>
+          <a:effectRef idx="2">
+            <a:schemeClr val="dk1"/>
+          </a:effectRef>
+          <a:fontRef idx="minor">
+            <a:schemeClr val="tx1"/>
+          </a:fontRef>
+        </p:style>
+      </p:cxnSp>
+      <p:sp>
+        <p:nvSpPr>
+          <p:cNvPr id="27" name="TextBox 26">
+            <a:extLst>
+              <a:ext uri="{FF2B5EF4-FFF2-40B4-BE49-F238E27FC236}">
+                <a16:creationId xmlns:a16="http://schemas.microsoft.com/office/drawing/2014/main" id="{8FFBCECA-0F00-446A-953F-430CC5998390}"/>
+              </a:ext>
+            </a:extLst>
+          </p:cNvPr>
+          <p:cNvSpPr txBox="1"/>
+          <p:nvPr/>
+        </p:nvSpPr>
+        <p:spPr>
+          <a:xfrm>
+            <a:off x="2837462" y="2810981"/>
+            <a:ext cx="877163" cy="369332"/>
+          </a:xfrm>
+          <a:prstGeom prst="rect">
+            <a:avLst/>
+          </a:prstGeom>
+          <a:noFill/>
+        </p:spPr>
+        <p:txBody>
+          <a:bodyPr wrap="none" rtlCol="0">
+            <a:spAutoFit/>
+          </a:bodyPr>
+          <a:lstStyle/>
+          <a:p>
+            <a:r>
+              <a:rPr lang="ko-KR" altLang="en-US" dirty="0"/>
+              <a:t>인터넷</a:t>
+            </a:r>
+          </a:p>
+        </p:txBody>
+      </p:sp>
+      <p:sp>
+        <p:nvSpPr>
+          <p:cNvPr id="28" name="TextBox 27">
+            <a:extLst>
+              <a:ext uri="{FF2B5EF4-FFF2-40B4-BE49-F238E27FC236}">
+                <a16:creationId xmlns:a16="http://schemas.microsoft.com/office/drawing/2014/main" id="{83375635-060F-464B-AA1B-DC0C9F3CD995}"/>
+              </a:ext>
+            </a:extLst>
+          </p:cNvPr>
+          <p:cNvSpPr txBox="1"/>
+          <p:nvPr/>
+        </p:nvSpPr>
+        <p:spPr>
+          <a:xfrm>
+            <a:off x="3966766" y="3579297"/>
+            <a:ext cx="1941557" cy="369332"/>
+          </a:xfrm>
+          <a:prstGeom prst="rect">
+            <a:avLst/>
+          </a:prstGeom>
+          <a:noFill/>
+        </p:spPr>
+        <p:txBody>
+          <a:bodyPr wrap="none" rtlCol="0">
+            <a:spAutoFit/>
+          </a:bodyPr>
+          <a:lstStyle/>
+          <a:p>
+            <a:r>
+              <a:rPr lang="en-US" altLang="ko-KR" dirty="0"/>
+              <a:t>443 : WEB(https)</a:t>
+            </a:r>
+            <a:endParaRPr lang="ko-KR" altLang="en-US" dirty="0"/>
+          </a:p>
+        </p:txBody>
+      </p:sp>
+      <p:sp>
+        <p:nvSpPr>
+          <p:cNvPr id="9" name="직사각형 8">
+            <a:extLst>
+              <a:ext uri="{FF2B5EF4-FFF2-40B4-BE49-F238E27FC236}">
+                <a16:creationId xmlns:a16="http://schemas.microsoft.com/office/drawing/2014/main" id="{21125A84-E343-49FF-B2AD-889CCB0AF864}"/>
+              </a:ext>
+            </a:extLst>
+          </p:cNvPr>
+          <p:cNvSpPr/>
+          <p:nvPr/>
+        </p:nvSpPr>
+        <p:spPr>
+          <a:xfrm>
+            <a:off x="6435846" y="2931626"/>
+            <a:ext cx="1026234" cy="497374"/>
+          </a:xfrm>
+          <a:prstGeom prst="rect">
+            <a:avLst/>
+          </a:prstGeom>
+        </p:spPr>
+        <p:style>
+          <a:lnRef idx="1">
+            <a:schemeClr val="accent3"/>
+          </a:lnRef>
+          <a:fillRef idx="2">
+            <a:schemeClr val="accent3"/>
+          </a:fillRef>
+          <a:effectRef idx="1">
+            <a:schemeClr val="accent3"/>
+          </a:effectRef>
+          <a:fontRef idx="minor">
+            <a:schemeClr val="dk1"/>
+          </a:fontRef>
+        </p:style>
+        <p:txBody>
+          <a:bodyPr rtlCol="0" anchor="ctr"/>
+          <a:lstStyle/>
+          <a:p>
+            <a:pPr algn="ctr"/>
+            <a:r>
+              <a:rPr lang="en-US" altLang="ko-KR" dirty="0"/>
+              <a:t>WAS</a:t>
+            </a:r>
+            <a:endParaRPr lang="ko-KR" altLang="en-US" dirty="0"/>
+          </a:p>
+        </p:txBody>
+      </p:sp>
+      <p:cxnSp>
+        <p:nvCxnSpPr>
+          <p:cNvPr id="12" name="직선 연결선 11">
+            <a:extLst>
+              <a:ext uri="{FF2B5EF4-FFF2-40B4-BE49-F238E27FC236}">
+                <a16:creationId xmlns:a16="http://schemas.microsoft.com/office/drawing/2014/main" id="{05F482C8-5245-4735-9B8A-3549052121DB}"/>
+              </a:ext>
+            </a:extLst>
+          </p:cNvPr>
+          <p:cNvCxnSpPr>
+            <a:cxnSpLocks/>
+          </p:cNvCxnSpPr>
+          <p:nvPr/>
+        </p:nvCxnSpPr>
+        <p:spPr>
+          <a:xfrm>
+            <a:off x="4993000" y="3180313"/>
+            <a:ext cx="1442846" cy="0"/>
+          </a:xfrm>
+          <a:prstGeom prst="line">
+            <a:avLst/>
+          </a:prstGeom>
+        </p:spPr>
+        <p:style>
+          <a:lnRef idx="3">
+            <a:schemeClr val="dk1"/>
+          </a:lnRef>
+          <a:fillRef idx="0">
+            <a:schemeClr val="dk1"/>
+          </a:fillRef>
+          <a:effectRef idx="2">
+            <a:schemeClr val="dk1"/>
+          </a:effectRef>
+          <a:fontRef idx="minor">
+            <a:schemeClr val="tx1"/>
+          </a:fontRef>
+        </p:style>
+      </p:cxnSp>
+      <p:sp>
+        <p:nvSpPr>
+          <p:cNvPr id="13" name="TextBox 12">
+            <a:extLst>
+              <a:ext uri="{FF2B5EF4-FFF2-40B4-BE49-F238E27FC236}">
+                <a16:creationId xmlns:a16="http://schemas.microsoft.com/office/drawing/2014/main" id="{17305224-18C1-40B4-BDDA-FA0DC5EDFDE4}"/>
+              </a:ext>
+            </a:extLst>
+          </p:cNvPr>
+          <p:cNvSpPr txBox="1"/>
+          <p:nvPr/>
+        </p:nvSpPr>
+        <p:spPr>
+          <a:xfrm>
+            <a:off x="6711062" y="3579297"/>
+            <a:ext cx="2433102" cy="369332"/>
+          </a:xfrm>
+          <a:prstGeom prst="rect">
+            <a:avLst/>
+          </a:prstGeom>
+          <a:noFill/>
+        </p:spPr>
+        <p:txBody>
+          <a:bodyPr wrap="none" rtlCol="0">
+            <a:spAutoFit/>
+          </a:bodyPr>
+          <a:lstStyle/>
+          <a:p>
+            <a:r>
+              <a:rPr lang="en-US" altLang="ko-KR" dirty="0"/>
+              <a:t>18080 : WAS(TCP/IP)</a:t>
+            </a:r>
+            <a:endParaRPr lang="ko-KR" altLang="en-US" dirty="0"/>
+          </a:p>
+        </p:txBody>
+      </p:sp>
+      <p:sp>
+        <p:nvSpPr>
+          <p:cNvPr id="14" name="직사각형 13">
+            <a:extLst>
+              <a:ext uri="{FF2B5EF4-FFF2-40B4-BE49-F238E27FC236}">
+                <a16:creationId xmlns:a16="http://schemas.microsoft.com/office/drawing/2014/main" id="{332C5718-DD11-4DA7-A957-AE5C2C9D6CED}"/>
+              </a:ext>
+            </a:extLst>
+          </p:cNvPr>
+          <p:cNvSpPr/>
+          <p:nvPr/>
+        </p:nvSpPr>
+        <p:spPr>
+          <a:xfrm>
+            <a:off x="3458279" y="4138451"/>
+            <a:ext cx="1941557" cy="462133"/>
+          </a:xfrm>
+          <a:prstGeom prst="rect">
+            <a:avLst/>
+          </a:prstGeom>
+        </p:spPr>
+        <p:style>
+          <a:lnRef idx="0">
+            <a:schemeClr val="accent1"/>
+          </a:lnRef>
+          <a:fillRef idx="3">
+            <a:schemeClr val="accent1"/>
+          </a:fillRef>
+          <a:effectRef idx="3">
+            <a:schemeClr val="accent1"/>
+          </a:effectRef>
+          <a:fontRef idx="minor">
+            <a:schemeClr val="lt1"/>
+          </a:fontRef>
+        </p:style>
+        <p:txBody>
+          <a:bodyPr rtlCol="0" anchor="ctr"/>
+          <a:lstStyle/>
+          <a:p>
+            <a:pPr algn="ctr"/>
+            <a:r>
+              <a:rPr lang="en-US" altLang="ko-KR" dirty="0"/>
+              <a:t>DMZ</a:t>
+            </a:r>
+            <a:endParaRPr lang="ko-KR" altLang="en-US" dirty="0"/>
+          </a:p>
+        </p:txBody>
+      </p:sp>
+      <p:sp>
+        <p:nvSpPr>
+          <p:cNvPr id="15" name="직사각형 14">
+            <a:extLst>
+              <a:ext uri="{FF2B5EF4-FFF2-40B4-BE49-F238E27FC236}">
+                <a16:creationId xmlns:a16="http://schemas.microsoft.com/office/drawing/2014/main" id="{8CD0E332-7534-4087-87BB-C764DAFB1265}"/>
+              </a:ext>
+            </a:extLst>
+          </p:cNvPr>
+          <p:cNvSpPr/>
+          <p:nvPr/>
+        </p:nvSpPr>
+        <p:spPr>
+          <a:xfrm>
+            <a:off x="5978184" y="4119219"/>
+            <a:ext cx="1941557" cy="462133"/>
+          </a:xfrm>
+          <a:prstGeom prst="rect">
+            <a:avLst/>
+          </a:prstGeom>
+        </p:spPr>
+        <p:style>
+          <a:lnRef idx="0">
+            <a:schemeClr val="accent1"/>
+          </a:lnRef>
+          <a:fillRef idx="3">
+            <a:schemeClr val="accent1"/>
+          </a:fillRef>
+          <a:effectRef idx="3">
+            <a:schemeClr val="accent1"/>
+          </a:effectRef>
+          <a:fontRef idx="minor">
+            <a:schemeClr val="lt1"/>
+          </a:fontRef>
+        </p:style>
+        <p:txBody>
+          <a:bodyPr rtlCol="0" anchor="ctr"/>
+          <a:lstStyle/>
+          <a:p>
+            <a:pPr algn="ctr"/>
+            <a:r>
+              <a:rPr lang="ko-KR" altLang="en-US" dirty="0" err="1"/>
+              <a:t>내부망</a:t>
+            </a:r>
+            <a:endParaRPr lang="ko-KR" altLang="en-US" dirty="0"/>
+          </a:p>
+        </p:txBody>
+      </p:sp>
+      <p:sp>
+        <p:nvSpPr>
+          <p:cNvPr id="16" name="직사각형 15">
+            <a:extLst>
+              <a:ext uri="{FF2B5EF4-FFF2-40B4-BE49-F238E27FC236}">
+                <a16:creationId xmlns:a16="http://schemas.microsoft.com/office/drawing/2014/main" id="{17DA843E-4A3C-4691-88EB-76052E00FEA7}"/>
+              </a:ext>
+            </a:extLst>
+          </p:cNvPr>
+          <p:cNvSpPr/>
+          <p:nvPr/>
+        </p:nvSpPr>
+        <p:spPr>
+          <a:xfrm>
+            <a:off x="7138629" y="1959040"/>
+            <a:ext cx="1026234" cy="497374"/>
+          </a:xfrm>
+          <a:prstGeom prst="rect">
+            <a:avLst/>
+          </a:prstGeom>
+        </p:spPr>
+        <p:style>
+          <a:lnRef idx="1">
+            <a:schemeClr val="accent3"/>
+          </a:lnRef>
+          <a:fillRef idx="2">
+            <a:schemeClr val="accent3"/>
+          </a:fillRef>
+          <a:effectRef idx="1">
+            <a:schemeClr val="accent3"/>
+          </a:effectRef>
+          <a:fontRef idx="minor">
+            <a:schemeClr val="dk1"/>
+          </a:fontRef>
+        </p:style>
+        <p:txBody>
+          <a:bodyPr rtlCol="0" anchor="ctr"/>
+          <a:lstStyle/>
+          <a:p>
+            <a:pPr algn="ctr"/>
+            <a:r>
+              <a:rPr lang="en-US" altLang="ko-KR" dirty="0"/>
+              <a:t>DBMS</a:t>
+            </a:r>
+            <a:endParaRPr lang="ko-KR" altLang="en-US" dirty="0"/>
+          </a:p>
+        </p:txBody>
+      </p:sp>
+      <p:sp>
+        <p:nvSpPr>
+          <p:cNvPr id="17" name="직사각형 16">
+            <a:extLst>
+              <a:ext uri="{FF2B5EF4-FFF2-40B4-BE49-F238E27FC236}">
+                <a16:creationId xmlns:a16="http://schemas.microsoft.com/office/drawing/2014/main" id="{AC0B66A1-4600-4A82-A369-47B697A4A890}"/>
+              </a:ext>
+            </a:extLst>
+          </p:cNvPr>
+          <p:cNvSpPr/>
+          <p:nvPr/>
+        </p:nvSpPr>
+        <p:spPr>
+          <a:xfrm>
+            <a:off x="8153106" y="2791377"/>
+            <a:ext cx="1026234" cy="497374"/>
+          </a:xfrm>
+          <a:prstGeom prst="rect">
+            <a:avLst/>
+          </a:prstGeom>
+        </p:spPr>
+        <p:style>
+          <a:lnRef idx="1">
+            <a:schemeClr val="accent3"/>
+          </a:lnRef>
+          <a:fillRef idx="2">
+            <a:schemeClr val="accent3"/>
+          </a:fillRef>
+          <a:effectRef idx="1">
+            <a:schemeClr val="accent3"/>
+          </a:effectRef>
+          <a:fontRef idx="minor">
+            <a:schemeClr val="dk1"/>
+          </a:fontRef>
+        </p:style>
+        <p:txBody>
+          <a:bodyPr rtlCol="0" anchor="ctr"/>
+          <a:lstStyle/>
+          <a:p>
+            <a:pPr algn="ctr"/>
+            <a:r>
+              <a:rPr lang="en-US" altLang="ko-KR" sz="1600" dirty="0"/>
+              <a:t>API G/W</a:t>
+            </a:r>
+            <a:endParaRPr lang="ko-KR" altLang="en-US" sz="1600" dirty="0"/>
+          </a:p>
+        </p:txBody>
+      </p:sp>
+      <p:cxnSp>
+        <p:nvCxnSpPr>
+          <p:cNvPr id="21" name="직선 연결선 20">
+            <a:extLst>
+              <a:ext uri="{FF2B5EF4-FFF2-40B4-BE49-F238E27FC236}">
+                <a16:creationId xmlns:a16="http://schemas.microsoft.com/office/drawing/2014/main" id="{2E394BD2-3A4D-4642-B805-A5268A92F4A9}"/>
+              </a:ext>
+            </a:extLst>
+          </p:cNvPr>
+          <p:cNvCxnSpPr>
+            <a:cxnSpLocks/>
+            <a:stCxn id="9" idx="0"/>
+            <a:endCxn id="16" idx="2"/>
+          </p:cNvCxnSpPr>
+          <p:nvPr/>
+        </p:nvCxnSpPr>
+        <p:spPr>
+          <a:xfrm flipV="1">
+            <a:off x="6948963" y="2456414"/>
+            <a:ext cx="702783" cy="475212"/>
+          </a:xfrm>
+          <a:prstGeom prst="line">
+            <a:avLst/>
+          </a:prstGeom>
+        </p:spPr>
+        <p:style>
+          <a:lnRef idx="3">
+            <a:schemeClr val="dk1"/>
+          </a:lnRef>
+          <a:fillRef idx="0">
+            <a:schemeClr val="dk1"/>
+          </a:fillRef>
+          <a:effectRef idx="2">
+            <a:schemeClr val="dk1"/>
+          </a:effectRef>
+          <a:fontRef idx="minor">
+            <a:schemeClr val="tx1"/>
+          </a:fontRef>
+        </p:style>
+      </p:cxnSp>
+      <p:cxnSp>
+        <p:nvCxnSpPr>
+          <p:cNvPr id="29" name="직선 연결선 28">
+            <a:extLst>
+              <a:ext uri="{FF2B5EF4-FFF2-40B4-BE49-F238E27FC236}">
+                <a16:creationId xmlns:a16="http://schemas.microsoft.com/office/drawing/2014/main" id="{6CD3E2C9-1451-4630-86AC-C87C9FBC9F91}"/>
+              </a:ext>
+            </a:extLst>
+          </p:cNvPr>
+          <p:cNvCxnSpPr>
+            <a:cxnSpLocks/>
+            <a:stCxn id="9" idx="3"/>
+            <a:endCxn id="17" idx="1"/>
+          </p:cNvCxnSpPr>
+          <p:nvPr/>
+        </p:nvCxnSpPr>
+        <p:spPr>
+          <a:xfrm flipV="1">
+            <a:off x="7462080" y="3040064"/>
+            <a:ext cx="691026" cy="140249"/>
+          </a:xfrm>
+          <a:prstGeom prst="line">
+            <a:avLst/>
+          </a:prstGeom>
+        </p:spPr>
+        <p:style>
+          <a:lnRef idx="3">
+            <a:schemeClr val="dk1"/>
+          </a:lnRef>
+          <a:fillRef idx="0">
+            <a:schemeClr val="dk1"/>
+          </a:fillRef>
+          <a:effectRef idx="2">
+            <a:schemeClr val="dk1"/>
+          </a:effectRef>
+          <a:fontRef idx="minor">
+            <a:schemeClr val="tx1"/>
+          </a:fontRef>
+        </p:style>
+      </p:cxnSp>
+    </p:spTree>
+    <p:extLst>
+      <p:ext uri="{BB962C8B-B14F-4D97-AF65-F5344CB8AC3E}">
+        <p14:creationId xmlns:p14="http://schemas.microsoft.com/office/powerpoint/2010/main" val="112143458"/>
       </p:ext>
     </p:extLst>
   </p:cSld>

--- a/inflearn01/doc/교재.pptx
+++ b/inflearn01/doc/교재.pptx
@@ -5,10 +5,10 @@
     <p:sldMasterId id="2147483648" r:id="rId1"/>
   </p:sldMasterIdLst>
   <p:notesMasterIdLst>
-    <p:notesMasterId r:id="rId23"/>
+    <p:notesMasterId r:id="rId15"/>
   </p:notesMasterIdLst>
   <p:handoutMasterIdLst>
-    <p:handoutMasterId r:id="rId24"/>
+    <p:handoutMasterId r:id="rId16"/>
   </p:handoutMasterIdLst>
   <p:sldIdLst>
     <p:sldId id="261" r:id="rId2"/>
@@ -24,14 +24,6 @@
     <p:sldId id="284" r:id="rId12"/>
     <p:sldId id="287" r:id="rId13"/>
     <p:sldId id="288" r:id="rId14"/>
-    <p:sldId id="289" r:id="rId15"/>
-    <p:sldId id="290" r:id="rId16"/>
-    <p:sldId id="291" r:id="rId17"/>
-    <p:sldId id="292" r:id="rId18"/>
-    <p:sldId id="294" r:id="rId19"/>
-    <p:sldId id="298" r:id="rId20"/>
-    <p:sldId id="295" r:id="rId21"/>
-    <p:sldId id="299" r:id="rId22"/>
   </p:sldIdLst>
   <p:sldSz cx="12192000" cy="6858000"/>
   <p:notesSz cx="6858000" cy="9144000"/>
@@ -242,7 +234,7 @@
                 <a:latin typeface="맑은 고딕" panose="020B0503020000020004" pitchFamily="50" charset="-127"/>
                 <a:ea typeface="맑은 고딕" panose="020B0503020000020004" pitchFamily="50" charset="-127"/>
               </a:rPr>
-              <a:t>2021년 6월 7일</a:t>
+              <a:t>2021년 6월 12일</a:t>
             </a:fld>
             <a:endParaRPr lang="ko-KR" altLang="en-US">
               <a:latin typeface="맑은 고딕" panose="020B0503020000020004" pitchFamily="50" charset="-127"/>
@@ -428,7 +420,7 @@
             <a:fld id="{BE16EC8A-0758-4FA9-BF4D-3119057076D1}" type="datetime4">
               <a:rPr lang="ko-KR" altLang="en-US" smtClean="0"/>
               <a:pPr/>
-              <a:t>2021년 6월 7일</a:t>
+              <a:t>2021년 6월 12일</a:t>
             </a:fld>
             <a:endParaRPr lang="ko-KR" altLang="en-US"/>
           </a:p>
@@ -3479,7 +3471,7 @@
           <a:p>
             <a:fld id="{2A5B65E4-62A8-4988-B07B-5D6D443B14ED}" type="datetime4">
               <a:rPr lang="ko-KR" altLang="en-US" smtClean="0"/>
-              <a:t>2021년 6월 7일</a:t>
+              <a:t>2021년 6월 12일</a:t>
             </a:fld>
             <a:endParaRPr lang="ko-KR" altLang="en-US"/>
           </a:p>
@@ -3735,7 +3727,7 @@
           <a:p>
             <a:fld id="{58EB6286-0DE7-4336-9826-977AD102FCF2}" type="datetime4">
               <a:rPr lang="ko-KR" altLang="en-US" noProof="0" smtClean="0"/>
-              <a:t>2021년 6월 7일</a:t>
+              <a:t>2021년 6월 12일</a:t>
             </a:fld>
             <a:endParaRPr lang="ko-KR" altLang="en-US" noProof="0"/>
           </a:p>
@@ -3931,7 +3923,7 @@
             <a:pPr rtl="0"/>
             <a:fld id="{6A5419DA-7218-42E5-A443-F000500111E1}" type="datetime4">
               <a:rPr lang="ko-KR" altLang="en-US" noProof="0" smtClean="0"/>
-              <a:t>2021년 6월 7일</a:t>
+              <a:t>2021년 6월 12일</a:t>
             </a:fld>
             <a:endParaRPr lang="ko-KR" altLang="en-US" noProof="0"/>
           </a:p>
@@ -6332,7 +6324,7 @@
           <a:p>
             <a:fld id="{E498C52F-1DF1-4226-BAB6-C1E2EE4C9D62}" type="datetime4">
               <a:rPr lang="ko-KR" altLang="en-US" noProof="0" smtClean="0"/>
-              <a:t>2021년 6월 7일</a:t>
+              <a:t>2021년 6월 12일</a:t>
             </a:fld>
             <a:endParaRPr lang="ko-KR" altLang="en-US" noProof="0"/>
           </a:p>
@@ -6851,7 +6843,7 @@
           <a:p>
             <a:fld id="{7B1E1FFC-F755-4558-8D3C-A157D1A01A8A}" type="datetime4">
               <a:rPr lang="ko-KR" altLang="en-US" noProof="0" smtClean="0"/>
-              <a:t>2021년 6월 7일</a:t>
+              <a:t>2021년 6월 12일</a:t>
             </a:fld>
             <a:endParaRPr lang="ko-KR" altLang="en-US" noProof="0"/>
           </a:p>
@@ -6995,7 +6987,7 @@
             <a:pPr rtl="0"/>
             <a:fld id="{DA2A33C0-A4A8-4C90-B6DA-35B8CF58C816}" type="datetime4">
               <a:rPr lang="ko-KR" altLang="en-US" noProof="0" smtClean="0"/>
-              <a:t>2021년 6월 7일</a:t>
+              <a:t>2021년 6월 12일</a:t>
             </a:fld>
             <a:endParaRPr lang="ko-KR" altLang="en-US" noProof="0"/>
           </a:p>
@@ -8943,7 +8935,7 @@
           <a:p>
             <a:fld id="{53CB1B8F-A14A-4BE4-A9B9-3B263F04145C}" type="datetime4">
               <a:rPr lang="ko-KR" altLang="en-US" noProof="0" smtClean="0"/>
-              <a:t>2021년 6월 7일</a:t>
+              <a:t>2021년 6월 12일</a:t>
             </a:fld>
             <a:endParaRPr lang="ko-KR" altLang="en-US" noProof="0"/>
           </a:p>
@@ -11240,7 +11232,7 @@
           <a:p>
             <a:fld id="{5B9196A3-957C-4113-A568-B6ED9AEA3D01}" type="datetime4">
               <a:rPr lang="ko-KR" altLang="en-US" noProof="0" smtClean="0"/>
-              <a:t>2021년 6월 7일</a:t>
+              <a:t>2021년 6월 12일</a:t>
             </a:fld>
             <a:endParaRPr lang="ko-KR" altLang="en-US" noProof="0"/>
           </a:p>
@@ -15557,7 +15549,7 @@
           <a:p>
             <a:fld id="{28BEB146-D335-4DA5-9826-58595BCDBE2E}" type="datetime4">
               <a:rPr lang="ko-KR" altLang="en-US" noProof="0" smtClean="0"/>
-              <a:t>2021년 6월 7일</a:t>
+              <a:t>2021년 6월 12일</a:t>
             </a:fld>
             <a:endParaRPr lang="ko-KR" altLang="en-US" noProof="0"/>
           </a:p>
@@ -17193,1380 +17185,6 @@
 </p:sld>
 </file>
 
-<file path=ppt/slides/slide14.xml><?xml version="1.0" encoding="utf-8"?>
-<p:sld xmlns:a="http://schemas.openxmlformats.org/drawingml/2006/main" xmlns:r="http://schemas.openxmlformats.org/officeDocument/2006/relationships" xmlns:p="http://schemas.openxmlformats.org/presentationml/2006/main">
-  <p:cSld>
-    <p:spTree>
-      <p:nvGrpSpPr>
-        <p:cNvPr id="1" name=""/>
-        <p:cNvGrpSpPr/>
-        <p:nvPr/>
-      </p:nvGrpSpPr>
-      <p:grpSpPr>
-        <a:xfrm>
-          <a:off x="0" y="0"/>
-          <a:ext cx="0" cy="0"/>
-          <a:chOff x="0" y="0"/>
-          <a:chExt cx="0" cy="0"/>
-        </a:xfrm>
-      </p:grpSpPr>
-      <p:sp>
-        <p:nvSpPr>
-          <p:cNvPr id="2" name="제목 1">
-            <a:extLst>
-              <a:ext uri="{FF2B5EF4-FFF2-40B4-BE49-F238E27FC236}">
-                <a16:creationId xmlns:a16="http://schemas.microsoft.com/office/drawing/2014/main" id="{4D893123-6693-4791-AEBE-EA8BFE9F4A0D}"/>
-              </a:ext>
-            </a:extLst>
-          </p:cNvPr>
-          <p:cNvSpPr>
-            <a:spLocks noGrp="1"/>
-          </p:cNvSpPr>
-          <p:nvPr>
-            <p:ph type="title"/>
-          </p:nvPr>
-        </p:nvSpPr>
-        <p:spPr/>
-        <p:txBody>
-          <a:bodyPr/>
-          <a:lstStyle/>
-          <a:p>
-            <a:endParaRPr lang="ko-KR" altLang="en-US"/>
-          </a:p>
-        </p:txBody>
-      </p:sp>
-      <p:sp>
-        <p:nvSpPr>
-          <p:cNvPr id="3" name="내용 개체 틀 2">
-            <a:extLst>
-              <a:ext uri="{FF2B5EF4-FFF2-40B4-BE49-F238E27FC236}">
-                <a16:creationId xmlns:a16="http://schemas.microsoft.com/office/drawing/2014/main" id="{256AC62B-7051-4290-8D0F-E850D7C78808}"/>
-              </a:ext>
-            </a:extLst>
-          </p:cNvPr>
-          <p:cNvSpPr>
-            <a:spLocks noGrp="1"/>
-          </p:cNvSpPr>
-          <p:nvPr>
-            <p:ph idx="1"/>
-          </p:nvPr>
-        </p:nvSpPr>
-        <p:spPr/>
-        <p:txBody>
-          <a:bodyPr/>
-          <a:lstStyle/>
-          <a:p>
-            <a:endParaRPr lang="ko-KR" altLang="en-US"/>
-          </a:p>
-        </p:txBody>
-      </p:sp>
-    </p:spTree>
-    <p:extLst>
-      <p:ext uri="{BB962C8B-B14F-4D97-AF65-F5344CB8AC3E}">
-        <p14:creationId xmlns:p14="http://schemas.microsoft.com/office/powerpoint/2010/main" val="3904430326"/>
-      </p:ext>
-    </p:extLst>
-  </p:cSld>
-  <p:clrMapOvr>
-    <a:masterClrMapping/>
-  </p:clrMapOvr>
-  <mc:AlternateContent xmlns:mc="http://schemas.openxmlformats.org/markup-compatibility/2006" xmlns:p14="http://schemas.microsoft.com/office/powerpoint/2010/main">
-    <mc:Choice Requires="p14">
-      <p:transition spd="med" p14:dur="700">
-        <p:fade/>
-      </p:transition>
-    </mc:Choice>
-    <mc:Fallback xmlns="">
-      <p:transition spd="med">
-        <p:fade/>
-      </p:transition>
-    </mc:Fallback>
-  </mc:AlternateContent>
-</p:sld>
-</file>
-
-<file path=ppt/slides/slide15.xml><?xml version="1.0" encoding="utf-8"?>
-<p:sld xmlns:a="http://schemas.openxmlformats.org/drawingml/2006/main" xmlns:r="http://schemas.openxmlformats.org/officeDocument/2006/relationships" xmlns:p="http://schemas.openxmlformats.org/presentationml/2006/main">
-  <p:cSld>
-    <p:spTree>
-      <p:nvGrpSpPr>
-        <p:cNvPr id="1" name=""/>
-        <p:cNvGrpSpPr/>
-        <p:nvPr/>
-      </p:nvGrpSpPr>
-      <p:grpSpPr>
-        <a:xfrm>
-          <a:off x="0" y="0"/>
-          <a:ext cx="0" cy="0"/>
-          <a:chOff x="0" y="0"/>
-          <a:chExt cx="0" cy="0"/>
-        </a:xfrm>
-      </p:grpSpPr>
-      <p:sp>
-        <p:nvSpPr>
-          <p:cNvPr id="2" name="제목 1">
-            <a:extLst>
-              <a:ext uri="{FF2B5EF4-FFF2-40B4-BE49-F238E27FC236}">
-                <a16:creationId xmlns:a16="http://schemas.microsoft.com/office/drawing/2014/main" id="{05A34A05-FD75-4598-91EA-D1262523E661}"/>
-              </a:ext>
-            </a:extLst>
-          </p:cNvPr>
-          <p:cNvSpPr>
-            <a:spLocks noGrp="1"/>
-          </p:cNvSpPr>
-          <p:nvPr>
-            <p:ph type="title"/>
-          </p:nvPr>
-        </p:nvSpPr>
-        <p:spPr/>
-        <p:txBody>
-          <a:bodyPr/>
-          <a:lstStyle/>
-          <a:p>
-            <a:endParaRPr lang="ko-KR" altLang="en-US"/>
-          </a:p>
-        </p:txBody>
-      </p:sp>
-      <p:sp>
-        <p:nvSpPr>
-          <p:cNvPr id="3" name="내용 개체 틀 2">
-            <a:extLst>
-              <a:ext uri="{FF2B5EF4-FFF2-40B4-BE49-F238E27FC236}">
-                <a16:creationId xmlns:a16="http://schemas.microsoft.com/office/drawing/2014/main" id="{A2F42682-037D-4B53-B97C-50C2B8D37DCB}"/>
-              </a:ext>
-            </a:extLst>
-          </p:cNvPr>
-          <p:cNvSpPr>
-            <a:spLocks noGrp="1"/>
-          </p:cNvSpPr>
-          <p:nvPr>
-            <p:ph idx="1"/>
-          </p:nvPr>
-        </p:nvSpPr>
-        <p:spPr/>
-        <p:txBody>
-          <a:bodyPr/>
-          <a:lstStyle/>
-          <a:p>
-            <a:endParaRPr lang="ko-KR" altLang="en-US"/>
-          </a:p>
-        </p:txBody>
-      </p:sp>
-    </p:spTree>
-    <p:extLst>
-      <p:ext uri="{BB962C8B-B14F-4D97-AF65-F5344CB8AC3E}">
-        <p14:creationId xmlns:p14="http://schemas.microsoft.com/office/powerpoint/2010/main" val="529594151"/>
-      </p:ext>
-    </p:extLst>
-  </p:cSld>
-  <p:clrMapOvr>
-    <a:masterClrMapping/>
-  </p:clrMapOvr>
-  <mc:AlternateContent xmlns:mc="http://schemas.openxmlformats.org/markup-compatibility/2006" xmlns:p14="http://schemas.microsoft.com/office/powerpoint/2010/main">
-    <mc:Choice Requires="p14">
-      <p:transition spd="med" p14:dur="700">
-        <p:fade/>
-      </p:transition>
-    </mc:Choice>
-    <mc:Fallback xmlns="">
-      <p:transition spd="med">
-        <p:fade/>
-      </p:transition>
-    </mc:Fallback>
-  </mc:AlternateContent>
-</p:sld>
-</file>
-
-<file path=ppt/slides/slide16.xml><?xml version="1.0" encoding="utf-8"?>
-<p:sld xmlns:a="http://schemas.openxmlformats.org/drawingml/2006/main" xmlns:r="http://schemas.openxmlformats.org/officeDocument/2006/relationships" xmlns:p="http://schemas.openxmlformats.org/presentationml/2006/main">
-  <p:cSld>
-    <p:spTree>
-      <p:nvGrpSpPr>
-        <p:cNvPr id="1" name=""/>
-        <p:cNvGrpSpPr/>
-        <p:nvPr/>
-      </p:nvGrpSpPr>
-      <p:grpSpPr>
-        <a:xfrm>
-          <a:off x="0" y="0"/>
-          <a:ext cx="0" cy="0"/>
-          <a:chOff x="0" y="0"/>
-          <a:chExt cx="0" cy="0"/>
-        </a:xfrm>
-      </p:grpSpPr>
-      <p:sp>
-        <p:nvSpPr>
-          <p:cNvPr id="2" name="제목 1">
-            <a:extLst>
-              <a:ext uri="{FF2B5EF4-FFF2-40B4-BE49-F238E27FC236}">
-                <a16:creationId xmlns:a16="http://schemas.microsoft.com/office/drawing/2014/main" id="{C7EF212D-0307-490A-80A7-7DC31539C84D}"/>
-              </a:ext>
-            </a:extLst>
-          </p:cNvPr>
-          <p:cNvSpPr>
-            <a:spLocks noGrp="1"/>
-          </p:cNvSpPr>
-          <p:nvPr>
-            <p:ph type="title"/>
-          </p:nvPr>
-        </p:nvSpPr>
-        <p:spPr/>
-        <p:txBody>
-          <a:bodyPr/>
-          <a:lstStyle/>
-          <a:p>
-            <a:endParaRPr lang="ko-KR" altLang="en-US"/>
-          </a:p>
-        </p:txBody>
-      </p:sp>
-      <p:sp>
-        <p:nvSpPr>
-          <p:cNvPr id="3" name="내용 개체 틀 2">
-            <a:extLst>
-              <a:ext uri="{FF2B5EF4-FFF2-40B4-BE49-F238E27FC236}">
-                <a16:creationId xmlns:a16="http://schemas.microsoft.com/office/drawing/2014/main" id="{1A4E4BF4-448B-4EBC-AE3E-9D866463EC00}"/>
-              </a:ext>
-            </a:extLst>
-          </p:cNvPr>
-          <p:cNvSpPr>
-            <a:spLocks noGrp="1"/>
-          </p:cNvSpPr>
-          <p:nvPr>
-            <p:ph idx="1"/>
-          </p:nvPr>
-        </p:nvSpPr>
-        <p:spPr/>
-        <p:txBody>
-          <a:bodyPr/>
-          <a:lstStyle/>
-          <a:p>
-            <a:endParaRPr lang="ko-KR" altLang="en-US"/>
-          </a:p>
-        </p:txBody>
-      </p:sp>
-    </p:spTree>
-    <p:extLst>
-      <p:ext uri="{BB962C8B-B14F-4D97-AF65-F5344CB8AC3E}">
-        <p14:creationId xmlns:p14="http://schemas.microsoft.com/office/powerpoint/2010/main" val="1081858286"/>
-      </p:ext>
-    </p:extLst>
-  </p:cSld>
-  <p:clrMapOvr>
-    <a:masterClrMapping/>
-  </p:clrMapOvr>
-  <mc:AlternateContent xmlns:mc="http://schemas.openxmlformats.org/markup-compatibility/2006" xmlns:p14="http://schemas.microsoft.com/office/powerpoint/2010/main">
-    <mc:Choice Requires="p14">
-      <p:transition spd="med" p14:dur="700">
-        <p:fade/>
-      </p:transition>
-    </mc:Choice>
-    <mc:Fallback xmlns="">
-      <p:transition spd="med">
-        <p:fade/>
-      </p:transition>
-    </mc:Fallback>
-  </mc:AlternateContent>
-</p:sld>
-</file>
-
-<file path=ppt/slides/slide17.xml><?xml version="1.0" encoding="utf-8"?>
-<p:sld xmlns:a="http://schemas.openxmlformats.org/drawingml/2006/main" xmlns:r="http://schemas.openxmlformats.org/officeDocument/2006/relationships" xmlns:p="http://schemas.openxmlformats.org/presentationml/2006/main">
-  <p:cSld>
-    <p:spTree>
-      <p:nvGrpSpPr>
-        <p:cNvPr id="1" name=""/>
-        <p:cNvGrpSpPr/>
-        <p:nvPr/>
-      </p:nvGrpSpPr>
-      <p:grpSpPr>
-        <a:xfrm>
-          <a:off x="0" y="0"/>
-          <a:ext cx="0" cy="0"/>
-          <a:chOff x="0" y="0"/>
-          <a:chExt cx="0" cy="0"/>
-        </a:xfrm>
-      </p:grpSpPr>
-      <p:sp>
-        <p:nvSpPr>
-          <p:cNvPr id="2" name="제목 1">
-            <a:extLst>
-              <a:ext uri="{FF2B5EF4-FFF2-40B4-BE49-F238E27FC236}">
-                <a16:creationId xmlns:a16="http://schemas.microsoft.com/office/drawing/2014/main" id="{28D78D5F-E582-4987-91DF-9C7C5BEBD4EB}"/>
-              </a:ext>
-            </a:extLst>
-          </p:cNvPr>
-          <p:cNvSpPr>
-            <a:spLocks noGrp="1"/>
-          </p:cNvSpPr>
-          <p:nvPr>
-            <p:ph type="title"/>
-          </p:nvPr>
-        </p:nvSpPr>
-        <p:spPr/>
-        <p:txBody>
-          <a:bodyPr/>
-          <a:lstStyle/>
-          <a:p>
-            <a:r>
-              <a:rPr lang="ko-KR" altLang="en-US" dirty="0"/>
-              <a:t>개발자가 </a:t>
-            </a:r>
-            <a:r>
-              <a:rPr lang="ko-KR" altLang="en-US" dirty="0" err="1"/>
-              <a:t>알아두면</a:t>
-            </a:r>
-            <a:r>
-              <a:rPr lang="ko-KR" altLang="en-US" dirty="0"/>
-              <a:t> 좋을 네트워크 개념</a:t>
-            </a:r>
-          </a:p>
-        </p:txBody>
-      </p:sp>
-      <p:sp>
-        <p:nvSpPr>
-          <p:cNvPr id="3" name="내용 개체 틀 2">
-            <a:extLst>
-              <a:ext uri="{FF2B5EF4-FFF2-40B4-BE49-F238E27FC236}">
-                <a16:creationId xmlns:a16="http://schemas.microsoft.com/office/drawing/2014/main" id="{DFA47AE3-6532-4E43-9E16-6D279FF62F6D}"/>
-              </a:ext>
-            </a:extLst>
-          </p:cNvPr>
-          <p:cNvSpPr>
-            <a:spLocks noGrp="1"/>
-          </p:cNvSpPr>
-          <p:nvPr>
-            <p:ph idx="1"/>
-          </p:nvPr>
-        </p:nvSpPr>
-        <p:spPr/>
-        <p:txBody>
-          <a:bodyPr/>
-          <a:lstStyle/>
-          <a:p>
-            <a:r>
-              <a:rPr lang="ko-KR" altLang="en-US" dirty="0"/>
-              <a:t>통신 </a:t>
-            </a:r>
-            <a:r>
-              <a:rPr lang="en-US" altLang="ko-KR" dirty="0"/>
-              <a:t>3</a:t>
-            </a:r>
-            <a:r>
-              <a:rPr lang="ko-KR" altLang="en-US" dirty="0"/>
-              <a:t>요소</a:t>
-            </a:r>
-            <a:endParaRPr lang="en-US" altLang="ko-KR" dirty="0"/>
-          </a:p>
-          <a:p>
-            <a:pPr lvl="1"/>
-            <a:r>
-              <a:rPr lang="ko-KR" altLang="en-US" dirty="0"/>
-              <a:t>유선</a:t>
-            </a:r>
-            <a:r>
-              <a:rPr lang="en-US" altLang="ko-KR" dirty="0"/>
-              <a:t>(LAN), </a:t>
-            </a:r>
-            <a:r>
-              <a:rPr lang="ko-KR" altLang="en-US" dirty="0"/>
-              <a:t>무선</a:t>
-            </a:r>
-            <a:r>
-              <a:rPr lang="en-US" altLang="ko-KR" dirty="0"/>
-              <a:t>(WIFI)</a:t>
-            </a:r>
-          </a:p>
-          <a:p>
-            <a:pPr lvl="1"/>
-            <a:r>
-              <a:rPr lang="ko-KR" altLang="en-US" dirty="0" err="1"/>
-              <a:t>브로드밴드</a:t>
-            </a:r>
-            <a:endParaRPr lang="en-US" altLang="ko-KR" dirty="0"/>
-          </a:p>
-          <a:p>
-            <a:pPr lvl="1"/>
-            <a:endParaRPr lang="ko-KR" altLang="en-US" dirty="0"/>
-          </a:p>
-        </p:txBody>
-      </p:sp>
-      <p:sp>
-        <p:nvSpPr>
-          <p:cNvPr id="4" name="직사각형 3">
-            <a:extLst>
-              <a:ext uri="{FF2B5EF4-FFF2-40B4-BE49-F238E27FC236}">
-                <a16:creationId xmlns:a16="http://schemas.microsoft.com/office/drawing/2014/main" id="{603F50D1-9592-4BE9-BCCC-128C3D969486}"/>
-              </a:ext>
-            </a:extLst>
-          </p:cNvPr>
-          <p:cNvSpPr/>
-          <p:nvPr/>
-        </p:nvSpPr>
-        <p:spPr>
-          <a:xfrm>
-            <a:off x="2141086" y="3804911"/>
-            <a:ext cx="1139352" cy="495729"/>
-          </a:xfrm>
-          <a:prstGeom prst="rect">
-            <a:avLst/>
-          </a:prstGeom>
-        </p:spPr>
-        <p:style>
-          <a:lnRef idx="1">
-            <a:schemeClr val="accent3"/>
-          </a:lnRef>
-          <a:fillRef idx="2">
-            <a:schemeClr val="accent3"/>
-          </a:fillRef>
-          <a:effectRef idx="1">
-            <a:schemeClr val="accent3"/>
-          </a:effectRef>
-          <a:fontRef idx="minor">
-            <a:schemeClr val="dk1"/>
-          </a:fontRef>
-        </p:style>
-        <p:txBody>
-          <a:bodyPr rtlCol="0" anchor="ctr"/>
-          <a:lstStyle/>
-          <a:p>
-            <a:pPr algn="ctr"/>
-            <a:r>
-              <a:rPr lang="ko-KR" altLang="en-US" dirty="0"/>
-              <a:t>송신자</a:t>
-            </a:r>
-            <a:endParaRPr lang="en-US" altLang="ko-KR" dirty="0"/>
-          </a:p>
-        </p:txBody>
-      </p:sp>
-      <p:sp>
-        <p:nvSpPr>
-          <p:cNvPr id="5" name="직사각형 4">
-            <a:extLst>
-              <a:ext uri="{FF2B5EF4-FFF2-40B4-BE49-F238E27FC236}">
-                <a16:creationId xmlns:a16="http://schemas.microsoft.com/office/drawing/2014/main" id="{A70C5260-2B7D-422E-A476-26607C5AD7FC}"/>
-              </a:ext>
-            </a:extLst>
-          </p:cNvPr>
-          <p:cNvSpPr/>
-          <p:nvPr/>
-        </p:nvSpPr>
-        <p:spPr>
-          <a:xfrm>
-            <a:off x="5582883" y="3804911"/>
-            <a:ext cx="1026234" cy="495729"/>
-          </a:xfrm>
-          <a:prstGeom prst="rect">
-            <a:avLst/>
-          </a:prstGeom>
-        </p:spPr>
-        <p:style>
-          <a:lnRef idx="1">
-            <a:schemeClr val="accent3"/>
-          </a:lnRef>
-          <a:fillRef idx="2">
-            <a:schemeClr val="accent3"/>
-          </a:fillRef>
-          <a:effectRef idx="1">
-            <a:schemeClr val="accent3"/>
-          </a:effectRef>
-          <a:fontRef idx="minor">
-            <a:schemeClr val="dk1"/>
-          </a:fontRef>
-        </p:style>
-        <p:txBody>
-          <a:bodyPr rtlCol="0" anchor="ctr"/>
-          <a:lstStyle/>
-          <a:p>
-            <a:pPr algn="ctr"/>
-            <a:r>
-              <a:rPr lang="ko-KR" altLang="en-US" dirty="0"/>
-              <a:t>수신자</a:t>
-            </a:r>
-          </a:p>
-        </p:txBody>
-      </p:sp>
-      <p:cxnSp>
-        <p:nvCxnSpPr>
-          <p:cNvPr id="7" name="직선 연결선 6">
-            <a:extLst>
-              <a:ext uri="{FF2B5EF4-FFF2-40B4-BE49-F238E27FC236}">
-                <a16:creationId xmlns:a16="http://schemas.microsoft.com/office/drawing/2014/main" id="{FBF9D902-7A1B-4C17-A3D9-C7490C32691A}"/>
-              </a:ext>
-            </a:extLst>
-          </p:cNvPr>
-          <p:cNvCxnSpPr>
-            <a:cxnSpLocks/>
-            <a:stCxn id="4" idx="3"/>
-            <a:endCxn id="5" idx="1"/>
-          </p:cNvCxnSpPr>
-          <p:nvPr/>
-        </p:nvCxnSpPr>
-        <p:spPr>
-          <a:xfrm>
-            <a:off x="3280438" y="4052776"/>
-            <a:ext cx="2302445" cy="0"/>
-          </a:xfrm>
-          <a:prstGeom prst="line">
-            <a:avLst/>
-          </a:prstGeom>
-        </p:spPr>
-        <p:style>
-          <a:lnRef idx="3">
-            <a:schemeClr val="dk1"/>
-          </a:lnRef>
-          <a:fillRef idx="0">
-            <a:schemeClr val="dk1"/>
-          </a:fillRef>
-          <a:effectRef idx="2">
-            <a:schemeClr val="dk1"/>
-          </a:effectRef>
-          <a:fontRef idx="minor">
-            <a:schemeClr val="tx1"/>
-          </a:fontRef>
-        </p:style>
-      </p:cxnSp>
-      <p:sp>
-        <p:nvSpPr>
-          <p:cNvPr id="11" name="TextBox 10">
-            <a:extLst>
-              <a:ext uri="{FF2B5EF4-FFF2-40B4-BE49-F238E27FC236}">
-                <a16:creationId xmlns:a16="http://schemas.microsoft.com/office/drawing/2014/main" id="{008AAEE0-856F-484A-A722-362DC251B289}"/>
-              </a:ext>
-            </a:extLst>
-          </p:cNvPr>
-          <p:cNvSpPr txBox="1"/>
-          <p:nvPr/>
-        </p:nvSpPr>
-        <p:spPr>
-          <a:xfrm>
-            <a:off x="3877662" y="3634104"/>
-            <a:ext cx="1107996" cy="369332"/>
-          </a:xfrm>
-          <a:prstGeom prst="rect">
-            <a:avLst/>
-          </a:prstGeom>
-          <a:noFill/>
-        </p:spPr>
-        <p:txBody>
-          <a:bodyPr wrap="none" rtlCol="0">
-            <a:spAutoFit/>
-          </a:bodyPr>
-          <a:lstStyle/>
-          <a:p>
-            <a:r>
-              <a:rPr lang="ko-KR" altLang="en-US" dirty="0"/>
-              <a:t>통신매체</a:t>
-            </a:r>
-          </a:p>
-        </p:txBody>
-      </p:sp>
-    </p:spTree>
-    <p:extLst>
-      <p:ext uri="{BB962C8B-B14F-4D97-AF65-F5344CB8AC3E}">
-        <p14:creationId xmlns:p14="http://schemas.microsoft.com/office/powerpoint/2010/main" val="2983092278"/>
-      </p:ext>
-    </p:extLst>
-  </p:cSld>
-  <p:clrMapOvr>
-    <a:masterClrMapping/>
-  </p:clrMapOvr>
-  <mc:AlternateContent xmlns:mc="http://schemas.openxmlformats.org/markup-compatibility/2006" xmlns:p14="http://schemas.microsoft.com/office/powerpoint/2010/main">
-    <mc:Choice Requires="p14">
-      <p:transition spd="med" p14:dur="700">
-        <p:fade/>
-      </p:transition>
-    </mc:Choice>
-    <mc:Fallback xmlns="">
-      <p:transition spd="med">
-        <p:fade/>
-      </p:transition>
-    </mc:Fallback>
-  </mc:AlternateContent>
-</p:sld>
-</file>
-
-<file path=ppt/slides/slide18.xml><?xml version="1.0" encoding="utf-8"?>
-<p:sld xmlns:a="http://schemas.openxmlformats.org/drawingml/2006/main" xmlns:r="http://schemas.openxmlformats.org/officeDocument/2006/relationships" xmlns:p="http://schemas.openxmlformats.org/presentationml/2006/main">
-  <p:cSld>
-    <p:spTree>
-      <p:nvGrpSpPr>
-        <p:cNvPr id="1" name=""/>
-        <p:cNvGrpSpPr/>
-        <p:nvPr/>
-      </p:nvGrpSpPr>
-      <p:grpSpPr>
-        <a:xfrm>
-          <a:off x="0" y="0"/>
-          <a:ext cx="0" cy="0"/>
-          <a:chOff x="0" y="0"/>
-          <a:chExt cx="0" cy="0"/>
-        </a:xfrm>
-      </p:grpSpPr>
-      <p:sp>
-        <p:nvSpPr>
-          <p:cNvPr id="2" name="제목 1">
-            <a:extLst>
-              <a:ext uri="{FF2B5EF4-FFF2-40B4-BE49-F238E27FC236}">
-                <a16:creationId xmlns:a16="http://schemas.microsoft.com/office/drawing/2014/main" id="{28D78D5F-E582-4987-91DF-9C7C5BEBD4EB}"/>
-              </a:ext>
-            </a:extLst>
-          </p:cNvPr>
-          <p:cNvSpPr>
-            <a:spLocks noGrp="1"/>
-          </p:cNvSpPr>
-          <p:nvPr>
-            <p:ph type="title"/>
-          </p:nvPr>
-        </p:nvSpPr>
-        <p:spPr/>
-        <p:txBody>
-          <a:bodyPr/>
-          <a:lstStyle/>
-          <a:p>
-            <a:r>
-              <a:rPr lang="ko-KR" altLang="en-US" dirty="0"/>
-              <a:t>개발자가 </a:t>
-            </a:r>
-            <a:r>
-              <a:rPr lang="ko-KR" altLang="en-US" dirty="0" err="1"/>
-              <a:t>알아두면</a:t>
-            </a:r>
-            <a:r>
-              <a:rPr lang="ko-KR" altLang="en-US" dirty="0"/>
-              <a:t> 좋을 네트워크 개념</a:t>
-            </a:r>
-          </a:p>
-        </p:txBody>
-      </p:sp>
-      <p:sp>
-        <p:nvSpPr>
-          <p:cNvPr id="3" name="내용 개체 틀 2">
-            <a:extLst>
-              <a:ext uri="{FF2B5EF4-FFF2-40B4-BE49-F238E27FC236}">
-                <a16:creationId xmlns:a16="http://schemas.microsoft.com/office/drawing/2014/main" id="{DFA47AE3-6532-4E43-9E16-6D279FF62F6D}"/>
-              </a:ext>
-            </a:extLst>
-          </p:cNvPr>
-          <p:cNvSpPr>
-            <a:spLocks noGrp="1"/>
-          </p:cNvSpPr>
-          <p:nvPr>
-            <p:ph idx="1"/>
-          </p:nvPr>
-        </p:nvSpPr>
-        <p:spPr/>
-        <p:txBody>
-          <a:bodyPr/>
-          <a:lstStyle/>
-          <a:p>
-            <a:r>
-              <a:rPr lang="en-US" altLang="ko-KR" dirty="0"/>
-              <a:t>MAC (Media Access Control Address)</a:t>
-            </a:r>
-          </a:p>
-          <a:p>
-            <a:pPr lvl="1"/>
-            <a:r>
-              <a:rPr lang="ko-KR" altLang="en-US" dirty="0"/>
-              <a:t>물리적</a:t>
-            </a:r>
-            <a:r>
-              <a:rPr lang="en-US" altLang="ko-KR" dirty="0"/>
-              <a:t>, </a:t>
-            </a:r>
-            <a:r>
-              <a:rPr lang="ko-KR" altLang="en-US" dirty="0"/>
-              <a:t>유일한 값</a:t>
-            </a:r>
-            <a:endParaRPr lang="en-US" altLang="ko-KR" dirty="0"/>
-          </a:p>
-          <a:p>
-            <a:pPr lvl="1"/>
-            <a:r>
-              <a:rPr lang="en-US" altLang="ko-KR" dirty="0"/>
-              <a:t>IP/MAC </a:t>
-            </a:r>
-            <a:r>
-              <a:rPr lang="ko-KR" altLang="en-US" dirty="0"/>
-              <a:t>테이블</a:t>
-            </a:r>
-          </a:p>
-        </p:txBody>
-      </p:sp>
-      <p:sp>
-        <p:nvSpPr>
-          <p:cNvPr id="7" name="직사각형 6">
-            <a:extLst>
-              <a:ext uri="{FF2B5EF4-FFF2-40B4-BE49-F238E27FC236}">
-                <a16:creationId xmlns:a16="http://schemas.microsoft.com/office/drawing/2014/main" id="{87D226EF-6CF8-4B13-B123-1D1BAA00F05D}"/>
-              </a:ext>
-            </a:extLst>
-          </p:cNvPr>
-          <p:cNvSpPr/>
-          <p:nvPr/>
-        </p:nvSpPr>
-        <p:spPr>
-          <a:xfrm>
-            <a:off x="1913035" y="3698013"/>
-            <a:ext cx="1181470" cy="495729"/>
-          </a:xfrm>
-          <a:prstGeom prst="rect">
-            <a:avLst/>
-          </a:prstGeom>
-        </p:spPr>
-        <p:style>
-          <a:lnRef idx="1">
-            <a:schemeClr val="accent3"/>
-          </a:lnRef>
-          <a:fillRef idx="2">
-            <a:schemeClr val="accent3"/>
-          </a:fillRef>
-          <a:effectRef idx="1">
-            <a:schemeClr val="accent3"/>
-          </a:effectRef>
-          <a:fontRef idx="minor">
-            <a:schemeClr val="dk1"/>
-          </a:fontRef>
-        </p:style>
-        <p:txBody>
-          <a:bodyPr rtlCol="0" anchor="ctr"/>
-          <a:lstStyle/>
-          <a:p>
-            <a:pPr algn="ctr"/>
-            <a:r>
-              <a:rPr lang="ko-KR" altLang="en-US" dirty="0"/>
-              <a:t>송신자</a:t>
-            </a:r>
-            <a:r>
-              <a:rPr lang="en-US" altLang="ko-KR" dirty="0"/>
-              <a:t>A</a:t>
-            </a:r>
-            <a:endParaRPr lang="ko-KR" altLang="en-US" dirty="0"/>
-          </a:p>
-        </p:txBody>
-      </p:sp>
-      <p:sp>
-        <p:nvSpPr>
-          <p:cNvPr id="9" name="직사각형 8">
-            <a:extLst>
-              <a:ext uri="{FF2B5EF4-FFF2-40B4-BE49-F238E27FC236}">
-                <a16:creationId xmlns:a16="http://schemas.microsoft.com/office/drawing/2014/main" id="{CFB9D00F-1B68-43CA-B9F8-A6BEB4FDAE60}"/>
-              </a:ext>
-            </a:extLst>
-          </p:cNvPr>
-          <p:cNvSpPr/>
-          <p:nvPr/>
-        </p:nvSpPr>
-        <p:spPr>
-          <a:xfrm>
-            <a:off x="3589849" y="3731608"/>
-            <a:ext cx="1181470" cy="462133"/>
-          </a:xfrm>
-          <a:prstGeom prst="rect">
-            <a:avLst/>
-          </a:prstGeom>
-        </p:spPr>
-        <p:style>
-          <a:lnRef idx="0">
-            <a:schemeClr val="accent1"/>
-          </a:lnRef>
-          <a:fillRef idx="3">
-            <a:schemeClr val="accent1"/>
-          </a:fillRef>
-          <a:effectRef idx="3">
-            <a:schemeClr val="accent1"/>
-          </a:effectRef>
-          <a:fontRef idx="minor">
-            <a:schemeClr val="lt1"/>
-          </a:fontRef>
-        </p:style>
-        <p:txBody>
-          <a:bodyPr rtlCol="0" anchor="ctr"/>
-          <a:lstStyle/>
-          <a:p>
-            <a:pPr algn="ctr"/>
-            <a:r>
-              <a:rPr lang="ko-KR" altLang="en-US" dirty="0"/>
-              <a:t>스위치</a:t>
-            </a:r>
-          </a:p>
-        </p:txBody>
-      </p:sp>
-      <p:sp>
-        <p:nvSpPr>
-          <p:cNvPr id="11" name="직사각형 10">
-            <a:extLst>
-              <a:ext uri="{FF2B5EF4-FFF2-40B4-BE49-F238E27FC236}">
-                <a16:creationId xmlns:a16="http://schemas.microsoft.com/office/drawing/2014/main" id="{C128F8CA-0D3F-490C-8FBA-4F60D84B8A09}"/>
-              </a:ext>
-            </a:extLst>
-          </p:cNvPr>
-          <p:cNvSpPr/>
-          <p:nvPr/>
-        </p:nvSpPr>
-        <p:spPr>
-          <a:xfrm>
-            <a:off x="3589849" y="4648045"/>
-            <a:ext cx="1181470" cy="495729"/>
-          </a:xfrm>
-          <a:prstGeom prst="rect">
-            <a:avLst/>
-          </a:prstGeom>
-        </p:spPr>
-        <p:style>
-          <a:lnRef idx="1">
-            <a:schemeClr val="accent3"/>
-          </a:lnRef>
-          <a:fillRef idx="2">
-            <a:schemeClr val="accent3"/>
-          </a:fillRef>
-          <a:effectRef idx="1">
-            <a:schemeClr val="accent3"/>
-          </a:effectRef>
-          <a:fontRef idx="minor">
-            <a:schemeClr val="dk1"/>
-          </a:fontRef>
-        </p:style>
-        <p:txBody>
-          <a:bodyPr rtlCol="0" anchor="ctr"/>
-          <a:lstStyle/>
-          <a:p>
-            <a:pPr algn="ctr"/>
-            <a:r>
-              <a:rPr lang="ko-KR" altLang="en-US" dirty="0"/>
-              <a:t>송신자</a:t>
-            </a:r>
-            <a:r>
-              <a:rPr lang="en-US" altLang="ko-KR" dirty="0"/>
-              <a:t>B</a:t>
-            </a:r>
-            <a:endParaRPr lang="ko-KR" altLang="en-US" dirty="0"/>
-          </a:p>
-        </p:txBody>
-      </p:sp>
-      <p:sp>
-        <p:nvSpPr>
-          <p:cNvPr id="12" name="직사각형 11">
-            <a:extLst>
-              <a:ext uri="{FF2B5EF4-FFF2-40B4-BE49-F238E27FC236}">
-                <a16:creationId xmlns:a16="http://schemas.microsoft.com/office/drawing/2014/main" id="{0392E843-4BE9-4EA6-99B6-4B3EAE765D58}"/>
-              </a:ext>
-            </a:extLst>
-          </p:cNvPr>
-          <p:cNvSpPr/>
-          <p:nvPr/>
-        </p:nvSpPr>
-        <p:spPr>
-          <a:xfrm>
-            <a:off x="5266663" y="3731608"/>
-            <a:ext cx="1181470" cy="495729"/>
-          </a:xfrm>
-          <a:prstGeom prst="rect">
-            <a:avLst/>
-          </a:prstGeom>
-        </p:spPr>
-        <p:style>
-          <a:lnRef idx="1">
-            <a:schemeClr val="accent3"/>
-          </a:lnRef>
-          <a:fillRef idx="2">
-            <a:schemeClr val="accent3"/>
-          </a:fillRef>
-          <a:effectRef idx="1">
-            <a:schemeClr val="accent3"/>
-          </a:effectRef>
-          <a:fontRef idx="minor">
-            <a:schemeClr val="dk1"/>
-          </a:fontRef>
-        </p:style>
-        <p:txBody>
-          <a:bodyPr rtlCol="0" anchor="ctr"/>
-          <a:lstStyle/>
-          <a:p>
-            <a:pPr algn="ctr"/>
-            <a:r>
-              <a:rPr lang="ko-KR" altLang="en-US" dirty="0"/>
-              <a:t>라우터</a:t>
-            </a:r>
-          </a:p>
-        </p:txBody>
-      </p:sp>
-    </p:spTree>
-    <p:extLst>
-      <p:ext uri="{BB962C8B-B14F-4D97-AF65-F5344CB8AC3E}">
-        <p14:creationId xmlns:p14="http://schemas.microsoft.com/office/powerpoint/2010/main" val="3452382363"/>
-      </p:ext>
-    </p:extLst>
-  </p:cSld>
-  <p:clrMapOvr>
-    <a:masterClrMapping/>
-  </p:clrMapOvr>
-  <mc:AlternateContent xmlns:mc="http://schemas.openxmlformats.org/markup-compatibility/2006" xmlns:p14="http://schemas.microsoft.com/office/powerpoint/2010/main">
-    <mc:Choice Requires="p14">
-      <p:transition spd="med" p14:dur="700">
-        <p:fade/>
-      </p:transition>
-    </mc:Choice>
-    <mc:Fallback xmlns="">
-      <p:transition spd="med">
-        <p:fade/>
-      </p:transition>
-    </mc:Fallback>
-  </mc:AlternateContent>
-</p:sld>
-</file>
-
-<file path=ppt/slides/slide19.xml><?xml version="1.0" encoding="utf-8"?>
-<p:sld xmlns:a="http://schemas.openxmlformats.org/drawingml/2006/main" xmlns:r="http://schemas.openxmlformats.org/officeDocument/2006/relationships" xmlns:p="http://schemas.openxmlformats.org/presentationml/2006/main">
-  <p:cSld>
-    <p:spTree>
-      <p:nvGrpSpPr>
-        <p:cNvPr id="1" name=""/>
-        <p:cNvGrpSpPr/>
-        <p:nvPr/>
-      </p:nvGrpSpPr>
-      <p:grpSpPr>
-        <a:xfrm>
-          <a:off x="0" y="0"/>
-          <a:ext cx="0" cy="0"/>
-          <a:chOff x="0" y="0"/>
-          <a:chExt cx="0" cy="0"/>
-        </a:xfrm>
-      </p:grpSpPr>
-      <p:sp>
-        <p:nvSpPr>
-          <p:cNvPr id="2" name="제목 1">
-            <a:extLst>
-              <a:ext uri="{FF2B5EF4-FFF2-40B4-BE49-F238E27FC236}">
-                <a16:creationId xmlns:a16="http://schemas.microsoft.com/office/drawing/2014/main" id="{28D78D5F-E582-4987-91DF-9C7C5BEBD4EB}"/>
-              </a:ext>
-            </a:extLst>
-          </p:cNvPr>
-          <p:cNvSpPr>
-            <a:spLocks noGrp="1"/>
-          </p:cNvSpPr>
-          <p:nvPr>
-            <p:ph type="title"/>
-          </p:nvPr>
-        </p:nvSpPr>
-        <p:spPr/>
-        <p:txBody>
-          <a:bodyPr/>
-          <a:lstStyle/>
-          <a:p>
-            <a:r>
-              <a:rPr lang="ko-KR" altLang="en-US" dirty="0"/>
-              <a:t>개발자가 </a:t>
-            </a:r>
-            <a:r>
-              <a:rPr lang="ko-KR" altLang="en-US" dirty="0" err="1"/>
-              <a:t>알아두면</a:t>
-            </a:r>
-            <a:r>
-              <a:rPr lang="ko-KR" altLang="en-US" dirty="0"/>
-              <a:t> 좋을 네트워크 개념</a:t>
-            </a:r>
-          </a:p>
-        </p:txBody>
-      </p:sp>
-      <p:sp>
-        <p:nvSpPr>
-          <p:cNvPr id="3" name="내용 개체 틀 2">
-            <a:extLst>
-              <a:ext uri="{FF2B5EF4-FFF2-40B4-BE49-F238E27FC236}">
-                <a16:creationId xmlns:a16="http://schemas.microsoft.com/office/drawing/2014/main" id="{DFA47AE3-6532-4E43-9E16-6D279FF62F6D}"/>
-              </a:ext>
-            </a:extLst>
-          </p:cNvPr>
-          <p:cNvSpPr>
-            <a:spLocks noGrp="1"/>
-          </p:cNvSpPr>
-          <p:nvPr>
-            <p:ph idx="1"/>
-          </p:nvPr>
-        </p:nvSpPr>
-        <p:spPr/>
-        <p:txBody>
-          <a:bodyPr/>
-          <a:lstStyle/>
-          <a:p>
-            <a:r>
-              <a:rPr lang="en-US" altLang="ko-KR" dirty="0"/>
-              <a:t>IP </a:t>
-            </a:r>
-            <a:r>
-              <a:rPr lang="ko-KR" altLang="en-US" dirty="0"/>
-              <a:t>주소 </a:t>
-            </a:r>
-            <a:r>
-              <a:rPr lang="en-US" altLang="ko-KR" dirty="0"/>
-              <a:t>(Internet Protocol address)</a:t>
-            </a:r>
-          </a:p>
-          <a:p>
-            <a:pPr lvl="1"/>
-            <a:r>
-              <a:rPr lang="ko-KR" altLang="en-US" dirty="0"/>
-              <a:t>논리적 식별자</a:t>
-            </a:r>
-            <a:endParaRPr lang="en-US" altLang="ko-KR" dirty="0"/>
-          </a:p>
-        </p:txBody>
-      </p:sp>
-      <p:sp>
-        <p:nvSpPr>
-          <p:cNvPr id="7" name="직사각형 6">
-            <a:extLst>
-              <a:ext uri="{FF2B5EF4-FFF2-40B4-BE49-F238E27FC236}">
-                <a16:creationId xmlns:a16="http://schemas.microsoft.com/office/drawing/2014/main" id="{87D226EF-6CF8-4B13-B123-1D1BAA00F05D}"/>
-              </a:ext>
-            </a:extLst>
-          </p:cNvPr>
-          <p:cNvSpPr/>
-          <p:nvPr/>
-        </p:nvSpPr>
-        <p:spPr>
-          <a:xfrm>
-            <a:off x="1932770" y="3395405"/>
-            <a:ext cx="1181470" cy="495729"/>
-          </a:xfrm>
-          <a:prstGeom prst="rect">
-            <a:avLst/>
-          </a:prstGeom>
-        </p:spPr>
-        <p:style>
-          <a:lnRef idx="1">
-            <a:schemeClr val="accent3"/>
-          </a:lnRef>
-          <a:fillRef idx="2">
-            <a:schemeClr val="accent3"/>
-          </a:fillRef>
-          <a:effectRef idx="1">
-            <a:schemeClr val="accent3"/>
-          </a:effectRef>
-          <a:fontRef idx="minor">
-            <a:schemeClr val="dk1"/>
-          </a:fontRef>
-        </p:style>
-        <p:txBody>
-          <a:bodyPr rtlCol="0" anchor="ctr"/>
-          <a:lstStyle/>
-          <a:p>
-            <a:pPr algn="ctr"/>
-            <a:r>
-              <a:rPr lang="ko-KR" altLang="en-US" dirty="0"/>
-              <a:t>송신자</a:t>
-            </a:r>
-          </a:p>
-        </p:txBody>
-      </p:sp>
-      <p:sp>
-        <p:nvSpPr>
-          <p:cNvPr id="11" name="직사각형 10">
-            <a:extLst>
-              <a:ext uri="{FF2B5EF4-FFF2-40B4-BE49-F238E27FC236}">
-                <a16:creationId xmlns:a16="http://schemas.microsoft.com/office/drawing/2014/main" id="{C128F8CA-0D3F-490C-8FBA-4F60D84B8A09}"/>
-              </a:ext>
-            </a:extLst>
-          </p:cNvPr>
-          <p:cNvSpPr/>
-          <p:nvPr/>
-        </p:nvSpPr>
-        <p:spPr>
-          <a:xfrm>
-            <a:off x="5316000" y="3390471"/>
-            <a:ext cx="1181470" cy="495729"/>
-          </a:xfrm>
-          <a:prstGeom prst="rect">
-            <a:avLst/>
-          </a:prstGeom>
-        </p:spPr>
-        <p:style>
-          <a:lnRef idx="1">
-            <a:schemeClr val="accent3"/>
-          </a:lnRef>
-          <a:fillRef idx="2">
-            <a:schemeClr val="accent3"/>
-          </a:fillRef>
-          <a:effectRef idx="1">
-            <a:schemeClr val="accent3"/>
-          </a:effectRef>
-          <a:fontRef idx="minor">
-            <a:schemeClr val="dk1"/>
-          </a:fontRef>
-        </p:style>
-        <p:txBody>
-          <a:bodyPr rtlCol="0" anchor="ctr"/>
-          <a:lstStyle/>
-          <a:p>
-            <a:pPr algn="ctr"/>
-            <a:r>
-              <a:rPr lang="ko-KR" altLang="en-US" dirty="0"/>
-              <a:t>인터넷</a:t>
-            </a:r>
-          </a:p>
-        </p:txBody>
-      </p:sp>
-      <p:sp>
-        <p:nvSpPr>
-          <p:cNvPr id="12" name="직사각형 11">
-            <a:extLst>
-              <a:ext uri="{FF2B5EF4-FFF2-40B4-BE49-F238E27FC236}">
-                <a16:creationId xmlns:a16="http://schemas.microsoft.com/office/drawing/2014/main" id="{0392E843-4BE9-4EA6-99B6-4B3EAE765D58}"/>
-              </a:ext>
-            </a:extLst>
-          </p:cNvPr>
-          <p:cNvSpPr/>
-          <p:nvPr/>
-        </p:nvSpPr>
-        <p:spPr>
-          <a:xfrm>
-            <a:off x="3609584" y="3405271"/>
-            <a:ext cx="1181470" cy="495729"/>
-          </a:xfrm>
-          <a:prstGeom prst="rect">
-            <a:avLst/>
-          </a:prstGeom>
-        </p:spPr>
-        <p:style>
-          <a:lnRef idx="1">
-            <a:schemeClr val="accent3"/>
-          </a:lnRef>
-          <a:fillRef idx="2">
-            <a:schemeClr val="accent3"/>
-          </a:fillRef>
-          <a:effectRef idx="1">
-            <a:schemeClr val="accent3"/>
-          </a:effectRef>
-          <a:fontRef idx="minor">
-            <a:schemeClr val="dk1"/>
-          </a:fontRef>
-        </p:style>
-        <p:txBody>
-          <a:bodyPr rtlCol="0" anchor="ctr"/>
-          <a:lstStyle/>
-          <a:p>
-            <a:pPr algn="ctr"/>
-            <a:r>
-              <a:rPr lang="ko-KR" altLang="en-US" dirty="0"/>
-              <a:t>라우터</a:t>
-            </a:r>
-          </a:p>
-        </p:txBody>
-      </p:sp>
-      <p:sp>
-        <p:nvSpPr>
-          <p:cNvPr id="8" name="직사각형 7">
-            <a:extLst>
-              <a:ext uri="{FF2B5EF4-FFF2-40B4-BE49-F238E27FC236}">
-                <a16:creationId xmlns:a16="http://schemas.microsoft.com/office/drawing/2014/main" id="{3B209D68-2F0E-433D-AC3F-B6AA97C5C53C}"/>
-              </a:ext>
-            </a:extLst>
-          </p:cNvPr>
-          <p:cNvSpPr/>
-          <p:nvPr/>
-        </p:nvSpPr>
-        <p:spPr>
-          <a:xfrm>
-            <a:off x="7022416" y="3390470"/>
-            <a:ext cx="1181470" cy="495729"/>
-          </a:xfrm>
-          <a:prstGeom prst="rect">
-            <a:avLst/>
-          </a:prstGeom>
-        </p:spPr>
-        <p:style>
-          <a:lnRef idx="1">
-            <a:schemeClr val="accent3"/>
-          </a:lnRef>
-          <a:fillRef idx="2">
-            <a:schemeClr val="accent3"/>
-          </a:fillRef>
-          <a:effectRef idx="1">
-            <a:schemeClr val="accent3"/>
-          </a:effectRef>
-          <a:fontRef idx="minor">
-            <a:schemeClr val="dk1"/>
-          </a:fontRef>
-        </p:style>
-        <p:txBody>
-          <a:bodyPr rtlCol="0" anchor="ctr"/>
-          <a:lstStyle/>
-          <a:p>
-            <a:pPr algn="ctr"/>
-            <a:r>
-              <a:rPr lang="ko-KR" altLang="en-US" dirty="0"/>
-              <a:t>수신자</a:t>
-            </a:r>
-          </a:p>
-        </p:txBody>
-      </p:sp>
-      <p:sp>
-        <p:nvSpPr>
-          <p:cNvPr id="13" name="직사각형 12">
-            <a:extLst>
-              <a:ext uri="{FF2B5EF4-FFF2-40B4-BE49-F238E27FC236}">
-                <a16:creationId xmlns:a16="http://schemas.microsoft.com/office/drawing/2014/main" id="{3B5DDCD1-FE2F-4440-BDDB-D115FC261CDF}"/>
-              </a:ext>
-            </a:extLst>
-          </p:cNvPr>
-          <p:cNvSpPr/>
-          <p:nvPr/>
-        </p:nvSpPr>
-        <p:spPr>
-          <a:xfrm>
-            <a:off x="2774125" y="4226097"/>
-            <a:ext cx="1181470" cy="462133"/>
-          </a:xfrm>
-          <a:prstGeom prst="rect">
-            <a:avLst/>
-          </a:prstGeom>
-        </p:spPr>
-        <p:style>
-          <a:lnRef idx="0">
-            <a:schemeClr val="accent1"/>
-          </a:lnRef>
-          <a:fillRef idx="3">
-            <a:schemeClr val="accent1"/>
-          </a:fillRef>
-          <a:effectRef idx="3">
-            <a:schemeClr val="accent1"/>
-          </a:effectRef>
-          <a:fontRef idx="minor">
-            <a:schemeClr val="lt1"/>
-          </a:fontRef>
-        </p:style>
-        <p:txBody>
-          <a:bodyPr rtlCol="0" anchor="ctr"/>
-          <a:lstStyle/>
-          <a:p>
-            <a:pPr algn="ctr"/>
-            <a:r>
-              <a:rPr lang="ko-KR" altLang="en-US" dirty="0"/>
-              <a:t>스위치</a:t>
-            </a:r>
-          </a:p>
-        </p:txBody>
-      </p:sp>
-      <p:sp>
-        <p:nvSpPr>
-          <p:cNvPr id="14" name="직사각형 13">
-            <a:extLst>
-              <a:ext uri="{FF2B5EF4-FFF2-40B4-BE49-F238E27FC236}">
-                <a16:creationId xmlns:a16="http://schemas.microsoft.com/office/drawing/2014/main" id="{AA62A27A-121B-4265-9BA6-23296D9DA687}"/>
-              </a:ext>
-            </a:extLst>
-          </p:cNvPr>
-          <p:cNvSpPr/>
-          <p:nvPr/>
-        </p:nvSpPr>
-        <p:spPr>
-          <a:xfrm>
-            <a:off x="4497670" y="4235963"/>
-            <a:ext cx="1181470" cy="462133"/>
-          </a:xfrm>
-          <a:prstGeom prst="rect">
-            <a:avLst/>
-          </a:prstGeom>
-        </p:spPr>
-        <p:style>
-          <a:lnRef idx="0">
-            <a:schemeClr val="accent1"/>
-          </a:lnRef>
-          <a:fillRef idx="3">
-            <a:schemeClr val="accent1"/>
-          </a:fillRef>
-          <a:effectRef idx="3">
-            <a:schemeClr val="accent1"/>
-          </a:effectRef>
-          <a:fontRef idx="minor">
-            <a:schemeClr val="lt1"/>
-          </a:fontRef>
-        </p:style>
-        <p:txBody>
-          <a:bodyPr rtlCol="0" anchor="ctr"/>
-          <a:lstStyle/>
-          <a:p>
-            <a:pPr algn="ctr"/>
-            <a:r>
-              <a:rPr lang="ko-KR" altLang="en-US" dirty="0"/>
-              <a:t>스위치</a:t>
-            </a:r>
-          </a:p>
-        </p:txBody>
-      </p:sp>
-      <p:sp>
-        <p:nvSpPr>
-          <p:cNvPr id="15" name="직사각형 14">
-            <a:extLst>
-              <a:ext uri="{FF2B5EF4-FFF2-40B4-BE49-F238E27FC236}">
-                <a16:creationId xmlns:a16="http://schemas.microsoft.com/office/drawing/2014/main" id="{FC75AB56-FA68-44F7-B34E-E52D1B5A2497}"/>
-              </a:ext>
-            </a:extLst>
-          </p:cNvPr>
-          <p:cNvSpPr/>
-          <p:nvPr/>
-        </p:nvSpPr>
-        <p:spPr>
-          <a:xfrm>
-            <a:off x="6293579" y="4239252"/>
-            <a:ext cx="1181470" cy="462133"/>
-          </a:xfrm>
-          <a:prstGeom prst="rect">
-            <a:avLst/>
-          </a:prstGeom>
-        </p:spPr>
-        <p:style>
-          <a:lnRef idx="0">
-            <a:schemeClr val="accent1"/>
-          </a:lnRef>
-          <a:fillRef idx="3">
-            <a:schemeClr val="accent1"/>
-          </a:fillRef>
-          <a:effectRef idx="3">
-            <a:schemeClr val="accent1"/>
-          </a:effectRef>
-          <a:fontRef idx="minor">
-            <a:schemeClr val="lt1"/>
-          </a:fontRef>
-        </p:style>
-        <p:txBody>
-          <a:bodyPr rtlCol="0" anchor="ctr"/>
-          <a:lstStyle/>
-          <a:p>
-            <a:pPr algn="ctr"/>
-            <a:r>
-              <a:rPr lang="ko-KR" altLang="en-US" dirty="0"/>
-              <a:t>스위치</a:t>
-            </a:r>
-          </a:p>
-        </p:txBody>
-      </p:sp>
-    </p:spTree>
-    <p:extLst>
-      <p:ext uri="{BB962C8B-B14F-4D97-AF65-F5344CB8AC3E}">
-        <p14:creationId xmlns:p14="http://schemas.microsoft.com/office/powerpoint/2010/main" val="2480475538"/>
-      </p:ext>
-    </p:extLst>
-  </p:cSld>
-  <p:clrMapOvr>
-    <a:masterClrMapping/>
-  </p:clrMapOvr>
-  <mc:AlternateContent xmlns:mc="http://schemas.openxmlformats.org/markup-compatibility/2006" xmlns:p14="http://schemas.microsoft.com/office/powerpoint/2010/main">
-    <mc:Choice Requires="p14">
-      <p:transition spd="med" p14:dur="700">
-        <p:fade/>
-      </p:transition>
-    </mc:Choice>
-    <mc:Fallback xmlns="">
-      <p:transition spd="med">
-        <p:fade/>
-      </p:transition>
-    </mc:Fallback>
-  </mc:AlternateContent>
-</p:sld>
-</file>
-
 <file path=ppt/slides/slide2.xml><?xml version="1.0" encoding="utf-8"?>
 <p:sld xmlns:a="http://schemas.openxmlformats.org/drawingml/2006/main" xmlns:r="http://schemas.openxmlformats.org/officeDocument/2006/relationships" xmlns:p="http://schemas.openxmlformats.org/presentationml/2006/main">
   <p:cSld>
@@ -18683,1054 +17301,6 @@
     <p:extLst>
       <p:ext uri="{BB962C8B-B14F-4D97-AF65-F5344CB8AC3E}">
         <p14:creationId xmlns:p14="http://schemas.microsoft.com/office/powerpoint/2010/main" val="1355702864"/>
-      </p:ext>
-    </p:extLst>
-  </p:cSld>
-  <p:clrMapOvr>
-    <a:masterClrMapping/>
-  </p:clrMapOvr>
-  <mc:AlternateContent xmlns:mc="http://schemas.openxmlformats.org/markup-compatibility/2006" xmlns:p14="http://schemas.microsoft.com/office/powerpoint/2010/main">
-    <mc:Choice Requires="p14">
-      <p:transition spd="med" p14:dur="700">
-        <p:fade/>
-      </p:transition>
-    </mc:Choice>
-    <mc:Fallback xmlns="">
-      <p:transition spd="med">
-        <p:fade/>
-      </p:transition>
-    </mc:Fallback>
-  </mc:AlternateContent>
-</p:sld>
-</file>
-
-<file path=ppt/slides/slide20.xml><?xml version="1.0" encoding="utf-8"?>
-<p:sld xmlns:a="http://schemas.openxmlformats.org/drawingml/2006/main" xmlns:r="http://schemas.openxmlformats.org/officeDocument/2006/relationships" xmlns:p="http://schemas.openxmlformats.org/presentationml/2006/main">
-  <p:cSld>
-    <p:spTree>
-      <p:nvGrpSpPr>
-        <p:cNvPr id="1" name=""/>
-        <p:cNvGrpSpPr/>
-        <p:nvPr/>
-      </p:nvGrpSpPr>
-      <p:grpSpPr>
-        <a:xfrm>
-          <a:off x="0" y="0"/>
-          <a:ext cx="0" cy="0"/>
-          <a:chOff x="0" y="0"/>
-          <a:chExt cx="0" cy="0"/>
-        </a:xfrm>
-      </p:grpSpPr>
-      <p:sp>
-        <p:nvSpPr>
-          <p:cNvPr id="2" name="제목 1">
-            <a:extLst>
-              <a:ext uri="{FF2B5EF4-FFF2-40B4-BE49-F238E27FC236}">
-                <a16:creationId xmlns:a16="http://schemas.microsoft.com/office/drawing/2014/main" id="{28D78D5F-E582-4987-91DF-9C7C5BEBD4EB}"/>
-              </a:ext>
-            </a:extLst>
-          </p:cNvPr>
-          <p:cNvSpPr>
-            <a:spLocks noGrp="1"/>
-          </p:cNvSpPr>
-          <p:nvPr>
-            <p:ph type="title"/>
-          </p:nvPr>
-        </p:nvSpPr>
-        <p:spPr/>
-        <p:txBody>
-          <a:bodyPr/>
-          <a:lstStyle/>
-          <a:p>
-            <a:r>
-              <a:rPr lang="ko-KR" altLang="en-US" dirty="0"/>
-              <a:t>개발자가 </a:t>
-            </a:r>
-            <a:r>
-              <a:rPr lang="ko-KR" altLang="en-US" dirty="0" err="1"/>
-              <a:t>알아두면</a:t>
-            </a:r>
-            <a:r>
-              <a:rPr lang="ko-KR" altLang="en-US" dirty="0"/>
-              <a:t> 좋을 네트워크 개념</a:t>
-            </a:r>
-          </a:p>
-        </p:txBody>
-      </p:sp>
-      <p:sp>
-        <p:nvSpPr>
-          <p:cNvPr id="3" name="내용 개체 틀 2">
-            <a:extLst>
-              <a:ext uri="{FF2B5EF4-FFF2-40B4-BE49-F238E27FC236}">
-                <a16:creationId xmlns:a16="http://schemas.microsoft.com/office/drawing/2014/main" id="{DFA47AE3-6532-4E43-9E16-6D279FF62F6D}"/>
-              </a:ext>
-            </a:extLst>
-          </p:cNvPr>
-          <p:cNvSpPr>
-            <a:spLocks noGrp="1"/>
-          </p:cNvSpPr>
-          <p:nvPr>
-            <p:ph idx="1"/>
-          </p:nvPr>
-        </p:nvSpPr>
-        <p:spPr/>
-        <p:txBody>
-          <a:bodyPr/>
-          <a:lstStyle/>
-          <a:p>
-            <a:r>
-              <a:rPr lang="en-US" altLang="ko-KR" dirty="0"/>
-              <a:t>PORT</a:t>
-            </a:r>
-          </a:p>
-          <a:p>
-            <a:pPr lvl="1"/>
-            <a:r>
-              <a:rPr lang="ko-KR" altLang="en-US" dirty="0"/>
-              <a:t>프로세스를 구분</a:t>
-            </a:r>
-            <a:endParaRPr lang="en-US" altLang="ko-KR" dirty="0"/>
-          </a:p>
-          <a:p>
-            <a:pPr lvl="1"/>
-            <a:r>
-              <a:rPr lang="en-US" altLang="ko-KR" dirty="0"/>
-              <a:t>https://a.com</a:t>
-            </a:r>
-            <a:endParaRPr lang="ko-KR" altLang="en-US" dirty="0"/>
-          </a:p>
-        </p:txBody>
-      </p:sp>
-      <p:sp>
-        <p:nvSpPr>
-          <p:cNvPr id="24" name="직사각형 23">
-            <a:extLst>
-              <a:ext uri="{FF2B5EF4-FFF2-40B4-BE49-F238E27FC236}">
-                <a16:creationId xmlns:a16="http://schemas.microsoft.com/office/drawing/2014/main" id="{7307316F-A5AE-4A8C-9E78-8077978BDDD7}"/>
-              </a:ext>
-            </a:extLst>
-          </p:cNvPr>
-          <p:cNvSpPr/>
-          <p:nvPr/>
-        </p:nvSpPr>
-        <p:spPr>
-          <a:xfrm>
-            <a:off x="2141086" y="3890430"/>
-            <a:ext cx="1139352" cy="497374"/>
-          </a:xfrm>
-          <a:prstGeom prst="rect">
-            <a:avLst/>
-          </a:prstGeom>
-        </p:spPr>
-        <p:style>
-          <a:lnRef idx="1">
-            <a:schemeClr val="accent3"/>
-          </a:lnRef>
-          <a:fillRef idx="2">
-            <a:schemeClr val="accent3"/>
-          </a:fillRef>
-          <a:effectRef idx="1">
-            <a:schemeClr val="accent3"/>
-          </a:effectRef>
-          <a:fontRef idx="minor">
-            <a:schemeClr val="dk1"/>
-          </a:fontRef>
-        </p:style>
-        <p:txBody>
-          <a:bodyPr rtlCol="0" anchor="ctr"/>
-          <a:lstStyle/>
-          <a:p>
-            <a:pPr algn="ctr"/>
-            <a:r>
-              <a:rPr lang="ko-KR" altLang="en-US" dirty="0"/>
-              <a:t>송신자</a:t>
-            </a:r>
-            <a:endParaRPr lang="en-US" altLang="ko-KR" dirty="0"/>
-          </a:p>
-        </p:txBody>
-      </p:sp>
-      <p:sp>
-        <p:nvSpPr>
-          <p:cNvPr id="25" name="직사각형 24">
-            <a:extLst>
-              <a:ext uri="{FF2B5EF4-FFF2-40B4-BE49-F238E27FC236}">
-                <a16:creationId xmlns:a16="http://schemas.microsoft.com/office/drawing/2014/main" id="{B2036BCA-013E-4FBF-9E3D-9A23573DCB65}"/>
-              </a:ext>
-            </a:extLst>
-          </p:cNvPr>
-          <p:cNvSpPr/>
-          <p:nvPr/>
-        </p:nvSpPr>
-        <p:spPr>
-          <a:xfrm>
-            <a:off x="5582883" y="3890430"/>
-            <a:ext cx="1026234" cy="497374"/>
-          </a:xfrm>
-          <a:prstGeom prst="rect">
-            <a:avLst/>
-          </a:prstGeom>
-        </p:spPr>
-        <p:style>
-          <a:lnRef idx="1">
-            <a:schemeClr val="accent3"/>
-          </a:lnRef>
-          <a:fillRef idx="2">
-            <a:schemeClr val="accent3"/>
-          </a:fillRef>
-          <a:effectRef idx="1">
-            <a:schemeClr val="accent3"/>
-          </a:effectRef>
-          <a:fontRef idx="minor">
-            <a:schemeClr val="dk1"/>
-          </a:fontRef>
-        </p:style>
-        <p:txBody>
-          <a:bodyPr rtlCol="0" anchor="ctr"/>
-          <a:lstStyle/>
-          <a:p>
-            <a:pPr algn="ctr"/>
-            <a:r>
-              <a:rPr lang="ko-KR" altLang="en-US" dirty="0"/>
-              <a:t>수신자</a:t>
-            </a:r>
-          </a:p>
-        </p:txBody>
-      </p:sp>
-      <p:cxnSp>
-        <p:nvCxnSpPr>
-          <p:cNvPr id="26" name="직선 연결선 25">
-            <a:extLst>
-              <a:ext uri="{FF2B5EF4-FFF2-40B4-BE49-F238E27FC236}">
-                <a16:creationId xmlns:a16="http://schemas.microsoft.com/office/drawing/2014/main" id="{9A332B51-3407-4991-A568-3F347D0F35FD}"/>
-              </a:ext>
-            </a:extLst>
-          </p:cNvPr>
-          <p:cNvCxnSpPr>
-            <a:cxnSpLocks/>
-            <a:stCxn id="24" idx="3"/>
-            <a:endCxn id="25" idx="1"/>
-          </p:cNvCxnSpPr>
-          <p:nvPr/>
-        </p:nvCxnSpPr>
-        <p:spPr>
-          <a:xfrm>
-            <a:off x="3280438" y="4139117"/>
-            <a:ext cx="2302445" cy="0"/>
-          </a:xfrm>
-          <a:prstGeom prst="line">
-            <a:avLst/>
-          </a:prstGeom>
-        </p:spPr>
-        <p:style>
-          <a:lnRef idx="3">
-            <a:schemeClr val="dk1"/>
-          </a:lnRef>
-          <a:fillRef idx="0">
-            <a:schemeClr val="dk1"/>
-          </a:fillRef>
-          <a:effectRef idx="2">
-            <a:schemeClr val="dk1"/>
-          </a:effectRef>
-          <a:fontRef idx="minor">
-            <a:schemeClr val="tx1"/>
-          </a:fontRef>
-        </p:style>
-      </p:cxnSp>
-      <p:sp>
-        <p:nvSpPr>
-          <p:cNvPr id="27" name="TextBox 26">
-            <a:extLst>
-              <a:ext uri="{FF2B5EF4-FFF2-40B4-BE49-F238E27FC236}">
-                <a16:creationId xmlns:a16="http://schemas.microsoft.com/office/drawing/2014/main" id="{8FFBCECA-0F00-446A-953F-430CC5998390}"/>
-              </a:ext>
-            </a:extLst>
-          </p:cNvPr>
-          <p:cNvSpPr txBox="1"/>
-          <p:nvPr/>
-        </p:nvSpPr>
-        <p:spPr>
-          <a:xfrm>
-            <a:off x="3877662" y="3708230"/>
-            <a:ext cx="877163" cy="369332"/>
-          </a:xfrm>
-          <a:prstGeom prst="rect">
-            <a:avLst/>
-          </a:prstGeom>
-          <a:noFill/>
-        </p:spPr>
-        <p:txBody>
-          <a:bodyPr wrap="none" rtlCol="0">
-            <a:spAutoFit/>
-          </a:bodyPr>
-          <a:lstStyle/>
-          <a:p>
-            <a:r>
-              <a:rPr lang="ko-KR" altLang="en-US" dirty="0"/>
-              <a:t>인터넷</a:t>
-            </a:r>
-          </a:p>
-        </p:txBody>
-      </p:sp>
-      <p:sp>
-        <p:nvSpPr>
-          <p:cNvPr id="28" name="TextBox 27">
-            <a:extLst>
-              <a:ext uri="{FF2B5EF4-FFF2-40B4-BE49-F238E27FC236}">
-                <a16:creationId xmlns:a16="http://schemas.microsoft.com/office/drawing/2014/main" id="{83375635-060F-464B-AA1B-DC0C9F3CD995}"/>
-              </a:ext>
-            </a:extLst>
-          </p:cNvPr>
-          <p:cNvSpPr txBox="1"/>
-          <p:nvPr/>
-        </p:nvSpPr>
-        <p:spPr>
-          <a:xfrm>
-            <a:off x="6170535" y="4536456"/>
-            <a:ext cx="1941557" cy="923330"/>
-          </a:xfrm>
-          <a:prstGeom prst="rect">
-            <a:avLst/>
-          </a:prstGeom>
-          <a:noFill/>
-        </p:spPr>
-        <p:txBody>
-          <a:bodyPr wrap="none" rtlCol="0">
-            <a:spAutoFit/>
-          </a:bodyPr>
-          <a:lstStyle/>
-          <a:p>
-            <a:r>
-              <a:rPr lang="en-US" altLang="ko-KR" dirty="0"/>
-              <a:t>80 : WEB</a:t>
-            </a:r>
-          </a:p>
-          <a:p>
-            <a:r>
-              <a:rPr lang="en-US" altLang="ko-KR" dirty="0"/>
-              <a:t>443 : WEB(https)</a:t>
-            </a:r>
-          </a:p>
-          <a:p>
-            <a:r>
-              <a:rPr lang="en-US" altLang="ko-KR" dirty="0"/>
-              <a:t>23 : TELNET</a:t>
-            </a:r>
-            <a:endParaRPr lang="ko-KR" altLang="en-US" dirty="0"/>
-          </a:p>
-        </p:txBody>
-      </p:sp>
-    </p:spTree>
-    <p:extLst>
-      <p:ext uri="{BB962C8B-B14F-4D97-AF65-F5344CB8AC3E}">
-        <p14:creationId xmlns:p14="http://schemas.microsoft.com/office/powerpoint/2010/main" val="4163272331"/>
-      </p:ext>
-    </p:extLst>
-  </p:cSld>
-  <p:clrMapOvr>
-    <a:masterClrMapping/>
-  </p:clrMapOvr>
-  <mc:AlternateContent xmlns:mc="http://schemas.openxmlformats.org/markup-compatibility/2006" xmlns:p14="http://schemas.microsoft.com/office/powerpoint/2010/main">
-    <mc:Choice Requires="p14">
-      <p:transition spd="med" p14:dur="700">
-        <p:fade/>
-      </p:transition>
-    </mc:Choice>
-    <mc:Fallback xmlns="">
-      <p:transition spd="med">
-        <p:fade/>
-      </p:transition>
-    </mc:Fallback>
-  </mc:AlternateContent>
-</p:sld>
-</file>
-
-<file path=ppt/slides/slide21.xml><?xml version="1.0" encoding="utf-8"?>
-<p:sld xmlns:a="http://schemas.openxmlformats.org/drawingml/2006/main" xmlns:r="http://schemas.openxmlformats.org/officeDocument/2006/relationships" xmlns:p="http://schemas.openxmlformats.org/presentationml/2006/main">
-  <p:cSld>
-    <p:spTree>
-      <p:nvGrpSpPr>
-        <p:cNvPr id="1" name=""/>
-        <p:cNvGrpSpPr/>
-        <p:nvPr/>
-      </p:nvGrpSpPr>
-      <p:grpSpPr>
-        <a:xfrm>
-          <a:off x="0" y="0"/>
-          <a:ext cx="0" cy="0"/>
-          <a:chOff x="0" y="0"/>
-          <a:chExt cx="0" cy="0"/>
-        </a:xfrm>
-      </p:grpSpPr>
-      <p:sp>
-        <p:nvSpPr>
-          <p:cNvPr id="2" name="제목 1">
-            <a:extLst>
-              <a:ext uri="{FF2B5EF4-FFF2-40B4-BE49-F238E27FC236}">
-                <a16:creationId xmlns:a16="http://schemas.microsoft.com/office/drawing/2014/main" id="{28D78D5F-E582-4987-91DF-9C7C5BEBD4EB}"/>
-              </a:ext>
-            </a:extLst>
-          </p:cNvPr>
-          <p:cNvSpPr>
-            <a:spLocks noGrp="1"/>
-          </p:cNvSpPr>
-          <p:nvPr>
-            <p:ph type="title"/>
-          </p:nvPr>
-        </p:nvSpPr>
-        <p:spPr/>
-        <p:txBody>
-          <a:bodyPr/>
-          <a:lstStyle/>
-          <a:p>
-            <a:r>
-              <a:rPr lang="ko-KR" altLang="en-US" dirty="0"/>
-              <a:t>개발자가 </a:t>
-            </a:r>
-            <a:r>
-              <a:rPr lang="ko-KR" altLang="en-US" dirty="0" err="1"/>
-              <a:t>알아두면</a:t>
-            </a:r>
-            <a:r>
-              <a:rPr lang="ko-KR" altLang="en-US" dirty="0"/>
-              <a:t> 좋을 네트워크 개념</a:t>
-            </a:r>
-          </a:p>
-        </p:txBody>
-      </p:sp>
-      <p:sp>
-        <p:nvSpPr>
-          <p:cNvPr id="3" name="내용 개체 틀 2">
-            <a:extLst>
-              <a:ext uri="{FF2B5EF4-FFF2-40B4-BE49-F238E27FC236}">
-                <a16:creationId xmlns:a16="http://schemas.microsoft.com/office/drawing/2014/main" id="{DFA47AE3-6532-4E43-9E16-6D279FF62F6D}"/>
-              </a:ext>
-            </a:extLst>
-          </p:cNvPr>
-          <p:cNvSpPr>
-            <a:spLocks noGrp="1"/>
-          </p:cNvSpPr>
-          <p:nvPr>
-            <p:ph idx="1"/>
-          </p:nvPr>
-        </p:nvSpPr>
-        <p:spPr/>
-        <p:txBody>
-          <a:bodyPr/>
-          <a:lstStyle/>
-          <a:p>
-            <a:r>
-              <a:rPr lang="en-US" altLang="ko-KR" dirty="0"/>
-              <a:t>https://a.com/waf/callList</a:t>
-            </a:r>
-            <a:endParaRPr lang="ko-KR" altLang="en-US" dirty="0"/>
-          </a:p>
-        </p:txBody>
-      </p:sp>
-      <p:sp>
-        <p:nvSpPr>
-          <p:cNvPr id="24" name="직사각형 23">
-            <a:extLst>
-              <a:ext uri="{FF2B5EF4-FFF2-40B4-BE49-F238E27FC236}">
-                <a16:creationId xmlns:a16="http://schemas.microsoft.com/office/drawing/2014/main" id="{7307316F-A5AE-4A8C-9E78-8077978BDDD7}"/>
-              </a:ext>
-            </a:extLst>
-          </p:cNvPr>
-          <p:cNvSpPr/>
-          <p:nvPr/>
-        </p:nvSpPr>
-        <p:spPr>
-          <a:xfrm>
-            <a:off x="1384568" y="2931626"/>
-            <a:ext cx="1139352" cy="497374"/>
-          </a:xfrm>
-          <a:prstGeom prst="rect">
-            <a:avLst/>
-          </a:prstGeom>
-        </p:spPr>
-        <p:style>
-          <a:lnRef idx="1">
-            <a:schemeClr val="accent3"/>
-          </a:lnRef>
-          <a:fillRef idx="2">
-            <a:schemeClr val="accent3"/>
-          </a:fillRef>
-          <a:effectRef idx="1">
-            <a:schemeClr val="accent3"/>
-          </a:effectRef>
-          <a:fontRef idx="minor">
-            <a:schemeClr val="dk1"/>
-          </a:fontRef>
-        </p:style>
-        <p:txBody>
-          <a:bodyPr rtlCol="0" anchor="ctr"/>
-          <a:lstStyle/>
-          <a:p>
-            <a:pPr algn="ctr"/>
-            <a:r>
-              <a:rPr lang="ko-KR" altLang="en-US" dirty="0"/>
-              <a:t>브라우저</a:t>
-            </a:r>
-            <a:endParaRPr lang="en-US" altLang="ko-KR" dirty="0"/>
-          </a:p>
-        </p:txBody>
-      </p:sp>
-      <p:sp>
-        <p:nvSpPr>
-          <p:cNvPr id="25" name="직사각형 24">
-            <a:extLst>
-              <a:ext uri="{FF2B5EF4-FFF2-40B4-BE49-F238E27FC236}">
-                <a16:creationId xmlns:a16="http://schemas.microsoft.com/office/drawing/2014/main" id="{B2036BCA-013E-4FBF-9E3D-9A23573DCB65}"/>
-              </a:ext>
-            </a:extLst>
-          </p:cNvPr>
-          <p:cNvSpPr/>
-          <p:nvPr/>
-        </p:nvSpPr>
-        <p:spPr>
-          <a:xfrm>
-            <a:off x="3966766" y="2931626"/>
-            <a:ext cx="1026234" cy="497374"/>
-          </a:xfrm>
-          <a:prstGeom prst="rect">
-            <a:avLst/>
-          </a:prstGeom>
-        </p:spPr>
-        <p:style>
-          <a:lnRef idx="1">
-            <a:schemeClr val="accent3"/>
-          </a:lnRef>
-          <a:fillRef idx="2">
-            <a:schemeClr val="accent3"/>
-          </a:fillRef>
-          <a:effectRef idx="1">
-            <a:schemeClr val="accent3"/>
-          </a:effectRef>
-          <a:fontRef idx="minor">
-            <a:schemeClr val="dk1"/>
-          </a:fontRef>
-        </p:style>
-        <p:txBody>
-          <a:bodyPr rtlCol="0" anchor="ctr"/>
-          <a:lstStyle/>
-          <a:p>
-            <a:pPr algn="ctr"/>
-            <a:r>
-              <a:rPr lang="en-US" altLang="ko-KR" dirty="0"/>
-              <a:t>WEB</a:t>
-            </a:r>
-            <a:endParaRPr lang="ko-KR" altLang="en-US" dirty="0"/>
-          </a:p>
-        </p:txBody>
-      </p:sp>
-      <p:cxnSp>
-        <p:nvCxnSpPr>
-          <p:cNvPr id="26" name="직선 연결선 25">
-            <a:extLst>
-              <a:ext uri="{FF2B5EF4-FFF2-40B4-BE49-F238E27FC236}">
-                <a16:creationId xmlns:a16="http://schemas.microsoft.com/office/drawing/2014/main" id="{9A332B51-3407-4991-A568-3F347D0F35FD}"/>
-              </a:ext>
-            </a:extLst>
-          </p:cNvPr>
-          <p:cNvCxnSpPr>
-            <a:cxnSpLocks/>
-            <a:stCxn id="24" idx="3"/>
-            <a:endCxn id="25" idx="1"/>
-          </p:cNvCxnSpPr>
-          <p:nvPr/>
-        </p:nvCxnSpPr>
-        <p:spPr>
-          <a:xfrm>
-            <a:off x="2523920" y="3180313"/>
-            <a:ext cx="1442846" cy="0"/>
-          </a:xfrm>
-          <a:prstGeom prst="line">
-            <a:avLst/>
-          </a:prstGeom>
-        </p:spPr>
-        <p:style>
-          <a:lnRef idx="3">
-            <a:schemeClr val="dk1"/>
-          </a:lnRef>
-          <a:fillRef idx="0">
-            <a:schemeClr val="dk1"/>
-          </a:fillRef>
-          <a:effectRef idx="2">
-            <a:schemeClr val="dk1"/>
-          </a:effectRef>
-          <a:fontRef idx="minor">
-            <a:schemeClr val="tx1"/>
-          </a:fontRef>
-        </p:style>
-      </p:cxnSp>
-      <p:sp>
-        <p:nvSpPr>
-          <p:cNvPr id="27" name="TextBox 26">
-            <a:extLst>
-              <a:ext uri="{FF2B5EF4-FFF2-40B4-BE49-F238E27FC236}">
-                <a16:creationId xmlns:a16="http://schemas.microsoft.com/office/drawing/2014/main" id="{8FFBCECA-0F00-446A-953F-430CC5998390}"/>
-              </a:ext>
-            </a:extLst>
-          </p:cNvPr>
-          <p:cNvSpPr txBox="1"/>
-          <p:nvPr/>
-        </p:nvSpPr>
-        <p:spPr>
-          <a:xfrm>
-            <a:off x="2837462" y="2810981"/>
-            <a:ext cx="877163" cy="369332"/>
-          </a:xfrm>
-          <a:prstGeom prst="rect">
-            <a:avLst/>
-          </a:prstGeom>
-          <a:noFill/>
-        </p:spPr>
-        <p:txBody>
-          <a:bodyPr wrap="none" rtlCol="0">
-            <a:spAutoFit/>
-          </a:bodyPr>
-          <a:lstStyle/>
-          <a:p>
-            <a:r>
-              <a:rPr lang="ko-KR" altLang="en-US" dirty="0"/>
-              <a:t>인터넷</a:t>
-            </a:r>
-          </a:p>
-        </p:txBody>
-      </p:sp>
-      <p:sp>
-        <p:nvSpPr>
-          <p:cNvPr id="28" name="TextBox 27">
-            <a:extLst>
-              <a:ext uri="{FF2B5EF4-FFF2-40B4-BE49-F238E27FC236}">
-                <a16:creationId xmlns:a16="http://schemas.microsoft.com/office/drawing/2014/main" id="{83375635-060F-464B-AA1B-DC0C9F3CD995}"/>
-              </a:ext>
-            </a:extLst>
-          </p:cNvPr>
-          <p:cNvSpPr txBox="1"/>
-          <p:nvPr/>
-        </p:nvSpPr>
-        <p:spPr>
-          <a:xfrm>
-            <a:off x="3966766" y="3579297"/>
-            <a:ext cx="1941557" cy="369332"/>
-          </a:xfrm>
-          <a:prstGeom prst="rect">
-            <a:avLst/>
-          </a:prstGeom>
-          <a:noFill/>
-        </p:spPr>
-        <p:txBody>
-          <a:bodyPr wrap="none" rtlCol="0">
-            <a:spAutoFit/>
-          </a:bodyPr>
-          <a:lstStyle/>
-          <a:p>
-            <a:r>
-              <a:rPr lang="en-US" altLang="ko-KR" dirty="0"/>
-              <a:t>443 : WEB(https)</a:t>
-            </a:r>
-            <a:endParaRPr lang="ko-KR" altLang="en-US" dirty="0"/>
-          </a:p>
-        </p:txBody>
-      </p:sp>
-      <p:sp>
-        <p:nvSpPr>
-          <p:cNvPr id="9" name="직사각형 8">
-            <a:extLst>
-              <a:ext uri="{FF2B5EF4-FFF2-40B4-BE49-F238E27FC236}">
-                <a16:creationId xmlns:a16="http://schemas.microsoft.com/office/drawing/2014/main" id="{21125A84-E343-49FF-B2AD-889CCB0AF864}"/>
-              </a:ext>
-            </a:extLst>
-          </p:cNvPr>
-          <p:cNvSpPr/>
-          <p:nvPr/>
-        </p:nvSpPr>
-        <p:spPr>
-          <a:xfrm>
-            <a:off x="6435846" y="2931626"/>
-            <a:ext cx="1026234" cy="497374"/>
-          </a:xfrm>
-          <a:prstGeom prst="rect">
-            <a:avLst/>
-          </a:prstGeom>
-        </p:spPr>
-        <p:style>
-          <a:lnRef idx="1">
-            <a:schemeClr val="accent3"/>
-          </a:lnRef>
-          <a:fillRef idx="2">
-            <a:schemeClr val="accent3"/>
-          </a:fillRef>
-          <a:effectRef idx="1">
-            <a:schemeClr val="accent3"/>
-          </a:effectRef>
-          <a:fontRef idx="minor">
-            <a:schemeClr val="dk1"/>
-          </a:fontRef>
-        </p:style>
-        <p:txBody>
-          <a:bodyPr rtlCol="0" anchor="ctr"/>
-          <a:lstStyle/>
-          <a:p>
-            <a:pPr algn="ctr"/>
-            <a:r>
-              <a:rPr lang="en-US" altLang="ko-KR" dirty="0"/>
-              <a:t>WAS</a:t>
-            </a:r>
-            <a:endParaRPr lang="ko-KR" altLang="en-US" dirty="0"/>
-          </a:p>
-        </p:txBody>
-      </p:sp>
-      <p:cxnSp>
-        <p:nvCxnSpPr>
-          <p:cNvPr id="12" name="직선 연결선 11">
-            <a:extLst>
-              <a:ext uri="{FF2B5EF4-FFF2-40B4-BE49-F238E27FC236}">
-                <a16:creationId xmlns:a16="http://schemas.microsoft.com/office/drawing/2014/main" id="{05F482C8-5245-4735-9B8A-3549052121DB}"/>
-              </a:ext>
-            </a:extLst>
-          </p:cNvPr>
-          <p:cNvCxnSpPr>
-            <a:cxnSpLocks/>
-          </p:cNvCxnSpPr>
-          <p:nvPr/>
-        </p:nvCxnSpPr>
-        <p:spPr>
-          <a:xfrm>
-            <a:off x="4993000" y="3180313"/>
-            <a:ext cx="1442846" cy="0"/>
-          </a:xfrm>
-          <a:prstGeom prst="line">
-            <a:avLst/>
-          </a:prstGeom>
-        </p:spPr>
-        <p:style>
-          <a:lnRef idx="3">
-            <a:schemeClr val="dk1"/>
-          </a:lnRef>
-          <a:fillRef idx="0">
-            <a:schemeClr val="dk1"/>
-          </a:fillRef>
-          <a:effectRef idx="2">
-            <a:schemeClr val="dk1"/>
-          </a:effectRef>
-          <a:fontRef idx="minor">
-            <a:schemeClr val="tx1"/>
-          </a:fontRef>
-        </p:style>
-      </p:cxnSp>
-      <p:sp>
-        <p:nvSpPr>
-          <p:cNvPr id="13" name="TextBox 12">
-            <a:extLst>
-              <a:ext uri="{FF2B5EF4-FFF2-40B4-BE49-F238E27FC236}">
-                <a16:creationId xmlns:a16="http://schemas.microsoft.com/office/drawing/2014/main" id="{17305224-18C1-40B4-BDDA-FA0DC5EDFDE4}"/>
-              </a:ext>
-            </a:extLst>
-          </p:cNvPr>
-          <p:cNvSpPr txBox="1"/>
-          <p:nvPr/>
-        </p:nvSpPr>
-        <p:spPr>
-          <a:xfrm>
-            <a:off x="6711062" y="3579297"/>
-            <a:ext cx="2433102" cy="369332"/>
-          </a:xfrm>
-          <a:prstGeom prst="rect">
-            <a:avLst/>
-          </a:prstGeom>
-          <a:noFill/>
-        </p:spPr>
-        <p:txBody>
-          <a:bodyPr wrap="none" rtlCol="0">
-            <a:spAutoFit/>
-          </a:bodyPr>
-          <a:lstStyle/>
-          <a:p>
-            <a:r>
-              <a:rPr lang="en-US" altLang="ko-KR" dirty="0"/>
-              <a:t>18080 : WAS(TCP/IP)</a:t>
-            </a:r>
-            <a:endParaRPr lang="ko-KR" altLang="en-US" dirty="0"/>
-          </a:p>
-        </p:txBody>
-      </p:sp>
-      <p:sp>
-        <p:nvSpPr>
-          <p:cNvPr id="14" name="직사각형 13">
-            <a:extLst>
-              <a:ext uri="{FF2B5EF4-FFF2-40B4-BE49-F238E27FC236}">
-                <a16:creationId xmlns:a16="http://schemas.microsoft.com/office/drawing/2014/main" id="{332C5718-DD11-4DA7-A957-AE5C2C9D6CED}"/>
-              </a:ext>
-            </a:extLst>
-          </p:cNvPr>
-          <p:cNvSpPr/>
-          <p:nvPr/>
-        </p:nvSpPr>
-        <p:spPr>
-          <a:xfrm>
-            <a:off x="3458279" y="4138451"/>
-            <a:ext cx="1941557" cy="462133"/>
-          </a:xfrm>
-          <a:prstGeom prst="rect">
-            <a:avLst/>
-          </a:prstGeom>
-        </p:spPr>
-        <p:style>
-          <a:lnRef idx="0">
-            <a:schemeClr val="accent1"/>
-          </a:lnRef>
-          <a:fillRef idx="3">
-            <a:schemeClr val="accent1"/>
-          </a:fillRef>
-          <a:effectRef idx="3">
-            <a:schemeClr val="accent1"/>
-          </a:effectRef>
-          <a:fontRef idx="minor">
-            <a:schemeClr val="lt1"/>
-          </a:fontRef>
-        </p:style>
-        <p:txBody>
-          <a:bodyPr rtlCol="0" anchor="ctr"/>
-          <a:lstStyle/>
-          <a:p>
-            <a:pPr algn="ctr"/>
-            <a:r>
-              <a:rPr lang="en-US" altLang="ko-KR" dirty="0"/>
-              <a:t>DMZ</a:t>
-            </a:r>
-            <a:endParaRPr lang="ko-KR" altLang="en-US" dirty="0"/>
-          </a:p>
-        </p:txBody>
-      </p:sp>
-      <p:sp>
-        <p:nvSpPr>
-          <p:cNvPr id="15" name="직사각형 14">
-            <a:extLst>
-              <a:ext uri="{FF2B5EF4-FFF2-40B4-BE49-F238E27FC236}">
-                <a16:creationId xmlns:a16="http://schemas.microsoft.com/office/drawing/2014/main" id="{8CD0E332-7534-4087-87BB-C764DAFB1265}"/>
-              </a:ext>
-            </a:extLst>
-          </p:cNvPr>
-          <p:cNvSpPr/>
-          <p:nvPr/>
-        </p:nvSpPr>
-        <p:spPr>
-          <a:xfrm>
-            <a:off x="5978184" y="4119219"/>
-            <a:ext cx="1941557" cy="462133"/>
-          </a:xfrm>
-          <a:prstGeom prst="rect">
-            <a:avLst/>
-          </a:prstGeom>
-        </p:spPr>
-        <p:style>
-          <a:lnRef idx="0">
-            <a:schemeClr val="accent1"/>
-          </a:lnRef>
-          <a:fillRef idx="3">
-            <a:schemeClr val="accent1"/>
-          </a:fillRef>
-          <a:effectRef idx="3">
-            <a:schemeClr val="accent1"/>
-          </a:effectRef>
-          <a:fontRef idx="minor">
-            <a:schemeClr val="lt1"/>
-          </a:fontRef>
-        </p:style>
-        <p:txBody>
-          <a:bodyPr rtlCol="0" anchor="ctr"/>
-          <a:lstStyle/>
-          <a:p>
-            <a:pPr algn="ctr"/>
-            <a:r>
-              <a:rPr lang="ko-KR" altLang="en-US" dirty="0" err="1"/>
-              <a:t>내부망</a:t>
-            </a:r>
-            <a:endParaRPr lang="ko-KR" altLang="en-US" dirty="0"/>
-          </a:p>
-        </p:txBody>
-      </p:sp>
-      <p:sp>
-        <p:nvSpPr>
-          <p:cNvPr id="16" name="직사각형 15">
-            <a:extLst>
-              <a:ext uri="{FF2B5EF4-FFF2-40B4-BE49-F238E27FC236}">
-                <a16:creationId xmlns:a16="http://schemas.microsoft.com/office/drawing/2014/main" id="{17DA843E-4A3C-4691-88EB-76052E00FEA7}"/>
-              </a:ext>
-            </a:extLst>
-          </p:cNvPr>
-          <p:cNvSpPr/>
-          <p:nvPr/>
-        </p:nvSpPr>
-        <p:spPr>
-          <a:xfrm>
-            <a:off x="7138629" y="1959040"/>
-            <a:ext cx="1026234" cy="497374"/>
-          </a:xfrm>
-          <a:prstGeom prst="rect">
-            <a:avLst/>
-          </a:prstGeom>
-        </p:spPr>
-        <p:style>
-          <a:lnRef idx="1">
-            <a:schemeClr val="accent3"/>
-          </a:lnRef>
-          <a:fillRef idx="2">
-            <a:schemeClr val="accent3"/>
-          </a:fillRef>
-          <a:effectRef idx="1">
-            <a:schemeClr val="accent3"/>
-          </a:effectRef>
-          <a:fontRef idx="minor">
-            <a:schemeClr val="dk1"/>
-          </a:fontRef>
-        </p:style>
-        <p:txBody>
-          <a:bodyPr rtlCol="0" anchor="ctr"/>
-          <a:lstStyle/>
-          <a:p>
-            <a:pPr algn="ctr"/>
-            <a:r>
-              <a:rPr lang="en-US" altLang="ko-KR" dirty="0"/>
-              <a:t>DBMS</a:t>
-            </a:r>
-            <a:endParaRPr lang="ko-KR" altLang="en-US" dirty="0"/>
-          </a:p>
-        </p:txBody>
-      </p:sp>
-      <p:sp>
-        <p:nvSpPr>
-          <p:cNvPr id="17" name="직사각형 16">
-            <a:extLst>
-              <a:ext uri="{FF2B5EF4-FFF2-40B4-BE49-F238E27FC236}">
-                <a16:creationId xmlns:a16="http://schemas.microsoft.com/office/drawing/2014/main" id="{AC0B66A1-4600-4A82-A369-47B697A4A890}"/>
-              </a:ext>
-            </a:extLst>
-          </p:cNvPr>
-          <p:cNvSpPr/>
-          <p:nvPr/>
-        </p:nvSpPr>
-        <p:spPr>
-          <a:xfrm>
-            <a:off x="8153106" y="2791377"/>
-            <a:ext cx="1026234" cy="497374"/>
-          </a:xfrm>
-          <a:prstGeom prst="rect">
-            <a:avLst/>
-          </a:prstGeom>
-        </p:spPr>
-        <p:style>
-          <a:lnRef idx="1">
-            <a:schemeClr val="accent3"/>
-          </a:lnRef>
-          <a:fillRef idx="2">
-            <a:schemeClr val="accent3"/>
-          </a:fillRef>
-          <a:effectRef idx="1">
-            <a:schemeClr val="accent3"/>
-          </a:effectRef>
-          <a:fontRef idx="minor">
-            <a:schemeClr val="dk1"/>
-          </a:fontRef>
-        </p:style>
-        <p:txBody>
-          <a:bodyPr rtlCol="0" anchor="ctr"/>
-          <a:lstStyle/>
-          <a:p>
-            <a:pPr algn="ctr"/>
-            <a:r>
-              <a:rPr lang="en-US" altLang="ko-KR" sz="1600" dirty="0"/>
-              <a:t>API G/W</a:t>
-            </a:r>
-            <a:endParaRPr lang="ko-KR" altLang="en-US" sz="1600" dirty="0"/>
-          </a:p>
-        </p:txBody>
-      </p:sp>
-      <p:cxnSp>
-        <p:nvCxnSpPr>
-          <p:cNvPr id="21" name="직선 연결선 20">
-            <a:extLst>
-              <a:ext uri="{FF2B5EF4-FFF2-40B4-BE49-F238E27FC236}">
-                <a16:creationId xmlns:a16="http://schemas.microsoft.com/office/drawing/2014/main" id="{2E394BD2-3A4D-4642-B805-A5268A92F4A9}"/>
-              </a:ext>
-            </a:extLst>
-          </p:cNvPr>
-          <p:cNvCxnSpPr>
-            <a:cxnSpLocks/>
-            <a:stCxn id="9" idx="0"/>
-            <a:endCxn id="16" idx="2"/>
-          </p:cNvCxnSpPr>
-          <p:nvPr/>
-        </p:nvCxnSpPr>
-        <p:spPr>
-          <a:xfrm flipV="1">
-            <a:off x="6948963" y="2456414"/>
-            <a:ext cx="702783" cy="475212"/>
-          </a:xfrm>
-          <a:prstGeom prst="line">
-            <a:avLst/>
-          </a:prstGeom>
-        </p:spPr>
-        <p:style>
-          <a:lnRef idx="3">
-            <a:schemeClr val="dk1"/>
-          </a:lnRef>
-          <a:fillRef idx="0">
-            <a:schemeClr val="dk1"/>
-          </a:fillRef>
-          <a:effectRef idx="2">
-            <a:schemeClr val="dk1"/>
-          </a:effectRef>
-          <a:fontRef idx="minor">
-            <a:schemeClr val="tx1"/>
-          </a:fontRef>
-        </p:style>
-      </p:cxnSp>
-      <p:cxnSp>
-        <p:nvCxnSpPr>
-          <p:cNvPr id="29" name="직선 연결선 28">
-            <a:extLst>
-              <a:ext uri="{FF2B5EF4-FFF2-40B4-BE49-F238E27FC236}">
-                <a16:creationId xmlns:a16="http://schemas.microsoft.com/office/drawing/2014/main" id="{6CD3E2C9-1451-4630-86AC-C87C9FBC9F91}"/>
-              </a:ext>
-            </a:extLst>
-          </p:cNvPr>
-          <p:cNvCxnSpPr>
-            <a:cxnSpLocks/>
-            <a:stCxn id="9" idx="3"/>
-            <a:endCxn id="17" idx="1"/>
-          </p:cNvCxnSpPr>
-          <p:nvPr/>
-        </p:nvCxnSpPr>
-        <p:spPr>
-          <a:xfrm flipV="1">
-            <a:off x="7462080" y="3040064"/>
-            <a:ext cx="691026" cy="140249"/>
-          </a:xfrm>
-          <a:prstGeom prst="line">
-            <a:avLst/>
-          </a:prstGeom>
-        </p:spPr>
-        <p:style>
-          <a:lnRef idx="3">
-            <a:schemeClr val="dk1"/>
-          </a:lnRef>
-          <a:fillRef idx="0">
-            <a:schemeClr val="dk1"/>
-          </a:fillRef>
-          <a:effectRef idx="2">
-            <a:schemeClr val="dk1"/>
-          </a:effectRef>
-          <a:fontRef idx="minor">
-            <a:schemeClr val="tx1"/>
-          </a:fontRef>
-        </p:style>
-      </p:cxnSp>
-    </p:spTree>
-    <p:extLst>
-      <p:ext uri="{BB962C8B-B14F-4D97-AF65-F5344CB8AC3E}">
-        <p14:creationId xmlns:p14="http://schemas.microsoft.com/office/powerpoint/2010/main" val="112143458"/>
       </p:ext>
     </p:extLst>
   </p:cSld>
